--- a/Presentation/Auto_sales_Michelle.pptx
+++ b/Presentation/Auto_sales_Michelle.pptx
@@ -2779,7 +2779,7 @@
           <a:effectLst/>
           <a:extLst>
             <a:ext uri="{91240B29-F687-4f45-9708-019B960494DF}">
-              <a14:hiddenLine xmlns="" xmlns:a14="http://schemas.microsoft.com/office/drawing/2010/main" w="9525">
+              <a14:hiddenLine xmlns:a14="http://schemas.microsoft.com/office/drawing/2010/main" xmlns="" w="9525">
                 <a:solidFill>
                   <a:srgbClr val="000000"/>
                 </a:solidFill>
@@ -2972,7 +2972,7 @@
             <a:fld id="{08B9EBBA-996F-894A-B54A-D6246ED52CEA}" type="datetimeFigureOut">
               <a:rPr lang="en-US" dirty="0"/>
               <a:pPr/>
-              <a:t>8/13/21</a:t>
+              <a:t>8/14/21</a:t>
             </a:fld>
             <a:endParaRPr lang="en-US" dirty="0"/>
           </a:p>
@@ -3287,7 +3287,7 @@
             <a:fld id="{18C79C5D-2A6F-F04D-97DA-BEF2467B64E4}" type="datetimeFigureOut">
               <a:rPr lang="en-US" dirty="0"/>
               <a:pPr/>
-              <a:t>8/13/21</a:t>
+              <a:t>8/14/21</a:t>
             </a:fld>
             <a:endParaRPr lang="en-US" dirty="0"/>
           </a:p>
@@ -3772,7 +3772,7 @@
             <a:fld id="{8DFA1846-DA80-1C48-A609-854EA85C59AD}" type="datetimeFigureOut">
               <a:rPr lang="en-US" dirty="0"/>
               <a:pPr/>
-              <a:t>8/13/21</a:t>
+              <a:t>8/14/21</a:t>
             </a:fld>
             <a:endParaRPr lang="en-US" dirty="0"/>
           </a:p>
@@ -4138,7 +4138,7 @@
             <a:fld id="{FBF54567-0DE4-3F47-BF90-CB84690072F9}" type="datetimeFigureOut">
               <a:rPr lang="en-US" dirty="0"/>
               <a:pPr/>
-              <a:t>8/13/21</a:t>
+              <a:t>8/14/21</a:t>
             </a:fld>
             <a:endParaRPr lang="en-US" dirty="0"/>
           </a:p>
@@ -4289,7 +4289,7 @@
           <a:ln/>
           <a:extLst>
             <a:ext uri="{91240B29-F687-4f45-9708-019B960494DF}">
-              <a14:hiddenLine xmlns="" xmlns:a14="http://schemas.microsoft.com/office/drawing/2010/main" w="9525">
+              <a14:hiddenLine xmlns:a14="http://schemas.microsoft.com/office/drawing/2010/main" xmlns="" w="9525">
                 <a:solidFill>
                   <a:srgbClr val="000000"/>
                 </a:solidFill>
@@ -4408,7 +4408,7 @@
             <a:fld id="{C6C52C72-DE31-F449-A4ED-4C594FD91407}" type="datetimeFigureOut">
               <a:rPr lang="en-US" dirty="0"/>
               <a:pPr/>
-              <a:t>8/13/21</a:t>
+              <a:t>8/14/21</a:t>
             </a:fld>
             <a:endParaRPr lang="en-US" dirty="0"/>
           </a:p>
@@ -4561,7 +4561,7 @@
           <a:ln/>
           <a:extLst>
             <a:ext uri="{91240B29-F687-4f45-9708-019B960494DF}">
-              <a14:hiddenLine xmlns="" xmlns:a14="http://schemas.microsoft.com/office/drawing/2010/main" w="9525">
+              <a14:hiddenLine xmlns:a14="http://schemas.microsoft.com/office/drawing/2010/main" xmlns="" w="9525">
                 <a:solidFill>
                   <a:srgbClr val="000000"/>
                 </a:solidFill>
@@ -4690,7 +4690,7 @@
             <a:fld id="{ED62726E-379B-B349-9EED-81ED093FA806}" type="datetimeFigureOut">
               <a:rPr lang="en-US" dirty="0"/>
               <a:pPr/>
-              <a:t>8/13/21</a:t>
+              <a:t>8/14/21</a:t>
             </a:fld>
             <a:endParaRPr lang="en-US" dirty="0"/>
           </a:p>
@@ -4841,7 +4841,7 @@
           <a:ln/>
           <a:extLst>
             <a:ext uri="{91240B29-F687-4f45-9708-019B960494DF}">
-              <a14:hiddenLine xmlns="" xmlns:a14="http://schemas.microsoft.com/office/drawing/2010/main" w="9525">
+              <a14:hiddenLine xmlns:a14="http://schemas.microsoft.com/office/drawing/2010/main" xmlns="" w="9525">
                 <a:solidFill>
                   <a:srgbClr val="000000"/>
                 </a:solidFill>
@@ -4970,7 +4970,7 @@
             <a:fld id="{9B3A1323-8D79-1946-B0D7-40001CF92E9D}" type="datetimeFigureOut">
               <a:rPr lang="en-US" dirty="0"/>
               <a:pPr/>
-              <a:t>8/13/21</a:t>
+              <a:t>8/14/21</a:t>
             </a:fld>
             <a:endParaRPr lang="en-US" dirty="0"/>
           </a:p>
@@ -5310,7 +5310,7 @@
             <a:fld id="{8DFA1846-DA80-1C48-A609-854EA85C59AD}" type="datetimeFigureOut">
               <a:rPr lang="en-US" dirty="0"/>
               <a:pPr/>
-              <a:t>8/13/21</a:t>
+              <a:t>8/14/21</a:t>
             </a:fld>
             <a:endParaRPr lang="en-US" dirty="0"/>
           </a:p>
@@ -5461,7 +5461,7 @@
           <a:ln/>
           <a:extLst>
             <a:ext uri="{91240B29-F687-4f45-9708-019B960494DF}">
-              <a14:hiddenLine xmlns="" xmlns:a14="http://schemas.microsoft.com/office/drawing/2010/main" w="9525">
+              <a14:hiddenLine xmlns:a14="http://schemas.microsoft.com/office/drawing/2010/main" xmlns="" w="9525">
                 <a:solidFill>
                   <a:srgbClr val="000000"/>
                 </a:solidFill>
@@ -5646,7 +5646,7 @@
             <a:fld id="{57302355-E14B-8545-A8F8-0FE83CC9D524}" type="datetimeFigureOut">
               <a:rPr lang="en-US" dirty="0"/>
               <a:pPr/>
-              <a:t>8/13/21</a:t>
+              <a:t>8/14/21</a:t>
             </a:fld>
             <a:endParaRPr lang="en-US" dirty="0"/>
           </a:p>
@@ -5797,7 +5797,7 @@
           <a:ln/>
           <a:extLst>
             <a:ext uri="{91240B29-F687-4f45-9708-019B960494DF}">
-              <a14:hiddenLine xmlns="" xmlns:a14="http://schemas.microsoft.com/office/drawing/2010/main" w="9525">
+              <a14:hiddenLine xmlns:a14="http://schemas.microsoft.com/office/drawing/2010/main" xmlns="" w="9525">
                 <a:solidFill>
                   <a:srgbClr val="000000"/>
                 </a:solidFill>
@@ -6120,7 +6120,7 @@
             <a:fld id="{02640F58-564D-2B4F-AE67-E407BA4FCF45}" type="datetimeFigureOut">
               <a:rPr lang="en-US" dirty="0"/>
               <a:pPr/>
-              <a:t>8/13/21</a:t>
+              <a:t>8/14/21</a:t>
             </a:fld>
             <a:endParaRPr lang="en-US" dirty="0"/>
           </a:p>
@@ -6271,7 +6271,7 @@
           <a:ln/>
           <a:extLst>
             <a:ext uri="{91240B29-F687-4f45-9708-019B960494DF}">
-              <a14:hiddenLine xmlns="" xmlns:a14="http://schemas.microsoft.com/office/drawing/2010/main" w="9525">
+              <a14:hiddenLine xmlns:a14="http://schemas.microsoft.com/office/drawing/2010/main" xmlns="" w="9525">
                 <a:solidFill>
                   <a:srgbClr val="000000"/>
                 </a:solidFill>
@@ -6338,7 +6338,7 @@
             <a:fld id="{F13A34C8-038E-2045-AF43-DF7DBB8E0E9E}" type="datetimeFigureOut">
               <a:rPr lang="en-US" dirty="0"/>
               <a:pPr/>
-              <a:t>8/13/21</a:t>
+              <a:t>8/14/21</a:t>
             </a:fld>
             <a:endParaRPr lang="en-US" dirty="0"/>
           </a:p>
@@ -6430,7 +6430,7 @@
             <a:fld id="{8818C68F-D26B-8F47-958C-23B49CF8A634}" type="datetimeFigureOut">
               <a:rPr lang="en-US" dirty="0"/>
               <a:pPr/>
-              <a:t>8/13/21</a:t>
+              <a:t>8/14/21</a:t>
             </a:fld>
             <a:endParaRPr lang="en-US" dirty="0"/>
           </a:p>
@@ -6694,7 +6694,7 @@
           <a:ln/>
           <a:extLst>
             <a:ext uri="{91240B29-F687-4f45-9708-019B960494DF}">
-              <a14:hiddenLine xmlns="" xmlns:a14="http://schemas.microsoft.com/office/drawing/2010/main" w="9525">
+              <a14:hiddenLine xmlns:a14="http://schemas.microsoft.com/office/drawing/2010/main" xmlns="" w="9525">
                 <a:solidFill>
                   <a:srgbClr val="000000"/>
                 </a:solidFill>
@@ -6894,7 +6894,7 @@
             <a:fld id="{D0DF5E60-9974-AC48-9591-99C2BB44B7CF}" type="datetimeFigureOut">
               <a:rPr lang="en-US" dirty="0"/>
               <a:pPr/>
-              <a:t>8/13/21</a:t>
+              <a:t>8/14/21</a:t>
             </a:fld>
             <a:endParaRPr lang="en-US" dirty="0"/>
           </a:p>
@@ -7204,7 +7204,7 @@
             <a:fld id="{18C79C5D-2A6F-F04D-97DA-BEF2467B64E4}" type="datetimeFigureOut">
               <a:rPr lang="en-US" dirty="0"/>
               <a:pPr/>
-              <a:t>8/13/21</a:t>
+              <a:t>8/14/21</a:t>
             </a:fld>
             <a:endParaRPr lang="en-US" dirty="0"/>
           </a:p>
@@ -7471,7 +7471,7 @@
             <a:fld id="{09B482E8-6E0E-1B4F-B1FD-C69DB9E858D9}" type="datetimeFigureOut">
               <a:rPr lang="en-US" dirty="0"/>
               <a:pPr/>
-              <a:t>8/13/21</a:t>
+              <a:t>8/14/21</a:t>
             </a:fld>
             <a:endParaRPr lang="en-US" dirty="0"/>
           </a:p>
@@ -8951,1552 +8951,6 @@
       </p:pic>
       <p:graphicFrame>
         <p:nvGraphicFramePr>
-          <p:cNvPr id="3" name="Table 2">
-            <a:extLst>
-              <a:ext uri="{FF2B5EF4-FFF2-40B4-BE49-F238E27FC236}">
-                <a16:creationId xmlns:a16="http://schemas.microsoft.com/office/drawing/2014/main" id="{DF667DCF-B08B-C248-A62E-D6009E50D3B7}"/>
-              </a:ext>
-            </a:extLst>
-          </p:cNvPr>
-          <p:cNvGraphicFramePr>
-            <a:graphicFrameLocks noGrp="1"/>
-          </p:cNvGraphicFramePr>
-          <p:nvPr>
-            <p:extLst>
-              <p:ext uri="{D42A27DB-BD31-4B8C-83A1-F6EECF244321}">
-                <p14:modId xmlns:p14="http://schemas.microsoft.com/office/powerpoint/2010/main" val="997635383"/>
-              </p:ext>
-            </p:extLst>
-          </p:nvPr>
-        </p:nvGraphicFramePr>
-        <p:xfrm>
-          <a:off x="131883" y="3035560"/>
-          <a:ext cx="11928233" cy="3138363"/>
-        </p:xfrm>
-        <a:graphic>
-          <a:graphicData uri="http://schemas.openxmlformats.org/drawingml/2006/table">
-            <a:tbl>
-              <a:tblPr>
-                <a:effectLst/>
-              </a:tblPr>
-              <a:tblGrid>
-                <a:gridCol w="3215219">
-                  <a:extLst>
-                    <a:ext uri="{9D8B030D-6E8A-4147-A177-3AD203B41FA5}">
-                      <a16:colId xmlns:a16="http://schemas.microsoft.com/office/drawing/2014/main" val="147652983"/>
-                    </a:ext>
-                  </a:extLst>
-                </a:gridCol>
-                <a:gridCol w="1106654">
-                  <a:extLst>
-                    <a:ext uri="{9D8B030D-6E8A-4147-A177-3AD203B41FA5}">
-                      <a16:colId xmlns:a16="http://schemas.microsoft.com/office/drawing/2014/main" val="2931340686"/>
-                    </a:ext>
-                  </a:extLst>
-                </a:gridCol>
-                <a:gridCol w="1492937">
-                  <a:extLst>
-                    <a:ext uri="{9D8B030D-6E8A-4147-A177-3AD203B41FA5}">
-                      <a16:colId xmlns:a16="http://schemas.microsoft.com/office/drawing/2014/main" val="2321934148"/>
-                    </a:ext>
-                  </a:extLst>
-                </a:gridCol>
-                <a:gridCol w="6113423">
-                  <a:extLst>
-                    <a:ext uri="{9D8B030D-6E8A-4147-A177-3AD203B41FA5}">
-                      <a16:colId xmlns:a16="http://schemas.microsoft.com/office/drawing/2014/main" val="2935325454"/>
-                    </a:ext>
-                  </a:extLst>
-                </a:gridCol>
-              </a:tblGrid>
-              <a:tr h="636213">
-                <a:tc>
-                  <a:txBody>
-                    <a:bodyPr/>
-                    <a:lstStyle/>
-                    <a:p>
-                      <a:pPr algn="ctr" fontAlgn="b"/>
-                      <a:r>
-                        <a:rPr lang="en-US" sz="1800" b="1" i="0" u="none" strike="noStrike" dirty="0">
-                          <a:solidFill>
-                            <a:srgbClr val="000000"/>
-                          </a:solidFill>
-                          <a:effectLst/>
-                          <a:latin typeface="+mj-lt"/>
-                        </a:rPr>
-                        <a:t>Relationship</a:t>
-                      </a:r>
-                    </a:p>
-                  </a:txBody>
-                  <a:tcPr marL="8401" marR="8401" marT="8401" marB="0" anchor="b">
-                    <a:lnL w="6350" cap="flat" cmpd="sng" algn="ctr">
-                      <a:solidFill>
-                        <a:srgbClr val="000000"/>
-                      </a:solidFill>
-                      <a:prstDash val="solid"/>
-                      <a:round/>
-                      <a:headEnd type="none" w="med" len="med"/>
-                      <a:tailEnd type="none" w="med" len="med"/>
-                    </a:lnL>
-                    <a:lnR w="6350" cap="flat" cmpd="sng" algn="ctr">
-                      <a:solidFill>
-                        <a:srgbClr val="000000"/>
-                      </a:solidFill>
-                      <a:prstDash val="solid"/>
-                      <a:round/>
-                      <a:headEnd type="none" w="med" len="med"/>
-                      <a:tailEnd type="none" w="med" len="med"/>
-                    </a:lnR>
-                    <a:lnT w="6350" cap="flat" cmpd="sng" algn="ctr">
-                      <a:solidFill>
-                        <a:srgbClr val="000000"/>
-                      </a:solidFill>
-                      <a:prstDash val="solid"/>
-                      <a:round/>
-                      <a:headEnd type="none" w="med" len="med"/>
-                      <a:tailEnd type="none" w="med" len="med"/>
-                    </a:lnT>
-                    <a:lnB w="6350" cap="flat" cmpd="sng" algn="ctr">
-                      <a:solidFill>
-                        <a:srgbClr val="000000"/>
-                      </a:solidFill>
-                      <a:prstDash val="solid"/>
-                      <a:round/>
-                      <a:headEnd type="none" w="med" len="med"/>
-                      <a:tailEnd type="none" w="med" len="med"/>
-                    </a:lnB>
-                    <a:solidFill>
-                      <a:schemeClr val="tx1"/>
-                    </a:solidFill>
-                  </a:tcPr>
-                </a:tc>
-                <a:tc>
-                  <a:txBody>
-                    <a:bodyPr/>
-                    <a:lstStyle/>
-                    <a:p>
-                      <a:pPr algn="ctr" fontAlgn="b"/>
-                      <a:r>
-                        <a:rPr lang="en-US" sz="1800" b="1" i="0" u="none" strike="noStrike" dirty="0">
-                          <a:solidFill>
-                            <a:srgbClr val="000000"/>
-                          </a:solidFill>
-                          <a:effectLst/>
-                          <a:latin typeface="+mj-lt"/>
-                        </a:rPr>
-                        <a:t>R²</a:t>
-                      </a:r>
-                    </a:p>
-                  </a:txBody>
-                  <a:tcPr marL="8401" marR="8401" marT="8401" marB="0" anchor="b">
-                    <a:lnL w="6350" cap="flat" cmpd="sng" algn="ctr">
-                      <a:solidFill>
-                        <a:srgbClr val="000000"/>
-                      </a:solidFill>
-                      <a:prstDash val="solid"/>
-                      <a:round/>
-                      <a:headEnd type="none" w="med" len="med"/>
-                      <a:tailEnd type="none" w="med" len="med"/>
-                    </a:lnL>
-                    <a:lnR w="6350" cap="flat" cmpd="sng" algn="ctr">
-                      <a:solidFill>
-                        <a:srgbClr val="000000"/>
-                      </a:solidFill>
-                      <a:prstDash val="solid"/>
-                      <a:round/>
-                      <a:headEnd type="none" w="med" len="med"/>
-                      <a:tailEnd type="none" w="med" len="med"/>
-                    </a:lnR>
-                    <a:lnT w="6350" cap="flat" cmpd="sng" algn="ctr">
-                      <a:solidFill>
-                        <a:srgbClr val="000000"/>
-                      </a:solidFill>
-                      <a:prstDash val="solid"/>
-                      <a:round/>
-                      <a:headEnd type="none" w="med" len="med"/>
-                      <a:tailEnd type="none" w="med" len="med"/>
-                    </a:lnT>
-                    <a:lnB w="6350" cap="flat" cmpd="sng" algn="ctr">
-                      <a:solidFill>
-                        <a:srgbClr val="000000"/>
-                      </a:solidFill>
-                      <a:prstDash val="solid"/>
-                      <a:round/>
-                      <a:headEnd type="none" w="med" len="med"/>
-                      <a:tailEnd type="none" w="med" len="med"/>
-                    </a:lnB>
-                    <a:solidFill>
-                      <a:schemeClr val="tx1"/>
-                    </a:solidFill>
-                  </a:tcPr>
-                </a:tc>
-                <a:tc>
-                  <a:txBody>
-                    <a:bodyPr/>
-                    <a:lstStyle/>
-                    <a:p>
-                      <a:pPr algn="ctr" fontAlgn="b"/>
-                      <a:r>
-                        <a:rPr lang="en-US" sz="1800" b="1" i="0" u="none" strike="noStrike" dirty="0">
-                          <a:solidFill>
-                            <a:srgbClr val="000000"/>
-                          </a:solidFill>
-                          <a:effectLst/>
-                          <a:latin typeface="+mj-lt"/>
-                        </a:rPr>
-                        <a:t>Pearson’s r</a:t>
-                      </a:r>
-                    </a:p>
-                  </a:txBody>
-                  <a:tcPr marL="8401" marR="8401" marT="8401" marB="0" anchor="b">
-                    <a:lnL w="6350" cap="flat" cmpd="sng" algn="ctr">
-                      <a:solidFill>
-                        <a:srgbClr val="000000"/>
-                      </a:solidFill>
-                      <a:prstDash val="solid"/>
-                      <a:round/>
-                      <a:headEnd type="none" w="med" len="med"/>
-                      <a:tailEnd type="none" w="med" len="med"/>
-                    </a:lnL>
-                    <a:lnR w="6350" cap="flat" cmpd="sng" algn="ctr">
-                      <a:solidFill>
-                        <a:srgbClr val="000000"/>
-                      </a:solidFill>
-                      <a:prstDash val="solid"/>
-                      <a:round/>
-                      <a:headEnd type="none" w="med" len="med"/>
-                      <a:tailEnd type="none" w="med" len="med"/>
-                    </a:lnR>
-                    <a:lnT w="6350" cap="flat" cmpd="sng" algn="ctr">
-                      <a:solidFill>
-                        <a:srgbClr val="000000"/>
-                      </a:solidFill>
-                      <a:prstDash val="solid"/>
-                      <a:round/>
-                      <a:headEnd type="none" w="med" len="med"/>
-                      <a:tailEnd type="none" w="med" len="med"/>
-                    </a:lnT>
-                    <a:lnB w="6350" cap="flat" cmpd="sng" algn="ctr">
-                      <a:solidFill>
-                        <a:srgbClr val="000000"/>
-                      </a:solidFill>
-                      <a:prstDash val="solid"/>
-                      <a:round/>
-                      <a:headEnd type="none" w="med" len="med"/>
-                      <a:tailEnd type="none" w="med" len="med"/>
-                    </a:lnB>
-                    <a:solidFill>
-                      <a:schemeClr val="tx1"/>
-                    </a:solidFill>
-                  </a:tcPr>
-                </a:tc>
-                <a:tc>
-                  <a:txBody>
-                    <a:bodyPr/>
-                    <a:lstStyle/>
-                    <a:p>
-                      <a:pPr algn="ctr" fontAlgn="b"/>
-                      <a:r>
-                        <a:rPr lang="en-US" sz="1800" b="1" i="0" u="none" strike="noStrike" dirty="0">
-                          <a:solidFill>
-                            <a:srgbClr val="000000"/>
-                          </a:solidFill>
-                          <a:effectLst/>
-                          <a:latin typeface="+mj-lt"/>
-                        </a:rPr>
-                        <a:t>Meaning</a:t>
-                      </a:r>
-                    </a:p>
-                  </a:txBody>
-                  <a:tcPr marL="8401" marR="8401" marT="8401" marB="0" anchor="b">
-                    <a:lnL w="6350" cap="flat" cmpd="sng" algn="ctr">
-                      <a:solidFill>
-                        <a:srgbClr val="000000"/>
-                      </a:solidFill>
-                      <a:prstDash val="solid"/>
-                      <a:round/>
-                      <a:headEnd type="none" w="med" len="med"/>
-                      <a:tailEnd type="none" w="med" len="med"/>
-                    </a:lnL>
-                    <a:lnR w="6350" cap="flat" cmpd="sng" algn="ctr">
-                      <a:solidFill>
-                        <a:srgbClr val="000000"/>
-                      </a:solidFill>
-                      <a:prstDash val="solid"/>
-                      <a:round/>
-                      <a:headEnd type="none" w="med" len="med"/>
-                      <a:tailEnd type="none" w="med" len="med"/>
-                    </a:lnR>
-                    <a:lnT w="6350" cap="flat" cmpd="sng" algn="ctr">
-                      <a:solidFill>
-                        <a:srgbClr val="000000"/>
-                      </a:solidFill>
-                      <a:prstDash val="solid"/>
-                      <a:round/>
-                      <a:headEnd type="none" w="med" len="med"/>
-                      <a:tailEnd type="none" w="med" len="med"/>
-                    </a:lnT>
-                    <a:lnB w="6350" cap="flat" cmpd="sng" algn="ctr">
-                      <a:solidFill>
-                        <a:srgbClr val="000000"/>
-                      </a:solidFill>
-                      <a:prstDash val="solid"/>
-                      <a:round/>
-                      <a:headEnd type="none" w="med" len="med"/>
-                      <a:tailEnd type="none" w="med" len="med"/>
-                    </a:lnB>
-                    <a:solidFill>
-                      <a:schemeClr val="tx1"/>
-                    </a:solidFill>
-                  </a:tcPr>
-                </a:tc>
-                <a:extLst>
-                  <a:ext uri="{0D108BD9-81ED-4DB2-BD59-A6C34878D82A}">
-                    <a16:rowId xmlns:a16="http://schemas.microsoft.com/office/drawing/2014/main" val="2010179254"/>
-                  </a:ext>
-                </a:extLst>
-              </a:tr>
-              <a:tr h="500430">
-                <a:tc>
-                  <a:txBody>
-                    <a:bodyPr/>
-                    <a:lstStyle/>
-                    <a:p>
-                      <a:pPr algn="l" fontAlgn="b"/>
-                      <a:r>
-                        <a:rPr lang="en-US" sz="1450" b="0" i="0" u="none" strike="noStrike" dirty="0">
-                          <a:solidFill>
-                            <a:srgbClr val="000000"/>
-                          </a:solidFill>
-                          <a:effectLst/>
-                          <a:latin typeface="+mj-lt"/>
-                        </a:rPr>
-                        <a:t>Auto Sales v Gas Price</a:t>
-                      </a:r>
-                    </a:p>
-                  </a:txBody>
-                  <a:tcPr marL="8401" marR="8401" marT="8401" marB="0" anchor="b">
-                    <a:lnL w="6350" cap="flat" cmpd="sng" algn="ctr">
-                      <a:solidFill>
-                        <a:srgbClr val="000000"/>
-                      </a:solidFill>
-                      <a:prstDash val="solid"/>
-                      <a:round/>
-                      <a:headEnd type="none" w="med" len="med"/>
-                      <a:tailEnd type="none" w="med" len="med"/>
-                    </a:lnL>
-                    <a:lnR w="6350" cap="flat" cmpd="sng" algn="ctr">
-                      <a:solidFill>
-                        <a:srgbClr val="000000"/>
-                      </a:solidFill>
-                      <a:prstDash val="solid"/>
-                      <a:round/>
-                      <a:headEnd type="none" w="med" len="med"/>
-                      <a:tailEnd type="none" w="med" len="med"/>
-                    </a:lnR>
-                    <a:lnT w="6350" cap="flat" cmpd="sng" algn="ctr">
-                      <a:solidFill>
-                        <a:srgbClr val="000000"/>
-                      </a:solidFill>
-                      <a:prstDash val="solid"/>
-                      <a:round/>
-                      <a:headEnd type="none" w="med" len="med"/>
-                      <a:tailEnd type="none" w="med" len="med"/>
-                    </a:lnT>
-                    <a:lnB w="6350" cap="flat" cmpd="sng" algn="ctr">
-                      <a:solidFill>
-                        <a:srgbClr val="000000"/>
-                      </a:solidFill>
-                      <a:prstDash val="solid"/>
-                      <a:round/>
-                      <a:headEnd type="none" w="med" len="med"/>
-                      <a:tailEnd type="none" w="med" len="med"/>
-                    </a:lnB>
-                    <a:solidFill>
-                      <a:schemeClr val="tx1"/>
-                    </a:solidFill>
-                  </a:tcPr>
-                </a:tc>
-                <a:tc>
-                  <a:txBody>
-                    <a:bodyPr/>
-                    <a:lstStyle/>
-                    <a:p>
-                      <a:pPr algn="r" fontAlgn="b"/>
-                      <a:r>
-                        <a:rPr lang="en-US" sz="1450" b="0" i="0" u="none" strike="noStrike" dirty="0">
-                          <a:solidFill>
-                            <a:srgbClr val="000000"/>
-                          </a:solidFill>
-                          <a:effectLst/>
-                          <a:latin typeface="+mn-lt"/>
-                        </a:rPr>
-                        <a:t>0.000444</a:t>
-                      </a:r>
-                    </a:p>
-                  </a:txBody>
-                  <a:tcPr marL="8401" marR="8401" marT="8401" marB="0" anchor="b">
-                    <a:lnL w="6350" cap="flat" cmpd="sng" algn="ctr">
-                      <a:solidFill>
-                        <a:srgbClr val="000000"/>
-                      </a:solidFill>
-                      <a:prstDash val="solid"/>
-                      <a:round/>
-                      <a:headEnd type="none" w="med" len="med"/>
-                      <a:tailEnd type="none" w="med" len="med"/>
-                    </a:lnL>
-                    <a:lnR w="6350" cap="flat" cmpd="sng" algn="ctr">
-                      <a:solidFill>
-                        <a:srgbClr val="000000"/>
-                      </a:solidFill>
-                      <a:prstDash val="solid"/>
-                      <a:round/>
-                      <a:headEnd type="none" w="med" len="med"/>
-                      <a:tailEnd type="none" w="med" len="med"/>
-                    </a:lnR>
-                    <a:lnT w="6350" cap="flat" cmpd="sng" algn="ctr">
-                      <a:solidFill>
-                        <a:srgbClr val="000000"/>
-                      </a:solidFill>
-                      <a:prstDash val="solid"/>
-                      <a:round/>
-                      <a:headEnd type="none" w="med" len="med"/>
-                      <a:tailEnd type="none" w="med" len="med"/>
-                    </a:lnT>
-                    <a:lnB w="6350" cap="flat" cmpd="sng" algn="ctr">
-                      <a:solidFill>
-                        <a:srgbClr val="000000"/>
-                      </a:solidFill>
-                      <a:prstDash val="solid"/>
-                      <a:round/>
-                      <a:headEnd type="none" w="med" len="med"/>
-                      <a:tailEnd type="none" w="med" len="med"/>
-                    </a:lnB>
-                    <a:solidFill>
-                      <a:schemeClr val="tx1"/>
-                    </a:solidFill>
-                  </a:tcPr>
-                </a:tc>
-                <a:tc>
-                  <a:txBody>
-                    <a:bodyPr/>
-                    <a:lstStyle/>
-                    <a:p>
-                      <a:pPr algn="ctr" fontAlgn="b"/>
-                      <a:r>
-                        <a:rPr lang="en-US" sz="1450" b="0" i="0" u="none" strike="noStrike" dirty="0">
-                          <a:solidFill>
-                            <a:srgbClr val="000000"/>
-                          </a:solidFill>
-                          <a:effectLst/>
-                          <a:latin typeface="+mn-lt"/>
-                        </a:rPr>
-                        <a:t>-0.02</a:t>
-                      </a:r>
-                    </a:p>
-                  </a:txBody>
-                  <a:tcPr marL="8401" marR="8401" marT="8401" marB="0" anchor="b">
-                    <a:lnL w="6350" cap="flat" cmpd="sng" algn="ctr">
-                      <a:solidFill>
-                        <a:srgbClr val="000000"/>
-                      </a:solidFill>
-                      <a:prstDash val="solid"/>
-                      <a:round/>
-                      <a:headEnd type="none" w="med" len="med"/>
-                      <a:tailEnd type="none" w="med" len="med"/>
-                    </a:lnL>
-                    <a:lnR w="6350" cap="flat" cmpd="sng" algn="ctr">
-                      <a:solidFill>
-                        <a:srgbClr val="000000"/>
-                      </a:solidFill>
-                      <a:prstDash val="solid"/>
-                      <a:round/>
-                      <a:headEnd type="none" w="med" len="med"/>
-                      <a:tailEnd type="none" w="med" len="med"/>
-                    </a:lnR>
-                    <a:lnT w="6350" cap="flat" cmpd="sng" algn="ctr">
-                      <a:solidFill>
-                        <a:srgbClr val="000000"/>
-                      </a:solidFill>
-                      <a:prstDash val="solid"/>
-                      <a:round/>
-                      <a:headEnd type="none" w="med" len="med"/>
-                      <a:tailEnd type="none" w="med" len="med"/>
-                    </a:lnT>
-                    <a:lnB w="6350" cap="flat" cmpd="sng" algn="ctr">
-                      <a:solidFill>
-                        <a:srgbClr val="000000"/>
-                      </a:solidFill>
-                      <a:prstDash val="solid"/>
-                      <a:round/>
-                      <a:headEnd type="none" w="med" len="med"/>
-                      <a:tailEnd type="none" w="med" len="med"/>
-                    </a:lnB>
-                    <a:solidFill>
-                      <a:schemeClr val="tx1"/>
-                    </a:solidFill>
-                  </a:tcPr>
-                </a:tc>
-                <a:tc>
-                  <a:txBody>
-                    <a:bodyPr/>
-                    <a:lstStyle/>
-                    <a:p>
-                      <a:pPr algn="l" fontAlgn="b"/>
-                      <a:r>
-                        <a:rPr lang="en-US" sz="1450" b="0" i="0" u="none" strike="noStrike" dirty="0">
-                          <a:solidFill>
-                            <a:srgbClr val="000000"/>
-                          </a:solidFill>
-                          <a:effectLst/>
-                          <a:latin typeface="+mn-lt"/>
-                        </a:rPr>
-                        <a:t>Accounts for hardly any of the data: Correlation: None or very weak   </a:t>
-                      </a:r>
-                    </a:p>
-                  </a:txBody>
-                  <a:tcPr marL="8401" marR="8401" marT="8401" marB="0" anchor="b">
-                    <a:lnL w="6350" cap="flat" cmpd="sng" algn="ctr">
-                      <a:solidFill>
-                        <a:srgbClr val="000000"/>
-                      </a:solidFill>
-                      <a:prstDash val="solid"/>
-                      <a:round/>
-                      <a:headEnd type="none" w="med" len="med"/>
-                      <a:tailEnd type="none" w="med" len="med"/>
-                    </a:lnL>
-                    <a:lnR w="6350" cap="flat" cmpd="sng" algn="ctr">
-                      <a:solidFill>
-                        <a:srgbClr val="000000"/>
-                      </a:solidFill>
-                      <a:prstDash val="solid"/>
-                      <a:round/>
-                      <a:headEnd type="none" w="med" len="med"/>
-                      <a:tailEnd type="none" w="med" len="med"/>
-                    </a:lnR>
-                    <a:lnT w="6350" cap="flat" cmpd="sng" algn="ctr">
-                      <a:solidFill>
-                        <a:srgbClr val="000000"/>
-                      </a:solidFill>
-                      <a:prstDash val="solid"/>
-                      <a:round/>
-                      <a:headEnd type="none" w="med" len="med"/>
-                      <a:tailEnd type="none" w="med" len="med"/>
-                    </a:lnT>
-                    <a:lnB w="6350" cap="flat" cmpd="sng" algn="ctr">
-                      <a:solidFill>
-                        <a:srgbClr val="000000"/>
-                      </a:solidFill>
-                      <a:prstDash val="solid"/>
-                      <a:round/>
-                      <a:headEnd type="none" w="med" len="med"/>
-                      <a:tailEnd type="none" w="med" len="med"/>
-                    </a:lnB>
-                    <a:solidFill>
-                      <a:schemeClr val="tx1"/>
-                    </a:solidFill>
-                  </a:tcPr>
-                </a:tc>
-                <a:extLst>
-                  <a:ext uri="{0D108BD9-81ED-4DB2-BD59-A6C34878D82A}">
-                    <a16:rowId xmlns:a16="http://schemas.microsoft.com/office/drawing/2014/main" val="2427005476"/>
-                  </a:ext>
-                </a:extLst>
-              </a:tr>
-              <a:tr h="500430">
-                <a:tc>
-                  <a:txBody>
-                    <a:bodyPr/>
-                    <a:lstStyle/>
-                    <a:p>
-                      <a:pPr algn="l" fontAlgn="b"/>
-                      <a:r>
-                        <a:rPr lang="en-US" sz="1450" b="0" i="0" u="none" strike="noStrike" dirty="0">
-                          <a:solidFill>
-                            <a:srgbClr val="000000"/>
-                          </a:solidFill>
-                          <a:effectLst/>
-                          <a:latin typeface="+mj-lt"/>
-                        </a:rPr>
-                        <a:t>Auto Sales v Unemployment</a:t>
-                      </a:r>
-                    </a:p>
-                  </a:txBody>
-                  <a:tcPr marL="8401" marR="8401" marT="8401" marB="0" anchor="b">
-                    <a:lnL w="6350" cap="flat" cmpd="sng" algn="ctr">
-                      <a:solidFill>
-                        <a:srgbClr val="000000"/>
-                      </a:solidFill>
-                      <a:prstDash val="solid"/>
-                      <a:round/>
-                      <a:headEnd type="none" w="med" len="med"/>
-                      <a:tailEnd type="none" w="med" len="med"/>
-                    </a:lnL>
-                    <a:lnR w="6350" cap="flat" cmpd="sng" algn="ctr">
-                      <a:solidFill>
-                        <a:srgbClr val="000000"/>
-                      </a:solidFill>
-                      <a:prstDash val="solid"/>
-                      <a:round/>
-                      <a:headEnd type="none" w="med" len="med"/>
-                      <a:tailEnd type="none" w="med" len="med"/>
-                    </a:lnR>
-                    <a:lnT w="6350" cap="flat" cmpd="sng" algn="ctr">
-                      <a:solidFill>
-                        <a:srgbClr val="000000"/>
-                      </a:solidFill>
-                      <a:prstDash val="solid"/>
-                      <a:round/>
-                      <a:headEnd type="none" w="med" len="med"/>
-                      <a:tailEnd type="none" w="med" len="med"/>
-                    </a:lnT>
-                    <a:lnB w="6350" cap="flat" cmpd="sng" algn="ctr">
-                      <a:solidFill>
-                        <a:srgbClr val="000000"/>
-                      </a:solidFill>
-                      <a:prstDash val="solid"/>
-                      <a:round/>
-                      <a:headEnd type="none" w="med" len="med"/>
-                      <a:tailEnd type="none" w="med" len="med"/>
-                    </a:lnB>
-                    <a:solidFill>
-                      <a:schemeClr val="tx1"/>
-                    </a:solidFill>
-                  </a:tcPr>
-                </a:tc>
-                <a:tc>
-                  <a:txBody>
-                    <a:bodyPr/>
-                    <a:lstStyle/>
-                    <a:p>
-                      <a:pPr algn="r" fontAlgn="b"/>
-                      <a:r>
-                        <a:rPr lang="en-US" sz="1450" b="0" i="0" u="none" strike="noStrike" dirty="0">
-                          <a:solidFill>
-                            <a:srgbClr val="000000"/>
-                          </a:solidFill>
-                          <a:effectLst/>
-                          <a:latin typeface="+mn-lt"/>
-                        </a:rPr>
-                        <a:t>0.378681</a:t>
-                      </a:r>
-                    </a:p>
-                  </a:txBody>
-                  <a:tcPr marL="8401" marR="8401" marT="8401" marB="0" anchor="b">
-                    <a:lnL w="6350" cap="flat" cmpd="sng" algn="ctr">
-                      <a:solidFill>
-                        <a:srgbClr val="000000"/>
-                      </a:solidFill>
-                      <a:prstDash val="solid"/>
-                      <a:round/>
-                      <a:headEnd type="none" w="med" len="med"/>
-                      <a:tailEnd type="none" w="med" len="med"/>
-                    </a:lnL>
-                    <a:lnR w="6350" cap="flat" cmpd="sng" algn="ctr">
-                      <a:solidFill>
-                        <a:srgbClr val="000000"/>
-                      </a:solidFill>
-                      <a:prstDash val="solid"/>
-                      <a:round/>
-                      <a:headEnd type="none" w="med" len="med"/>
-                      <a:tailEnd type="none" w="med" len="med"/>
-                    </a:lnR>
-                    <a:lnT w="6350" cap="flat" cmpd="sng" algn="ctr">
-                      <a:solidFill>
-                        <a:srgbClr val="000000"/>
-                      </a:solidFill>
-                      <a:prstDash val="solid"/>
-                      <a:round/>
-                      <a:headEnd type="none" w="med" len="med"/>
-                      <a:tailEnd type="none" w="med" len="med"/>
-                    </a:lnT>
-                    <a:lnB w="6350" cap="flat" cmpd="sng" algn="ctr">
-                      <a:solidFill>
-                        <a:srgbClr val="000000"/>
-                      </a:solidFill>
-                      <a:prstDash val="solid"/>
-                      <a:round/>
-                      <a:headEnd type="none" w="med" len="med"/>
-                      <a:tailEnd type="none" w="med" len="med"/>
-                    </a:lnB>
-                    <a:solidFill>
-                      <a:schemeClr val="tx1"/>
-                    </a:solidFill>
-                  </a:tcPr>
-                </a:tc>
-                <a:tc>
-                  <a:txBody>
-                    <a:bodyPr/>
-                    <a:lstStyle/>
-                    <a:p>
-                      <a:pPr algn="ctr" fontAlgn="b"/>
-                      <a:r>
-                        <a:rPr lang="en-US" sz="1450" b="0" i="0" u="none" strike="noStrike" dirty="0">
-                          <a:solidFill>
-                            <a:srgbClr val="000000"/>
-                          </a:solidFill>
-                          <a:effectLst/>
-                          <a:latin typeface="+mn-lt"/>
-                        </a:rPr>
-                        <a:t>-0.62</a:t>
-                      </a:r>
-                    </a:p>
-                  </a:txBody>
-                  <a:tcPr marL="8401" marR="8401" marT="8401" marB="0" anchor="b">
-                    <a:lnL w="6350" cap="flat" cmpd="sng" algn="ctr">
-                      <a:solidFill>
-                        <a:srgbClr val="000000"/>
-                      </a:solidFill>
-                      <a:prstDash val="solid"/>
-                      <a:round/>
-                      <a:headEnd type="none" w="med" len="med"/>
-                      <a:tailEnd type="none" w="med" len="med"/>
-                    </a:lnL>
-                    <a:lnR w="6350" cap="flat" cmpd="sng" algn="ctr">
-                      <a:solidFill>
-                        <a:srgbClr val="000000"/>
-                      </a:solidFill>
-                      <a:prstDash val="solid"/>
-                      <a:round/>
-                      <a:headEnd type="none" w="med" len="med"/>
-                      <a:tailEnd type="none" w="med" len="med"/>
-                    </a:lnR>
-                    <a:lnT w="6350" cap="flat" cmpd="sng" algn="ctr">
-                      <a:solidFill>
-                        <a:srgbClr val="000000"/>
-                      </a:solidFill>
-                      <a:prstDash val="solid"/>
-                      <a:round/>
-                      <a:headEnd type="none" w="med" len="med"/>
-                      <a:tailEnd type="none" w="med" len="med"/>
-                    </a:lnT>
-                    <a:lnB w="6350" cap="flat" cmpd="sng" algn="ctr">
-                      <a:solidFill>
-                        <a:srgbClr val="000000"/>
-                      </a:solidFill>
-                      <a:prstDash val="solid"/>
-                      <a:round/>
-                      <a:headEnd type="none" w="med" len="med"/>
-                      <a:tailEnd type="none" w="med" len="med"/>
-                    </a:lnB>
-                    <a:solidFill>
-                      <a:schemeClr val="tx1"/>
-                    </a:solidFill>
-                  </a:tcPr>
-                </a:tc>
-                <a:tc>
-                  <a:txBody>
-                    <a:bodyPr/>
-                    <a:lstStyle/>
-                    <a:p>
-                      <a:pPr algn="l" fontAlgn="b"/>
-                      <a:r>
-                        <a:rPr lang="en-US" sz="1450" b="0" i="0" u="none" strike="noStrike" dirty="0">
-                          <a:solidFill>
-                            <a:srgbClr val="000000"/>
-                          </a:solidFill>
-                          <a:effectLst/>
-                          <a:latin typeface="+mn-lt"/>
-                        </a:rPr>
-                        <a:t>Accounts for roughly 38% of the data: Correlation: Moderate</a:t>
-                      </a:r>
-                    </a:p>
-                  </a:txBody>
-                  <a:tcPr marL="8401" marR="8401" marT="8401" marB="0" anchor="b">
-                    <a:lnL w="6350" cap="flat" cmpd="sng" algn="ctr">
-                      <a:solidFill>
-                        <a:srgbClr val="000000"/>
-                      </a:solidFill>
-                      <a:prstDash val="solid"/>
-                      <a:round/>
-                      <a:headEnd type="none" w="med" len="med"/>
-                      <a:tailEnd type="none" w="med" len="med"/>
-                    </a:lnL>
-                    <a:lnR w="6350" cap="flat" cmpd="sng" algn="ctr">
-                      <a:solidFill>
-                        <a:srgbClr val="000000"/>
-                      </a:solidFill>
-                      <a:prstDash val="solid"/>
-                      <a:round/>
-                      <a:headEnd type="none" w="med" len="med"/>
-                      <a:tailEnd type="none" w="med" len="med"/>
-                    </a:lnR>
-                    <a:lnT w="6350" cap="flat" cmpd="sng" algn="ctr">
-                      <a:solidFill>
-                        <a:srgbClr val="000000"/>
-                      </a:solidFill>
-                      <a:prstDash val="solid"/>
-                      <a:round/>
-                      <a:headEnd type="none" w="med" len="med"/>
-                      <a:tailEnd type="none" w="med" len="med"/>
-                    </a:lnT>
-                    <a:lnB w="6350" cap="flat" cmpd="sng" algn="ctr">
-                      <a:solidFill>
-                        <a:srgbClr val="000000"/>
-                      </a:solidFill>
-                      <a:prstDash val="solid"/>
-                      <a:round/>
-                      <a:headEnd type="none" w="med" len="med"/>
-                      <a:tailEnd type="none" w="med" len="med"/>
-                    </a:lnB>
-                    <a:solidFill>
-                      <a:schemeClr val="tx1"/>
-                    </a:solidFill>
-                  </a:tcPr>
-                </a:tc>
-                <a:extLst>
-                  <a:ext uri="{0D108BD9-81ED-4DB2-BD59-A6C34878D82A}">
-                    <a16:rowId xmlns:a16="http://schemas.microsoft.com/office/drawing/2014/main" val="132925298"/>
-                  </a:ext>
-                </a:extLst>
-              </a:tr>
-              <a:tr h="500430">
-                <a:tc>
-                  <a:txBody>
-                    <a:bodyPr/>
-                    <a:lstStyle/>
-                    <a:p>
-                      <a:pPr algn="l" fontAlgn="b"/>
-                      <a:r>
-                        <a:rPr lang="en-US" sz="1450" b="0" i="0" u="none" strike="noStrike" dirty="0">
-                          <a:solidFill>
-                            <a:srgbClr val="000000"/>
-                          </a:solidFill>
-                          <a:effectLst/>
-                          <a:latin typeface="+mj-lt"/>
-                        </a:rPr>
-                        <a:t>Auto Sales v Steel Price Index</a:t>
-                      </a:r>
-                    </a:p>
-                  </a:txBody>
-                  <a:tcPr marL="8401" marR="8401" marT="8401" marB="0" anchor="b">
-                    <a:lnL w="6350" cap="flat" cmpd="sng" algn="ctr">
-                      <a:solidFill>
-                        <a:srgbClr val="000000"/>
-                      </a:solidFill>
-                      <a:prstDash val="solid"/>
-                      <a:round/>
-                      <a:headEnd type="none" w="med" len="med"/>
-                      <a:tailEnd type="none" w="med" len="med"/>
-                    </a:lnL>
-                    <a:lnR w="6350" cap="flat" cmpd="sng" algn="ctr">
-                      <a:solidFill>
-                        <a:srgbClr val="000000"/>
-                      </a:solidFill>
-                      <a:prstDash val="solid"/>
-                      <a:round/>
-                      <a:headEnd type="none" w="med" len="med"/>
-                      <a:tailEnd type="none" w="med" len="med"/>
-                    </a:lnR>
-                    <a:lnT w="6350" cap="flat" cmpd="sng" algn="ctr">
-                      <a:solidFill>
-                        <a:srgbClr val="000000"/>
-                      </a:solidFill>
-                      <a:prstDash val="solid"/>
-                      <a:round/>
-                      <a:headEnd type="none" w="med" len="med"/>
-                      <a:tailEnd type="none" w="med" len="med"/>
-                    </a:lnT>
-                    <a:lnB w="6350" cap="flat" cmpd="sng" algn="ctr">
-                      <a:solidFill>
-                        <a:srgbClr val="000000"/>
-                      </a:solidFill>
-                      <a:prstDash val="solid"/>
-                      <a:round/>
-                      <a:headEnd type="none" w="med" len="med"/>
-                      <a:tailEnd type="none" w="med" len="med"/>
-                    </a:lnB>
-                    <a:solidFill>
-                      <a:schemeClr val="tx1"/>
-                    </a:solidFill>
-                  </a:tcPr>
-                </a:tc>
-                <a:tc>
-                  <a:txBody>
-                    <a:bodyPr/>
-                    <a:lstStyle/>
-                    <a:p>
-                      <a:pPr algn="r" fontAlgn="b"/>
-                      <a:r>
-                        <a:rPr lang="en-US" sz="1450" b="0" i="0" u="none" strike="noStrike" dirty="0">
-                          <a:solidFill>
-                            <a:srgbClr val="000000"/>
-                          </a:solidFill>
-                          <a:effectLst/>
-                          <a:latin typeface="+mn-lt"/>
-                        </a:rPr>
-                        <a:t>0.000751</a:t>
-                      </a:r>
-                    </a:p>
-                  </a:txBody>
-                  <a:tcPr marL="8401" marR="8401" marT="8401" marB="0" anchor="b">
-                    <a:lnL w="6350" cap="flat" cmpd="sng" algn="ctr">
-                      <a:solidFill>
-                        <a:srgbClr val="000000"/>
-                      </a:solidFill>
-                      <a:prstDash val="solid"/>
-                      <a:round/>
-                      <a:headEnd type="none" w="med" len="med"/>
-                      <a:tailEnd type="none" w="med" len="med"/>
-                    </a:lnL>
-                    <a:lnR w="6350" cap="flat" cmpd="sng" algn="ctr">
-                      <a:solidFill>
-                        <a:srgbClr val="000000"/>
-                      </a:solidFill>
-                      <a:prstDash val="solid"/>
-                      <a:round/>
-                      <a:headEnd type="none" w="med" len="med"/>
-                      <a:tailEnd type="none" w="med" len="med"/>
-                    </a:lnR>
-                    <a:lnT w="6350" cap="flat" cmpd="sng" algn="ctr">
-                      <a:solidFill>
-                        <a:srgbClr val="000000"/>
-                      </a:solidFill>
-                      <a:prstDash val="solid"/>
-                      <a:round/>
-                      <a:headEnd type="none" w="med" len="med"/>
-                      <a:tailEnd type="none" w="med" len="med"/>
-                    </a:lnT>
-                    <a:lnB w="6350" cap="flat" cmpd="sng" algn="ctr">
-                      <a:solidFill>
-                        <a:srgbClr val="000000"/>
-                      </a:solidFill>
-                      <a:prstDash val="solid"/>
-                      <a:round/>
-                      <a:headEnd type="none" w="med" len="med"/>
-                      <a:tailEnd type="none" w="med" len="med"/>
-                    </a:lnB>
-                    <a:solidFill>
-                      <a:schemeClr val="tx1"/>
-                    </a:solidFill>
-                  </a:tcPr>
-                </a:tc>
-                <a:tc>
-                  <a:txBody>
-                    <a:bodyPr/>
-                    <a:lstStyle/>
-                    <a:p>
-                      <a:pPr algn="ctr" fontAlgn="b"/>
-                      <a:r>
-                        <a:rPr lang="en-US" sz="1450" b="0" i="0" u="none" strike="noStrike" dirty="0">
-                          <a:solidFill>
-                            <a:srgbClr val="000000"/>
-                          </a:solidFill>
-                          <a:effectLst/>
-                          <a:latin typeface="+mn-lt"/>
-                        </a:rPr>
-                        <a:t>-0.03</a:t>
-                      </a:r>
-                    </a:p>
-                  </a:txBody>
-                  <a:tcPr marL="8401" marR="8401" marT="8401" marB="0" anchor="b">
-                    <a:lnL w="6350" cap="flat" cmpd="sng" algn="ctr">
-                      <a:solidFill>
-                        <a:srgbClr val="000000"/>
-                      </a:solidFill>
-                      <a:prstDash val="solid"/>
-                      <a:round/>
-                      <a:headEnd type="none" w="med" len="med"/>
-                      <a:tailEnd type="none" w="med" len="med"/>
-                    </a:lnL>
-                    <a:lnR w="6350" cap="flat" cmpd="sng" algn="ctr">
-                      <a:solidFill>
-                        <a:srgbClr val="000000"/>
-                      </a:solidFill>
-                      <a:prstDash val="solid"/>
-                      <a:round/>
-                      <a:headEnd type="none" w="med" len="med"/>
-                      <a:tailEnd type="none" w="med" len="med"/>
-                    </a:lnR>
-                    <a:lnT w="6350" cap="flat" cmpd="sng" algn="ctr">
-                      <a:solidFill>
-                        <a:srgbClr val="000000"/>
-                      </a:solidFill>
-                      <a:prstDash val="solid"/>
-                      <a:round/>
-                      <a:headEnd type="none" w="med" len="med"/>
-                      <a:tailEnd type="none" w="med" len="med"/>
-                    </a:lnT>
-                    <a:lnB w="6350" cap="flat" cmpd="sng" algn="ctr">
-                      <a:solidFill>
-                        <a:srgbClr val="000000"/>
-                      </a:solidFill>
-                      <a:prstDash val="solid"/>
-                      <a:round/>
-                      <a:headEnd type="none" w="med" len="med"/>
-                      <a:tailEnd type="none" w="med" len="med"/>
-                    </a:lnB>
-                    <a:solidFill>
-                      <a:schemeClr val="tx1"/>
-                    </a:solidFill>
-                  </a:tcPr>
-                </a:tc>
-                <a:tc>
-                  <a:txBody>
-                    <a:bodyPr/>
-                    <a:lstStyle/>
-                    <a:p>
-                      <a:pPr algn="l" fontAlgn="b"/>
-                      <a:r>
-                        <a:rPr lang="en-US" sz="1450" b="0" i="0" u="none" strike="noStrike" dirty="0">
-                          <a:solidFill>
-                            <a:srgbClr val="000000"/>
-                          </a:solidFill>
-                          <a:effectLst/>
-                          <a:latin typeface="+mn-lt"/>
-                        </a:rPr>
-                        <a:t>Accounts for hardly any of the data: Correlation: None, or very Weak</a:t>
-                      </a:r>
-                    </a:p>
-                  </a:txBody>
-                  <a:tcPr marL="8401" marR="8401" marT="8401" marB="0" anchor="b">
-                    <a:lnL w="6350" cap="flat" cmpd="sng" algn="ctr">
-                      <a:solidFill>
-                        <a:srgbClr val="000000"/>
-                      </a:solidFill>
-                      <a:prstDash val="solid"/>
-                      <a:round/>
-                      <a:headEnd type="none" w="med" len="med"/>
-                      <a:tailEnd type="none" w="med" len="med"/>
-                    </a:lnL>
-                    <a:lnR w="6350" cap="flat" cmpd="sng" algn="ctr">
-                      <a:solidFill>
-                        <a:srgbClr val="000000"/>
-                      </a:solidFill>
-                      <a:prstDash val="solid"/>
-                      <a:round/>
-                      <a:headEnd type="none" w="med" len="med"/>
-                      <a:tailEnd type="none" w="med" len="med"/>
-                    </a:lnR>
-                    <a:lnT w="6350" cap="flat" cmpd="sng" algn="ctr">
-                      <a:solidFill>
-                        <a:srgbClr val="000000"/>
-                      </a:solidFill>
-                      <a:prstDash val="solid"/>
-                      <a:round/>
-                      <a:headEnd type="none" w="med" len="med"/>
-                      <a:tailEnd type="none" w="med" len="med"/>
-                    </a:lnT>
-                    <a:lnB w="6350" cap="flat" cmpd="sng" algn="ctr">
-                      <a:solidFill>
-                        <a:srgbClr val="000000"/>
-                      </a:solidFill>
-                      <a:prstDash val="solid"/>
-                      <a:round/>
-                      <a:headEnd type="none" w="med" len="med"/>
-                      <a:tailEnd type="none" w="med" len="med"/>
-                    </a:lnB>
-                    <a:solidFill>
-                      <a:schemeClr val="tx1"/>
-                    </a:solidFill>
-                  </a:tcPr>
-                </a:tc>
-                <a:extLst>
-                  <a:ext uri="{0D108BD9-81ED-4DB2-BD59-A6C34878D82A}">
-                    <a16:rowId xmlns:a16="http://schemas.microsoft.com/office/drawing/2014/main" val="866663325"/>
-                  </a:ext>
-                </a:extLst>
-              </a:tr>
-              <a:tr h="500430">
-                <a:tc>
-                  <a:txBody>
-                    <a:bodyPr/>
-                    <a:lstStyle/>
-                    <a:p>
-                      <a:pPr algn="l" fontAlgn="b"/>
-                      <a:r>
-                        <a:rPr lang="en-US" sz="1450" b="0" i="0" u="none" strike="noStrike" dirty="0">
-                          <a:solidFill>
-                            <a:srgbClr val="000000"/>
-                          </a:solidFill>
-                          <a:effectLst/>
-                          <a:latin typeface="+mj-lt"/>
-                        </a:rPr>
-                        <a:t>Auto Sales v New Vehicle Price Index</a:t>
-                      </a:r>
-                    </a:p>
-                  </a:txBody>
-                  <a:tcPr marL="8401" marR="8401" marT="8401" marB="0" anchor="b">
-                    <a:lnL w="6350" cap="flat" cmpd="sng" algn="ctr">
-                      <a:solidFill>
-                        <a:srgbClr val="000000"/>
-                      </a:solidFill>
-                      <a:prstDash val="solid"/>
-                      <a:round/>
-                      <a:headEnd type="none" w="med" len="med"/>
-                      <a:tailEnd type="none" w="med" len="med"/>
-                    </a:lnL>
-                    <a:lnR w="6350" cap="flat" cmpd="sng" algn="ctr">
-                      <a:solidFill>
-                        <a:srgbClr val="000000"/>
-                      </a:solidFill>
-                      <a:prstDash val="solid"/>
-                      <a:round/>
-                      <a:headEnd type="none" w="med" len="med"/>
-                      <a:tailEnd type="none" w="med" len="med"/>
-                    </a:lnR>
-                    <a:lnT w="6350" cap="flat" cmpd="sng" algn="ctr">
-                      <a:solidFill>
-                        <a:srgbClr val="000000"/>
-                      </a:solidFill>
-                      <a:prstDash val="solid"/>
-                      <a:round/>
-                      <a:headEnd type="none" w="med" len="med"/>
-                      <a:tailEnd type="none" w="med" len="med"/>
-                    </a:lnT>
-                    <a:lnB w="6350" cap="flat" cmpd="sng" algn="ctr">
-                      <a:solidFill>
-                        <a:srgbClr val="000000"/>
-                      </a:solidFill>
-                      <a:prstDash val="solid"/>
-                      <a:round/>
-                      <a:headEnd type="none" w="med" len="med"/>
-                      <a:tailEnd type="none" w="med" len="med"/>
-                    </a:lnB>
-                    <a:solidFill>
-                      <a:schemeClr val="tx1"/>
-                    </a:solidFill>
-                  </a:tcPr>
-                </a:tc>
-                <a:tc>
-                  <a:txBody>
-                    <a:bodyPr/>
-                    <a:lstStyle/>
-                    <a:p>
-                      <a:pPr algn="r" fontAlgn="b"/>
-                      <a:r>
-                        <a:rPr lang="en-US" sz="1450" b="0" i="0" u="none" strike="noStrike" dirty="0">
-                          <a:solidFill>
-                            <a:srgbClr val="000000"/>
-                          </a:solidFill>
-                          <a:effectLst/>
-                          <a:latin typeface="+mn-lt"/>
-                        </a:rPr>
-                        <a:t>0.204739</a:t>
-                      </a:r>
-                    </a:p>
-                  </a:txBody>
-                  <a:tcPr marL="8401" marR="8401" marT="8401" marB="0" anchor="b">
-                    <a:lnL w="6350" cap="flat" cmpd="sng" algn="ctr">
-                      <a:solidFill>
-                        <a:srgbClr val="000000"/>
-                      </a:solidFill>
-                      <a:prstDash val="solid"/>
-                      <a:round/>
-                      <a:headEnd type="none" w="med" len="med"/>
-                      <a:tailEnd type="none" w="med" len="med"/>
-                    </a:lnL>
-                    <a:lnR w="6350" cap="flat" cmpd="sng" algn="ctr">
-                      <a:solidFill>
-                        <a:srgbClr val="000000"/>
-                      </a:solidFill>
-                      <a:prstDash val="solid"/>
-                      <a:round/>
-                      <a:headEnd type="none" w="med" len="med"/>
-                      <a:tailEnd type="none" w="med" len="med"/>
-                    </a:lnR>
-                    <a:lnT w="6350" cap="flat" cmpd="sng" algn="ctr">
-                      <a:solidFill>
-                        <a:srgbClr val="000000"/>
-                      </a:solidFill>
-                      <a:prstDash val="solid"/>
-                      <a:round/>
-                      <a:headEnd type="none" w="med" len="med"/>
-                      <a:tailEnd type="none" w="med" len="med"/>
-                    </a:lnT>
-                    <a:lnB w="6350" cap="flat" cmpd="sng" algn="ctr">
-                      <a:solidFill>
-                        <a:srgbClr val="000000"/>
-                      </a:solidFill>
-                      <a:prstDash val="solid"/>
-                      <a:round/>
-                      <a:headEnd type="none" w="med" len="med"/>
-                      <a:tailEnd type="none" w="med" len="med"/>
-                    </a:lnB>
-                    <a:solidFill>
-                      <a:schemeClr val="tx1"/>
-                    </a:solidFill>
-                  </a:tcPr>
-                </a:tc>
-                <a:tc>
-                  <a:txBody>
-                    <a:bodyPr/>
-                    <a:lstStyle/>
-                    <a:p>
-                      <a:pPr algn="ctr" fontAlgn="b"/>
-                      <a:r>
-                        <a:rPr lang="en-US" sz="1450" b="0" i="0" u="none" strike="noStrike" dirty="0">
-                          <a:solidFill>
-                            <a:srgbClr val="000000"/>
-                          </a:solidFill>
-                          <a:effectLst/>
-                          <a:latin typeface="+mn-lt"/>
-                        </a:rPr>
-                        <a:t>0.45</a:t>
-                      </a:r>
-                    </a:p>
-                  </a:txBody>
-                  <a:tcPr marL="8401" marR="8401" marT="8401" marB="0" anchor="b">
-                    <a:lnL w="6350" cap="flat" cmpd="sng" algn="ctr">
-                      <a:solidFill>
-                        <a:srgbClr val="000000"/>
-                      </a:solidFill>
-                      <a:prstDash val="solid"/>
-                      <a:round/>
-                      <a:headEnd type="none" w="med" len="med"/>
-                      <a:tailEnd type="none" w="med" len="med"/>
-                    </a:lnL>
-                    <a:lnR w="6350" cap="flat" cmpd="sng" algn="ctr">
-                      <a:solidFill>
-                        <a:srgbClr val="000000"/>
-                      </a:solidFill>
-                      <a:prstDash val="solid"/>
-                      <a:round/>
-                      <a:headEnd type="none" w="med" len="med"/>
-                      <a:tailEnd type="none" w="med" len="med"/>
-                    </a:lnR>
-                    <a:lnT w="6350" cap="flat" cmpd="sng" algn="ctr">
-                      <a:solidFill>
-                        <a:srgbClr val="000000"/>
-                      </a:solidFill>
-                      <a:prstDash val="solid"/>
-                      <a:round/>
-                      <a:headEnd type="none" w="med" len="med"/>
-                      <a:tailEnd type="none" w="med" len="med"/>
-                    </a:lnT>
-                    <a:lnB w="6350" cap="flat" cmpd="sng" algn="ctr">
-                      <a:solidFill>
-                        <a:srgbClr val="000000"/>
-                      </a:solidFill>
-                      <a:prstDash val="solid"/>
-                      <a:round/>
-                      <a:headEnd type="none" w="med" len="med"/>
-                      <a:tailEnd type="none" w="med" len="med"/>
-                    </a:lnB>
-                    <a:solidFill>
-                      <a:schemeClr val="tx1"/>
-                    </a:solidFill>
-                  </a:tcPr>
-                </a:tc>
-                <a:tc>
-                  <a:txBody>
-                    <a:bodyPr/>
-                    <a:lstStyle/>
-                    <a:p>
-                      <a:pPr algn="l" fontAlgn="b"/>
-                      <a:r>
-                        <a:rPr lang="en-US" sz="1450" b="0" i="0" u="none" strike="noStrike" dirty="0">
-                          <a:solidFill>
-                            <a:srgbClr val="000000"/>
-                          </a:solidFill>
-                          <a:effectLst/>
-                          <a:latin typeface="+mn-lt"/>
-                        </a:rPr>
-                        <a:t>Accounts for roughly 20% of the data: Correlation: Weak</a:t>
-                      </a:r>
-                    </a:p>
-                  </a:txBody>
-                  <a:tcPr marL="8401" marR="8401" marT="8401" marB="0" anchor="b">
-                    <a:lnL w="6350" cap="flat" cmpd="sng" algn="ctr">
-                      <a:solidFill>
-                        <a:srgbClr val="000000"/>
-                      </a:solidFill>
-                      <a:prstDash val="solid"/>
-                      <a:round/>
-                      <a:headEnd type="none" w="med" len="med"/>
-                      <a:tailEnd type="none" w="med" len="med"/>
-                    </a:lnL>
-                    <a:lnR w="6350" cap="flat" cmpd="sng" algn="ctr">
-                      <a:solidFill>
-                        <a:srgbClr val="000000"/>
-                      </a:solidFill>
-                      <a:prstDash val="solid"/>
-                      <a:round/>
-                      <a:headEnd type="none" w="med" len="med"/>
-                      <a:tailEnd type="none" w="med" len="med"/>
-                    </a:lnR>
-                    <a:lnT w="6350" cap="flat" cmpd="sng" algn="ctr">
-                      <a:solidFill>
-                        <a:srgbClr val="000000"/>
-                      </a:solidFill>
-                      <a:prstDash val="solid"/>
-                      <a:round/>
-                      <a:headEnd type="none" w="med" len="med"/>
-                      <a:tailEnd type="none" w="med" len="med"/>
-                    </a:lnT>
-                    <a:lnB w="6350" cap="flat" cmpd="sng" algn="ctr">
-                      <a:solidFill>
-                        <a:srgbClr val="000000"/>
-                      </a:solidFill>
-                      <a:prstDash val="solid"/>
-                      <a:round/>
-                      <a:headEnd type="none" w="med" len="med"/>
-                      <a:tailEnd type="none" w="med" len="med"/>
-                    </a:lnB>
-                    <a:solidFill>
-                      <a:schemeClr val="tx1"/>
-                    </a:solidFill>
-                  </a:tcPr>
-                </a:tc>
-                <a:extLst>
-                  <a:ext uri="{0D108BD9-81ED-4DB2-BD59-A6C34878D82A}">
-                    <a16:rowId xmlns:a16="http://schemas.microsoft.com/office/drawing/2014/main" val="3753190026"/>
-                  </a:ext>
-                </a:extLst>
-              </a:tr>
-              <a:tr h="500430">
-                <a:tc>
-                  <a:txBody>
-                    <a:bodyPr/>
-                    <a:lstStyle/>
-                    <a:p>
-                      <a:pPr algn="l" fontAlgn="b"/>
-                      <a:r>
-                        <a:rPr lang="en-US" sz="1450" b="0" i="0" u="none" strike="noStrike" dirty="0">
-                          <a:solidFill>
-                            <a:srgbClr val="000000"/>
-                          </a:solidFill>
-                          <a:effectLst/>
-                          <a:latin typeface="+mj-lt"/>
-                        </a:rPr>
-                        <a:t>Auto Sales v Used Vehicle Price Index</a:t>
-                      </a:r>
-                    </a:p>
-                  </a:txBody>
-                  <a:tcPr marL="8401" marR="8401" marT="8401" marB="0" anchor="b">
-                    <a:lnL w="6350" cap="flat" cmpd="sng" algn="ctr">
-                      <a:solidFill>
-                        <a:srgbClr val="000000"/>
-                      </a:solidFill>
-                      <a:prstDash val="solid"/>
-                      <a:round/>
-                      <a:headEnd type="none" w="med" len="med"/>
-                      <a:tailEnd type="none" w="med" len="med"/>
-                    </a:lnL>
-                    <a:lnR w="6350" cap="flat" cmpd="sng" algn="ctr">
-                      <a:solidFill>
-                        <a:srgbClr val="000000"/>
-                      </a:solidFill>
-                      <a:prstDash val="solid"/>
-                      <a:round/>
-                      <a:headEnd type="none" w="med" len="med"/>
-                      <a:tailEnd type="none" w="med" len="med"/>
-                    </a:lnR>
-                    <a:lnT w="6350" cap="flat" cmpd="sng" algn="ctr">
-                      <a:solidFill>
-                        <a:srgbClr val="000000"/>
-                      </a:solidFill>
-                      <a:prstDash val="solid"/>
-                      <a:round/>
-                      <a:headEnd type="none" w="med" len="med"/>
-                      <a:tailEnd type="none" w="med" len="med"/>
-                    </a:lnT>
-                    <a:lnB w="6350" cap="flat" cmpd="sng" algn="ctr">
-                      <a:solidFill>
-                        <a:srgbClr val="000000"/>
-                      </a:solidFill>
-                      <a:prstDash val="solid"/>
-                      <a:round/>
-                      <a:headEnd type="none" w="med" len="med"/>
-                      <a:tailEnd type="none" w="med" len="med"/>
-                    </a:lnB>
-                    <a:solidFill>
-                      <a:schemeClr val="tx1"/>
-                    </a:solidFill>
-                  </a:tcPr>
-                </a:tc>
-                <a:tc>
-                  <a:txBody>
-                    <a:bodyPr/>
-                    <a:lstStyle/>
-                    <a:p>
-                      <a:pPr algn="r" fontAlgn="b"/>
-                      <a:r>
-                        <a:rPr lang="en-US" sz="1450" b="0" i="0" u="none" strike="noStrike" dirty="0">
-                          <a:solidFill>
-                            <a:srgbClr val="000000"/>
-                          </a:solidFill>
-                          <a:effectLst/>
-                          <a:latin typeface="+mn-lt"/>
-                        </a:rPr>
-                        <a:t>0.055362</a:t>
-                      </a:r>
-                    </a:p>
-                  </a:txBody>
-                  <a:tcPr marL="8401" marR="8401" marT="8401" marB="0" anchor="b">
-                    <a:lnL w="6350" cap="flat" cmpd="sng" algn="ctr">
-                      <a:solidFill>
-                        <a:srgbClr val="000000"/>
-                      </a:solidFill>
-                      <a:prstDash val="solid"/>
-                      <a:round/>
-                      <a:headEnd type="none" w="med" len="med"/>
-                      <a:tailEnd type="none" w="med" len="med"/>
-                    </a:lnL>
-                    <a:lnR w="6350" cap="flat" cmpd="sng" algn="ctr">
-                      <a:solidFill>
-                        <a:srgbClr val="000000"/>
-                      </a:solidFill>
-                      <a:prstDash val="solid"/>
-                      <a:round/>
-                      <a:headEnd type="none" w="med" len="med"/>
-                      <a:tailEnd type="none" w="med" len="med"/>
-                    </a:lnR>
-                    <a:lnT w="6350" cap="flat" cmpd="sng" algn="ctr">
-                      <a:solidFill>
-                        <a:srgbClr val="000000"/>
-                      </a:solidFill>
-                      <a:prstDash val="solid"/>
-                      <a:round/>
-                      <a:headEnd type="none" w="med" len="med"/>
-                      <a:tailEnd type="none" w="med" len="med"/>
-                    </a:lnT>
-                    <a:lnB w="6350" cap="flat" cmpd="sng" algn="ctr">
-                      <a:solidFill>
-                        <a:srgbClr val="000000"/>
-                      </a:solidFill>
-                      <a:prstDash val="solid"/>
-                      <a:round/>
-                      <a:headEnd type="none" w="med" len="med"/>
-                      <a:tailEnd type="none" w="med" len="med"/>
-                    </a:lnB>
-                    <a:solidFill>
-                      <a:schemeClr val="tx1"/>
-                    </a:solidFill>
-                  </a:tcPr>
-                </a:tc>
-                <a:tc>
-                  <a:txBody>
-                    <a:bodyPr/>
-                    <a:lstStyle/>
-                    <a:p>
-                      <a:pPr algn="ctr" fontAlgn="b"/>
-                      <a:r>
-                        <a:rPr lang="en-US" sz="1450" b="0" i="0" u="none" strike="noStrike" dirty="0">
-                          <a:solidFill>
-                            <a:srgbClr val="000000"/>
-                          </a:solidFill>
-                          <a:effectLst/>
-                          <a:latin typeface="+mn-lt"/>
-                        </a:rPr>
-                        <a:t>0.24</a:t>
-                      </a:r>
-                    </a:p>
-                  </a:txBody>
-                  <a:tcPr marL="8401" marR="8401" marT="8401" marB="0" anchor="b">
-                    <a:lnL w="6350" cap="flat" cmpd="sng" algn="ctr">
-                      <a:solidFill>
-                        <a:srgbClr val="000000"/>
-                      </a:solidFill>
-                      <a:prstDash val="solid"/>
-                      <a:round/>
-                      <a:headEnd type="none" w="med" len="med"/>
-                      <a:tailEnd type="none" w="med" len="med"/>
-                    </a:lnL>
-                    <a:lnR w="6350" cap="flat" cmpd="sng" algn="ctr">
-                      <a:solidFill>
-                        <a:srgbClr val="000000"/>
-                      </a:solidFill>
-                      <a:prstDash val="solid"/>
-                      <a:round/>
-                      <a:headEnd type="none" w="med" len="med"/>
-                      <a:tailEnd type="none" w="med" len="med"/>
-                    </a:lnR>
-                    <a:lnT w="6350" cap="flat" cmpd="sng" algn="ctr">
-                      <a:solidFill>
-                        <a:srgbClr val="000000"/>
-                      </a:solidFill>
-                      <a:prstDash val="solid"/>
-                      <a:round/>
-                      <a:headEnd type="none" w="med" len="med"/>
-                      <a:tailEnd type="none" w="med" len="med"/>
-                    </a:lnT>
-                    <a:lnB w="6350" cap="flat" cmpd="sng" algn="ctr">
-                      <a:solidFill>
-                        <a:srgbClr val="000000"/>
-                      </a:solidFill>
-                      <a:prstDash val="solid"/>
-                      <a:round/>
-                      <a:headEnd type="none" w="med" len="med"/>
-                      <a:tailEnd type="none" w="med" len="med"/>
-                    </a:lnB>
-                    <a:solidFill>
-                      <a:schemeClr val="tx1"/>
-                    </a:solidFill>
-                  </a:tcPr>
-                </a:tc>
-                <a:tc>
-                  <a:txBody>
-                    <a:bodyPr/>
-                    <a:lstStyle/>
-                    <a:p>
-                      <a:pPr algn="l" fontAlgn="b"/>
-                      <a:r>
-                        <a:rPr lang="en-US" sz="1450" b="0" i="0" u="none" strike="noStrike" dirty="0">
-                          <a:solidFill>
-                            <a:srgbClr val="000000"/>
-                          </a:solidFill>
-                          <a:effectLst/>
-                          <a:latin typeface="+mn-lt"/>
-                        </a:rPr>
-                        <a:t>Accounts for less than 5% of the data-Correlation: Weak</a:t>
-                      </a:r>
-                    </a:p>
-                  </a:txBody>
-                  <a:tcPr marL="8401" marR="8401" marT="8401" marB="0" anchor="b">
-                    <a:lnL w="6350" cap="flat" cmpd="sng" algn="ctr">
-                      <a:solidFill>
-                        <a:srgbClr val="000000"/>
-                      </a:solidFill>
-                      <a:prstDash val="solid"/>
-                      <a:round/>
-                      <a:headEnd type="none" w="med" len="med"/>
-                      <a:tailEnd type="none" w="med" len="med"/>
-                    </a:lnL>
-                    <a:lnR w="6350" cap="flat" cmpd="sng" algn="ctr">
-                      <a:solidFill>
-                        <a:srgbClr val="000000"/>
-                      </a:solidFill>
-                      <a:prstDash val="solid"/>
-                      <a:round/>
-                      <a:headEnd type="none" w="med" len="med"/>
-                      <a:tailEnd type="none" w="med" len="med"/>
-                    </a:lnR>
-                    <a:lnT w="6350" cap="flat" cmpd="sng" algn="ctr">
-                      <a:solidFill>
-                        <a:srgbClr val="000000"/>
-                      </a:solidFill>
-                      <a:prstDash val="solid"/>
-                      <a:round/>
-                      <a:headEnd type="none" w="med" len="med"/>
-                      <a:tailEnd type="none" w="med" len="med"/>
-                    </a:lnT>
-                    <a:lnB w="6350" cap="flat" cmpd="sng" algn="ctr">
-                      <a:solidFill>
-                        <a:srgbClr val="000000"/>
-                      </a:solidFill>
-                      <a:prstDash val="solid"/>
-                      <a:round/>
-                      <a:headEnd type="none" w="med" len="med"/>
-                      <a:tailEnd type="none" w="med" len="med"/>
-                    </a:lnB>
-                    <a:solidFill>
-                      <a:schemeClr val="tx1"/>
-                    </a:solidFill>
-                  </a:tcPr>
-                </a:tc>
-                <a:extLst>
-                  <a:ext uri="{0D108BD9-81ED-4DB2-BD59-A6C34878D82A}">
-                    <a16:rowId xmlns:a16="http://schemas.microsoft.com/office/drawing/2014/main" val="3705265917"/>
-                  </a:ext>
-                </a:extLst>
-              </a:tr>
-            </a:tbl>
-          </a:graphicData>
-        </a:graphic>
-      </p:graphicFrame>
-      <p:graphicFrame>
-        <p:nvGraphicFramePr>
           <p:cNvPr id="6" name="Table 5">
             <a:extLst>
               <a:ext uri="{FF2B5EF4-FFF2-40B4-BE49-F238E27FC236}">
@@ -10510,13 +8964,13 @@
           <p:nvPr>
             <p:extLst>
               <p:ext uri="{D42A27DB-BD31-4B8C-83A1-F6EECF244321}">
-                <p14:modId xmlns:p14="http://schemas.microsoft.com/office/powerpoint/2010/main" val="2173969702"/>
+                <p14:modId xmlns:p14="http://schemas.microsoft.com/office/powerpoint/2010/main" val="4245258281"/>
               </p:ext>
             </p:extLst>
           </p:nvPr>
         </p:nvGraphicFramePr>
         <p:xfrm>
-          <a:off x="7520977" y="872658"/>
+          <a:off x="7334868" y="690321"/>
           <a:ext cx="4397328" cy="1895873"/>
         </p:xfrm>
         <a:graphic>
@@ -11364,21 +9818,1940 @@
         </p:blipFill>
         <p:spPr>
           <a:xfrm>
-            <a:off x="4294209" y="872658"/>
-            <a:ext cx="2247034" cy="2247034"/>
+            <a:off x="3993266" y="584344"/>
+            <a:ext cx="2353011" cy="2353011"/>
           </a:xfrm>
           <a:prstGeom prst="rect">
             <a:avLst/>
           </a:prstGeom>
           <a:effectLst>
-            <a:outerShdw blurRad="50800" dist="38100" dir="13500000" algn="br" rotWithShape="0">
+            <a:innerShdw blurRad="63500" dist="50800" dir="13500000">
               <a:prstClr val="black">
-                <a:alpha val="40000"/>
+                <a:alpha val="50000"/>
               </a:prstClr>
-            </a:outerShdw>
+            </a:innerShdw>
           </a:effectLst>
         </p:spPr>
       </p:pic>
+      <p:graphicFrame>
+        <p:nvGraphicFramePr>
+          <p:cNvPr id="4" name="Table 3">
+            <a:extLst>
+              <a:ext uri="{FF2B5EF4-FFF2-40B4-BE49-F238E27FC236}">
+                <a16:creationId xmlns:a16="http://schemas.microsoft.com/office/drawing/2014/main" id="{4627C27B-2358-BA47-8EBD-A18DAFC9D901}"/>
+              </a:ext>
+            </a:extLst>
+          </p:cNvPr>
+          <p:cNvGraphicFramePr>
+            <a:graphicFrameLocks noGrp="1"/>
+          </p:cNvGraphicFramePr>
+          <p:nvPr>
+            <p:extLst>
+              <p:ext uri="{D42A27DB-BD31-4B8C-83A1-F6EECF244321}">
+                <p14:modId xmlns:p14="http://schemas.microsoft.com/office/powerpoint/2010/main" val="1692003027"/>
+              </p:ext>
+            </p:extLst>
+          </p:nvPr>
+        </p:nvGraphicFramePr>
+        <p:xfrm>
+          <a:off x="81023" y="2937356"/>
+          <a:ext cx="12023390" cy="3613915"/>
+        </p:xfrm>
+        <a:graphic>
+          <a:graphicData uri="http://schemas.openxmlformats.org/drawingml/2006/table">
+            <a:tbl>
+              <a:tblPr>
+                <a:effectLst>
+                  <a:innerShdw blurRad="63500" dist="50800" dir="18900000">
+                    <a:prstClr val="black">
+                      <a:alpha val="50000"/>
+                    </a:prstClr>
+                  </a:innerShdw>
+                </a:effectLst>
+              </a:tblPr>
+              <a:tblGrid>
+                <a:gridCol w="2591731">
+                  <a:extLst>
+                    <a:ext uri="{9D8B030D-6E8A-4147-A177-3AD203B41FA5}">
+                      <a16:colId xmlns:a16="http://schemas.microsoft.com/office/drawing/2014/main" val="897188322"/>
+                    </a:ext>
+                  </a:extLst>
+                </a:gridCol>
+                <a:gridCol w="897040">
+                  <a:extLst>
+                    <a:ext uri="{9D8B030D-6E8A-4147-A177-3AD203B41FA5}">
+                      <a16:colId xmlns:a16="http://schemas.microsoft.com/office/drawing/2014/main" val="1809323920"/>
+                    </a:ext>
+                  </a:extLst>
+                </a:gridCol>
+                <a:gridCol w="1111107">
+                  <a:extLst>
+                    <a:ext uri="{9D8B030D-6E8A-4147-A177-3AD203B41FA5}">
+                      <a16:colId xmlns:a16="http://schemas.microsoft.com/office/drawing/2014/main" val="2389632406"/>
+                    </a:ext>
+                  </a:extLst>
+                </a:gridCol>
+                <a:gridCol w="1827208">
+                  <a:extLst>
+                    <a:ext uri="{9D8B030D-6E8A-4147-A177-3AD203B41FA5}">
+                      <a16:colId xmlns:a16="http://schemas.microsoft.com/office/drawing/2014/main" val="3882632575"/>
+                    </a:ext>
+                  </a:extLst>
+                </a:gridCol>
+                <a:gridCol w="5596304">
+                  <a:extLst>
+                    <a:ext uri="{9D8B030D-6E8A-4147-A177-3AD203B41FA5}">
+                      <a16:colId xmlns:a16="http://schemas.microsoft.com/office/drawing/2014/main" val="3497280623"/>
+                    </a:ext>
+                  </a:extLst>
+                </a:gridCol>
+              </a:tblGrid>
+              <a:tr h="717265">
+                <a:tc>
+                  <a:txBody>
+                    <a:bodyPr/>
+                    <a:lstStyle/>
+                    <a:p>
+                      <a:pPr algn="ctr" fontAlgn="b"/>
+                      <a:r>
+                        <a:rPr lang="en-US" sz="1400" b="1" i="0" u="none" strike="noStrike" dirty="0">
+                          <a:solidFill>
+                            <a:srgbClr val="000000"/>
+                          </a:solidFill>
+                          <a:effectLst/>
+                          <a:latin typeface="+mn-lt"/>
+                        </a:rPr>
+                        <a:t>Relationship</a:t>
+                      </a:r>
+                    </a:p>
+                  </a:txBody>
+                  <a:tcPr marL="6720" marR="6720" marT="6720" marB="0" anchor="b">
+                    <a:lnL w="6350" cap="flat" cmpd="sng" algn="ctr">
+                      <a:solidFill>
+                        <a:srgbClr val="000000"/>
+                      </a:solidFill>
+                      <a:prstDash val="solid"/>
+                      <a:round/>
+                      <a:headEnd type="none" w="med" len="med"/>
+                      <a:tailEnd type="none" w="med" len="med"/>
+                    </a:lnL>
+                    <a:lnR w="6350" cap="flat" cmpd="sng" algn="ctr">
+                      <a:solidFill>
+                        <a:srgbClr val="000000"/>
+                      </a:solidFill>
+                      <a:prstDash val="solid"/>
+                      <a:round/>
+                      <a:headEnd type="none" w="med" len="med"/>
+                      <a:tailEnd type="none" w="med" len="med"/>
+                    </a:lnR>
+                    <a:lnT w="6350" cap="flat" cmpd="sng" algn="ctr">
+                      <a:solidFill>
+                        <a:srgbClr val="000000"/>
+                      </a:solidFill>
+                      <a:prstDash val="solid"/>
+                      <a:round/>
+                      <a:headEnd type="none" w="med" len="med"/>
+                      <a:tailEnd type="none" w="med" len="med"/>
+                    </a:lnT>
+                    <a:lnB w="6350" cap="flat" cmpd="sng" algn="ctr">
+                      <a:solidFill>
+                        <a:srgbClr val="000000"/>
+                      </a:solidFill>
+                      <a:prstDash val="solid"/>
+                      <a:round/>
+                      <a:headEnd type="none" w="med" len="med"/>
+                      <a:tailEnd type="none" w="med" len="med"/>
+                    </a:lnB>
+                    <a:solidFill>
+                      <a:schemeClr val="tx1"/>
+                    </a:solidFill>
+                  </a:tcPr>
+                </a:tc>
+                <a:tc>
+                  <a:txBody>
+                    <a:bodyPr/>
+                    <a:lstStyle/>
+                    <a:p>
+                      <a:pPr algn="ctr" fontAlgn="b"/>
+                      <a:r>
+                        <a:rPr lang="en-US" sz="1400" b="1" i="0" u="none" strike="noStrike" dirty="0">
+                          <a:solidFill>
+                            <a:srgbClr val="000000"/>
+                          </a:solidFill>
+                          <a:effectLst/>
+                          <a:latin typeface="+mn-lt"/>
+                        </a:rPr>
+                        <a:t>R²</a:t>
+                      </a:r>
+                    </a:p>
+                  </a:txBody>
+                  <a:tcPr marL="6720" marR="6720" marT="6720" marB="0" anchor="b">
+                    <a:lnL w="6350" cap="flat" cmpd="sng" algn="ctr">
+                      <a:solidFill>
+                        <a:srgbClr val="000000"/>
+                      </a:solidFill>
+                      <a:prstDash val="solid"/>
+                      <a:round/>
+                      <a:headEnd type="none" w="med" len="med"/>
+                      <a:tailEnd type="none" w="med" len="med"/>
+                    </a:lnL>
+                    <a:lnR w="6350" cap="flat" cmpd="sng" algn="ctr">
+                      <a:solidFill>
+                        <a:srgbClr val="000000"/>
+                      </a:solidFill>
+                      <a:prstDash val="solid"/>
+                      <a:round/>
+                      <a:headEnd type="none" w="med" len="med"/>
+                      <a:tailEnd type="none" w="med" len="med"/>
+                    </a:lnR>
+                    <a:lnT w="6350" cap="flat" cmpd="sng" algn="ctr">
+                      <a:solidFill>
+                        <a:srgbClr val="000000"/>
+                      </a:solidFill>
+                      <a:prstDash val="solid"/>
+                      <a:round/>
+                      <a:headEnd type="none" w="med" len="med"/>
+                      <a:tailEnd type="none" w="med" len="med"/>
+                    </a:lnT>
+                    <a:lnB w="6350" cap="flat" cmpd="sng" algn="ctr">
+                      <a:solidFill>
+                        <a:srgbClr val="000000"/>
+                      </a:solidFill>
+                      <a:prstDash val="solid"/>
+                      <a:round/>
+                      <a:headEnd type="none" w="med" len="med"/>
+                      <a:tailEnd type="none" w="med" len="med"/>
+                    </a:lnB>
+                    <a:solidFill>
+                      <a:schemeClr val="tx1"/>
+                    </a:solidFill>
+                  </a:tcPr>
+                </a:tc>
+                <a:tc>
+                  <a:txBody>
+                    <a:bodyPr/>
+                    <a:lstStyle/>
+                    <a:p>
+                      <a:pPr algn="ctr" fontAlgn="b"/>
+                      <a:r>
+                        <a:rPr lang="en-US" sz="1400" b="1" i="0" u="none" strike="noStrike" dirty="0">
+                          <a:solidFill>
+                            <a:srgbClr val="000000"/>
+                          </a:solidFill>
+                          <a:effectLst/>
+                          <a:latin typeface="+mn-lt"/>
+                        </a:rPr>
+                        <a:t>Pearson's r</a:t>
+                      </a:r>
+                    </a:p>
+                  </a:txBody>
+                  <a:tcPr marL="6720" marR="6720" marT="6720" marB="0" anchor="b">
+                    <a:lnL w="6350" cap="flat" cmpd="sng" algn="ctr">
+                      <a:solidFill>
+                        <a:srgbClr val="000000"/>
+                      </a:solidFill>
+                      <a:prstDash val="solid"/>
+                      <a:round/>
+                      <a:headEnd type="none" w="med" len="med"/>
+                      <a:tailEnd type="none" w="med" len="med"/>
+                    </a:lnL>
+                    <a:lnR w="6350" cap="flat" cmpd="sng" algn="ctr">
+                      <a:solidFill>
+                        <a:srgbClr val="000000"/>
+                      </a:solidFill>
+                      <a:prstDash val="solid"/>
+                      <a:round/>
+                      <a:headEnd type="none" w="med" len="med"/>
+                      <a:tailEnd type="none" w="med" len="med"/>
+                    </a:lnR>
+                    <a:lnT w="6350" cap="flat" cmpd="sng" algn="ctr">
+                      <a:solidFill>
+                        <a:srgbClr val="000000"/>
+                      </a:solidFill>
+                      <a:prstDash val="solid"/>
+                      <a:round/>
+                      <a:headEnd type="none" w="med" len="med"/>
+                      <a:tailEnd type="none" w="med" len="med"/>
+                    </a:lnT>
+                    <a:lnB w="6350" cap="flat" cmpd="sng" algn="ctr">
+                      <a:solidFill>
+                        <a:srgbClr val="000000"/>
+                      </a:solidFill>
+                      <a:prstDash val="solid"/>
+                      <a:round/>
+                      <a:headEnd type="none" w="med" len="med"/>
+                      <a:tailEnd type="none" w="med" len="med"/>
+                    </a:lnB>
+                    <a:solidFill>
+                      <a:schemeClr val="tx1"/>
+                    </a:solidFill>
+                  </a:tcPr>
+                </a:tc>
+                <a:tc>
+                  <a:txBody>
+                    <a:bodyPr/>
+                    <a:lstStyle/>
+                    <a:p>
+                      <a:pPr algn="ctr" fontAlgn="b"/>
+                      <a:r>
+                        <a:rPr lang="en-US" sz="1400" b="1" i="0" u="none" strike="noStrike" dirty="0">
+                          <a:solidFill>
+                            <a:srgbClr val="000000"/>
+                          </a:solidFill>
+                          <a:effectLst/>
+                          <a:latin typeface="+mn-lt"/>
+                        </a:rPr>
+                        <a:t>P Value</a:t>
+                      </a:r>
+                    </a:p>
+                  </a:txBody>
+                  <a:tcPr marL="6720" marR="6720" marT="6720" marB="0" anchor="b">
+                    <a:lnL w="6350" cap="flat" cmpd="sng" algn="ctr">
+                      <a:solidFill>
+                        <a:srgbClr val="000000"/>
+                      </a:solidFill>
+                      <a:prstDash val="solid"/>
+                      <a:round/>
+                      <a:headEnd type="none" w="med" len="med"/>
+                      <a:tailEnd type="none" w="med" len="med"/>
+                    </a:lnL>
+                    <a:lnR w="6350" cap="flat" cmpd="sng" algn="ctr">
+                      <a:solidFill>
+                        <a:srgbClr val="000000"/>
+                      </a:solidFill>
+                      <a:prstDash val="solid"/>
+                      <a:round/>
+                      <a:headEnd type="none" w="med" len="med"/>
+                      <a:tailEnd type="none" w="med" len="med"/>
+                    </a:lnR>
+                    <a:lnT w="6350" cap="flat" cmpd="sng" algn="ctr">
+                      <a:solidFill>
+                        <a:srgbClr val="000000"/>
+                      </a:solidFill>
+                      <a:prstDash val="solid"/>
+                      <a:round/>
+                      <a:headEnd type="none" w="med" len="med"/>
+                      <a:tailEnd type="none" w="med" len="med"/>
+                    </a:lnT>
+                    <a:lnB w="6350" cap="flat" cmpd="sng" algn="ctr">
+                      <a:solidFill>
+                        <a:srgbClr val="000000"/>
+                      </a:solidFill>
+                      <a:prstDash val="solid"/>
+                      <a:round/>
+                      <a:headEnd type="none" w="med" len="med"/>
+                      <a:tailEnd type="none" w="med" len="med"/>
+                    </a:lnB>
+                    <a:solidFill>
+                      <a:schemeClr val="tx1"/>
+                    </a:solidFill>
+                  </a:tcPr>
+                </a:tc>
+                <a:tc>
+                  <a:txBody>
+                    <a:bodyPr/>
+                    <a:lstStyle/>
+                    <a:p>
+                      <a:pPr algn="ctr" fontAlgn="b"/>
+                      <a:r>
+                        <a:rPr lang="en-US" sz="1400" b="1" i="0" u="none" strike="noStrike" dirty="0">
+                          <a:solidFill>
+                            <a:srgbClr val="000000"/>
+                          </a:solidFill>
+                          <a:effectLst/>
+                          <a:latin typeface="+mn-lt"/>
+                        </a:rPr>
+                        <a:t>Meaning</a:t>
+                      </a:r>
+                    </a:p>
+                  </a:txBody>
+                  <a:tcPr marL="6720" marR="6720" marT="6720" marB="0" anchor="b">
+                    <a:lnL w="6350" cap="flat" cmpd="sng" algn="ctr">
+                      <a:solidFill>
+                        <a:srgbClr val="000000"/>
+                      </a:solidFill>
+                      <a:prstDash val="solid"/>
+                      <a:round/>
+                      <a:headEnd type="none" w="med" len="med"/>
+                      <a:tailEnd type="none" w="med" len="med"/>
+                    </a:lnL>
+                    <a:lnR w="6350" cap="flat" cmpd="sng" algn="ctr">
+                      <a:solidFill>
+                        <a:srgbClr val="000000"/>
+                      </a:solidFill>
+                      <a:prstDash val="solid"/>
+                      <a:round/>
+                      <a:headEnd type="none" w="med" len="med"/>
+                      <a:tailEnd type="none" w="med" len="med"/>
+                    </a:lnR>
+                    <a:lnT w="6350" cap="flat" cmpd="sng" algn="ctr">
+                      <a:solidFill>
+                        <a:srgbClr val="000000"/>
+                      </a:solidFill>
+                      <a:prstDash val="solid"/>
+                      <a:round/>
+                      <a:headEnd type="none" w="med" len="med"/>
+                      <a:tailEnd type="none" w="med" len="med"/>
+                    </a:lnT>
+                    <a:lnB w="6350" cap="flat" cmpd="sng" algn="ctr">
+                      <a:solidFill>
+                        <a:srgbClr val="000000"/>
+                      </a:solidFill>
+                      <a:prstDash val="solid"/>
+                      <a:round/>
+                      <a:headEnd type="none" w="med" len="med"/>
+                      <a:tailEnd type="none" w="med" len="med"/>
+                    </a:lnB>
+                    <a:solidFill>
+                      <a:schemeClr val="tx1"/>
+                    </a:solidFill>
+                  </a:tcPr>
+                </a:tc>
+                <a:extLst>
+                  <a:ext uri="{0D108BD9-81ED-4DB2-BD59-A6C34878D82A}">
+                    <a16:rowId xmlns:a16="http://schemas.microsoft.com/office/drawing/2014/main" val="3717183638"/>
+                  </a:ext>
+                </a:extLst>
+              </a:tr>
+              <a:tr h="579330">
+                <a:tc>
+                  <a:txBody>
+                    <a:bodyPr/>
+                    <a:lstStyle/>
+                    <a:p>
+                      <a:pPr algn="l" fontAlgn="b"/>
+                      <a:r>
+                        <a:rPr lang="en-US" sz="1300" b="0" i="0" u="none" strike="noStrike">
+                          <a:solidFill>
+                            <a:srgbClr val="000000"/>
+                          </a:solidFill>
+                          <a:effectLst/>
+                          <a:latin typeface="+mn-lt"/>
+                        </a:rPr>
+                        <a:t>Auto Sales v Gas Price</a:t>
+                      </a:r>
+                    </a:p>
+                  </a:txBody>
+                  <a:tcPr marL="6720" marR="6720" marT="6720" marB="0" anchor="b">
+                    <a:lnL w="6350" cap="flat" cmpd="sng" algn="ctr">
+                      <a:solidFill>
+                        <a:srgbClr val="000000"/>
+                      </a:solidFill>
+                      <a:prstDash val="solid"/>
+                      <a:round/>
+                      <a:headEnd type="none" w="med" len="med"/>
+                      <a:tailEnd type="none" w="med" len="med"/>
+                    </a:lnL>
+                    <a:lnR w="6350" cap="flat" cmpd="sng" algn="ctr">
+                      <a:solidFill>
+                        <a:srgbClr val="000000"/>
+                      </a:solidFill>
+                      <a:prstDash val="solid"/>
+                      <a:round/>
+                      <a:headEnd type="none" w="med" len="med"/>
+                      <a:tailEnd type="none" w="med" len="med"/>
+                    </a:lnR>
+                    <a:lnT w="6350" cap="flat" cmpd="sng" algn="ctr">
+                      <a:solidFill>
+                        <a:srgbClr val="000000"/>
+                      </a:solidFill>
+                      <a:prstDash val="solid"/>
+                      <a:round/>
+                      <a:headEnd type="none" w="med" len="med"/>
+                      <a:tailEnd type="none" w="med" len="med"/>
+                    </a:lnT>
+                    <a:lnB w="6350" cap="flat" cmpd="sng" algn="ctr">
+                      <a:solidFill>
+                        <a:srgbClr val="000000"/>
+                      </a:solidFill>
+                      <a:prstDash val="solid"/>
+                      <a:round/>
+                      <a:headEnd type="none" w="med" len="med"/>
+                      <a:tailEnd type="none" w="med" len="med"/>
+                    </a:lnB>
+                    <a:solidFill>
+                      <a:schemeClr val="tx1"/>
+                    </a:solidFill>
+                  </a:tcPr>
+                </a:tc>
+                <a:tc>
+                  <a:txBody>
+                    <a:bodyPr/>
+                    <a:lstStyle/>
+                    <a:p>
+                      <a:pPr algn="ctr" fontAlgn="b"/>
+                      <a:r>
+                        <a:rPr lang="en-US" sz="1350" b="0" i="0" u="none" strike="noStrike" dirty="0">
+                          <a:solidFill>
+                            <a:srgbClr val="000000"/>
+                          </a:solidFill>
+                          <a:effectLst/>
+                          <a:latin typeface="+mn-lt"/>
+                        </a:rPr>
+                        <a:t>0.000444</a:t>
+                      </a:r>
+                    </a:p>
+                  </a:txBody>
+                  <a:tcPr marL="6720" marR="6720" marT="6720" marB="0" anchor="b">
+                    <a:lnL w="6350" cap="flat" cmpd="sng" algn="ctr">
+                      <a:solidFill>
+                        <a:srgbClr val="000000"/>
+                      </a:solidFill>
+                      <a:prstDash val="solid"/>
+                      <a:round/>
+                      <a:headEnd type="none" w="med" len="med"/>
+                      <a:tailEnd type="none" w="med" len="med"/>
+                    </a:lnL>
+                    <a:lnR w="6350" cap="flat" cmpd="sng" algn="ctr">
+                      <a:solidFill>
+                        <a:srgbClr val="000000"/>
+                      </a:solidFill>
+                      <a:prstDash val="solid"/>
+                      <a:round/>
+                      <a:headEnd type="none" w="med" len="med"/>
+                      <a:tailEnd type="none" w="med" len="med"/>
+                    </a:lnR>
+                    <a:lnT w="6350" cap="flat" cmpd="sng" algn="ctr">
+                      <a:solidFill>
+                        <a:srgbClr val="000000"/>
+                      </a:solidFill>
+                      <a:prstDash val="solid"/>
+                      <a:round/>
+                      <a:headEnd type="none" w="med" len="med"/>
+                      <a:tailEnd type="none" w="med" len="med"/>
+                    </a:lnT>
+                    <a:lnB w="6350" cap="flat" cmpd="sng" algn="ctr">
+                      <a:solidFill>
+                        <a:srgbClr val="000000"/>
+                      </a:solidFill>
+                      <a:prstDash val="solid"/>
+                      <a:round/>
+                      <a:headEnd type="none" w="med" len="med"/>
+                      <a:tailEnd type="none" w="med" len="med"/>
+                    </a:lnB>
+                    <a:solidFill>
+                      <a:schemeClr val="tx1"/>
+                    </a:solidFill>
+                  </a:tcPr>
+                </a:tc>
+                <a:tc>
+                  <a:txBody>
+                    <a:bodyPr/>
+                    <a:lstStyle/>
+                    <a:p>
+                      <a:pPr algn="ctr" fontAlgn="b"/>
+                      <a:r>
+                        <a:rPr lang="en-US" sz="1350" b="0" i="0" u="none" strike="noStrike" dirty="0">
+                          <a:solidFill>
+                            <a:srgbClr val="000000"/>
+                          </a:solidFill>
+                          <a:effectLst/>
+                          <a:latin typeface="+mn-lt"/>
+                        </a:rPr>
+                        <a:t>-0.02</a:t>
+                      </a:r>
+                    </a:p>
+                  </a:txBody>
+                  <a:tcPr marL="6720" marR="6720" marT="6720" marB="0" anchor="b">
+                    <a:lnL w="6350" cap="flat" cmpd="sng" algn="ctr">
+                      <a:solidFill>
+                        <a:srgbClr val="000000"/>
+                      </a:solidFill>
+                      <a:prstDash val="solid"/>
+                      <a:round/>
+                      <a:headEnd type="none" w="med" len="med"/>
+                      <a:tailEnd type="none" w="med" len="med"/>
+                    </a:lnL>
+                    <a:lnR w="6350" cap="flat" cmpd="sng" algn="ctr">
+                      <a:solidFill>
+                        <a:srgbClr val="000000"/>
+                      </a:solidFill>
+                      <a:prstDash val="solid"/>
+                      <a:round/>
+                      <a:headEnd type="none" w="med" len="med"/>
+                      <a:tailEnd type="none" w="med" len="med"/>
+                    </a:lnR>
+                    <a:lnT w="6350" cap="flat" cmpd="sng" algn="ctr">
+                      <a:solidFill>
+                        <a:srgbClr val="000000"/>
+                      </a:solidFill>
+                      <a:prstDash val="solid"/>
+                      <a:round/>
+                      <a:headEnd type="none" w="med" len="med"/>
+                      <a:tailEnd type="none" w="med" len="med"/>
+                    </a:lnT>
+                    <a:lnB w="6350" cap="flat" cmpd="sng" algn="ctr">
+                      <a:solidFill>
+                        <a:srgbClr val="000000"/>
+                      </a:solidFill>
+                      <a:prstDash val="solid"/>
+                      <a:round/>
+                      <a:headEnd type="none" w="med" len="med"/>
+                      <a:tailEnd type="none" w="med" len="med"/>
+                    </a:lnB>
+                    <a:solidFill>
+                      <a:schemeClr val="tx1"/>
+                    </a:solidFill>
+                  </a:tcPr>
+                </a:tc>
+                <a:tc>
+                  <a:txBody>
+                    <a:bodyPr/>
+                    <a:lstStyle/>
+                    <a:p>
+                      <a:pPr algn="ctr" fontAlgn="b"/>
+                      <a:r>
+                        <a:rPr lang="en-US" sz="1350" b="0" i="0" u="none" strike="noStrike" dirty="0">
+                          <a:solidFill>
+                            <a:srgbClr val="000000"/>
+                          </a:solidFill>
+                          <a:effectLst/>
+                          <a:latin typeface="+mn-lt"/>
+                        </a:rPr>
+                        <a:t>0.768033294</a:t>
+                      </a:r>
+                    </a:p>
+                  </a:txBody>
+                  <a:tcPr marL="6720" marR="6720" marT="6720" marB="0" anchor="b">
+                    <a:lnL w="6350" cap="flat" cmpd="sng" algn="ctr">
+                      <a:solidFill>
+                        <a:srgbClr val="000000"/>
+                      </a:solidFill>
+                      <a:prstDash val="solid"/>
+                      <a:round/>
+                      <a:headEnd type="none" w="med" len="med"/>
+                      <a:tailEnd type="none" w="med" len="med"/>
+                    </a:lnL>
+                    <a:lnR w="6350" cap="flat" cmpd="sng" algn="ctr">
+                      <a:solidFill>
+                        <a:srgbClr val="000000"/>
+                      </a:solidFill>
+                      <a:prstDash val="solid"/>
+                      <a:round/>
+                      <a:headEnd type="none" w="med" len="med"/>
+                      <a:tailEnd type="none" w="med" len="med"/>
+                    </a:lnR>
+                    <a:lnT w="6350" cap="flat" cmpd="sng" algn="ctr">
+                      <a:solidFill>
+                        <a:srgbClr val="000000"/>
+                      </a:solidFill>
+                      <a:prstDash val="solid"/>
+                      <a:round/>
+                      <a:headEnd type="none" w="med" len="med"/>
+                      <a:tailEnd type="none" w="med" len="med"/>
+                    </a:lnT>
+                    <a:lnB w="6350" cap="flat" cmpd="sng" algn="ctr">
+                      <a:solidFill>
+                        <a:srgbClr val="000000"/>
+                      </a:solidFill>
+                      <a:prstDash val="solid"/>
+                      <a:round/>
+                      <a:headEnd type="none" w="med" len="med"/>
+                      <a:tailEnd type="none" w="med" len="med"/>
+                    </a:lnB>
+                    <a:solidFill>
+                      <a:schemeClr val="tx1"/>
+                    </a:solidFill>
+                  </a:tcPr>
+                </a:tc>
+                <a:tc>
+                  <a:txBody>
+                    <a:bodyPr/>
+                    <a:lstStyle/>
+                    <a:p>
+                      <a:pPr algn="l" fontAlgn="b"/>
+                      <a:r>
+                        <a:rPr lang="en-US" sz="1200" b="0" i="0" u="none" strike="noStrike" dirty="0">
+                          <a:solidFill>
+                            <a:srgbClr val="000000"/>
+                          </a:solidFill>
+                          <a:effectLst/>
+                          <a:latin typeface="+mn-lt"/>
+                        </a:rPr>
+                        <a:t>Accounts for hardly any of the data: Correlation: None or very weak   </a:t>
+                      </a:r>
+                    </a:p>
+                  </a:txBody>
+                  <a:tcPr marL="6720" marR="6720" marT="6720" marB="0" anchor="b">
+                    <a:lnL w="6350" cap="flat" cmpd="sng" algn="ctr">
+                      <a:solidFill>
+                        <a:srgbClr val="000000"/>
+                      </a:solidFill>
+                      <a:prstDash val="solid"/>
+                      <a:round/>
+                      <a:headEnd type="none" w="med" len="med"/>
+                      <a:tailEnd type="none" w="med" len="med"/>
+                    </a:lnL>
+                    <a:lnR w="6350" cap="flat" cmpd="sng" algn="ctr">
+                      <a:solidFill>
+                        <a:srgbClr val="000000"/>
+                      </a:solidFill>
+                      <a:prstDash val="solid"/>
+                      <a:round/>
+                      <a:headEnd type="none" w="med" len="med"/>
+                      <a:tailEnd type="none" w="med" len="med"/>
+                    </a:lnR>
+                    <a:lnT w="6350" cap="flat" cmpd="sng" algn="ctr">
+                      <a:solidFill>
+                        <a:srgbClr val="000000"/>
+                      </a:solidFill>
+                      <a:prstDash val="solid"/>
+                      <a:round/>
+                      <a:headEnd type="none" w="med" len="med"/>
+                      <a:tailEnd type="none" w="med" len="med"/>
+                    </a:lnT>
+                    <a:lnB w="6350" cap="flat" cmpd="sng" algn="ctr">
+                      <a:solidFill>
+                        <a:srgbClr val="000000"/>
+                      </a:solidFill>
+                      <a:prstDash val="solid"/>
+                      <a:round/>
+                      <a:headEnd type="none" w="med" len="med"/>
+                      <a:tailEnd type="none" w="med" len="med"/>
+                    </a:lnB>
+                    <a:solidFill>
+                      <a:schemeClr val="tx1"/>
+                    </a:solidFill>
+                  </a:tcPr>
+                </a:tc>
+                <a:extLst>
+                  <a:ext uri="{0D108BD9-81ED-4DB2-BD59-A6C34878D82A}">
+                    <a16:rowId xmlns:a16="http://schemas.microsoft.com/office/drawing/2014/main" val="1825058878"/>
+                  </a:ext>
+                </a:extLst>
+              </a:tr>
+              <a:tr h="579330">
+                <a:tc>
+                  <a:txBody>
+                    <a:bodyPr/>
+                    <a:lstStyle/>
+                    <a:p>
+                      <a:pPr algn="l" fontAlgn="b"/>
+                      <a:r>
+                        <a:rPr lang="en-US" sz="1300" b="0" i="0" u="none" strike="noStrike">
+                          <a:solidFill>
+                            <a:srgbClr val="000000"/>
+                          </a:solidFill>
+                          <a:effectLst/>
+                          <a:latin typeface="+mn-lt"/>
+                        </a:rPr>
+                        <a:t>Auto Sales v Unemployment</a:t>
+                      </a:r>
+                    </a:p>
+                  </a:txBody>
+                  <a:tcPr marL="6720" marR="6720" marT="6720" marB="0" anchor="b">
+                    <a:lnL w="6350" cap="flat" cmpd="sng" algn="ctr">
+                      <a:solidFill>
+                        <a:srgbClr val="000000"/>
+                      </a:solidFill>
+                      <a:prstDash val="solid"/>
+                      <a:round/>
+                      <a:headEnd type="none" w="med" len="med"/>
+                      <a:tailEnd type="none" w="med" len="med"/>
+                    </a:lnL>
+                    <a:lnR w="6350" cap="flat" cmpd="sng" algn="ctr">
+                      <a:solidFill>
+                        <a:srgbClr val="000000"/>
+                      </a:solidFill>
+                      <a:prstDash val="solid"/>
+                      <a:round/>
+                      <a:headEnd type="none" w="med" len="med"/>
+                      <a:tailEnd type="none" w="med" len="med"/>
+                    </a:lnR>
+                    <a:lnT w="6350" cap="flat" cmpd="sng" algn="ctr">
+                      <a:solidFill>
+                        <a:srgbClr val="000000"/>
+                      </a:solidFill>
+                      <a:prstDash val="solid"/>
+                      <a:round/>
+                      <a:headEnd type="none" w="med" len="med"/>
+                      <a:tailEnd type="none" w="med" len="med"/>
+                    </a:lnT>
+                    <a:lnB w="6350" cap="flat" cmpd="sng" algn="ctr">
+                      <a:solidFill>
+                        <a:srgbClr val="000000"/>
+                      </a:solidFill>
+                      <a:prstDash val="solid"/>
+                      <a:round/>
+                      <a:headEnd type="none" w="med" len="med"/>
+                      <a:tailEnd type="none" w="med" len="med"/>
+                    </a:lnB>
+                    <a:solidFill>
+                      <a:schemeClr val="tx1"/>
+                    </a:solidFill>
+                  </a:tcPr>
+                </a:tc>
+                <a:tc>
+                  <a:txBody>
+                    <a:bodyPr/>
+                    <a:lstStyle/>
+                    <a:p>
+                      <a:pPr algn="ctr" fontAlgn="b"/>
+                      <a:r>
+                        <a:rPr lang="en-US" sz="1350" b="0" i="0" u="none" strike="noStrike" dirty="0">
+                          <a:solidFill>
+                            <a:srgbClr val="000000"/>
+                          </a:solidFill>
+                          <a:effectLst/>
+                          <a:latin typeface="+mn-lt"/>
+                        </a:rPr>
+                        <a:t>0.378681</a:t>
+                      </a:r>
+                    </a:p>
+                  </a:txBody>
+                  <a:tcPr marL="6720" marR="6720" marT="6720" marB="0" anchor="b">
+                    <a:lnL w="6350" cap="flat" cmpd="sng" algn="ctr">
+                      <a:solidFill>
+                        <a:srgbClr val="000000"/>
+                      </a:solidFill>
+                      <a:prstDash val="solid"/>
+                      <a:round/>
+                      <a:headEnd type="none" w="med" len="med"/>
+                      <a:tailEnd type="none" w="med" len="med"/>
+                    </a:lnL>
+                    <a:lnR w="6350" cap="flat" cmpd="sng" algn="ctr">
+                      <a:solidFill>
+                        <a:srgbClr val="000000"/>
+                      </a:solidFill>
+                      <a:prstDash val="solid"/>
+                      <a:round/>
+                      <a:headEnd type="none" w="med" len="med"/>
+                      <a:tailEnd type="none" w="med" len="med"/>
+                    </a:lnR>
+                    <a:lnT w="6350" cap="flat" cmpd="sng" algn="ctr">
+                      <a:solidFill>
+                        <a:srgbClr val="000000"/>
+                      </a:solidFill>
+                      <a:prstDash val="solid"/>
+                      <a:round/>
+                      <a:headEnd type="none" w="med" len="med"/>
+                      <a:tailEnd type="none" w="med" len="med"/>
+                    </a:lnT>
+                    <a:lnB w="6350" cap="flat" cmpd="sng" algn="ctr">
+                      <a:solidFill>
+                        <a:srgbClr val="000000"/>
+                      </a:solidFill>
+                      <a:prstDash val="solid"/>
+                      <a:round/>
+                      <a:headEnd type="none" w="med" len="med"/>
+                      <a:tailEnd type="none" w="med" len="med"/>
+                    </a:lnB>
+                    <a:solidFill>
+                      <a:schemeClr val="tx1"/>
+                    </a:solidFill>
+                  </a:tcPr>
+                </a:tc>
+                <a:tc>
+                  <a:txBody>
+                    <a:bodyPr/>
+                    <a:lstStyle/>
+                    <a:p>
+                      <a:pPr algn="ctr" fontAlgn="b"/>
+                      <a:r>
+                        <a:rPr lang="en-US" sz="1350" b="0" i="0" u="none" strike="noStrike" dirty="0">
+                          <a:solidFill>
+                            <a:srgbClr val="000000"/>
+                          </a:solidFill>
+                          <a:effectLst/>
+                          <a:latin typeface="+mn-lt"/>
+                        </a:rPr>
+                        <a:t>-0.62</a:t>
+                      </a:r>
+                    </a:p>
+                  </a:txBody>
+                  <a:tcPr marL="6720" marR="6720" marT="6720" marB="0" anchor="b">
+                    <a:lnL w="6350" cap="flat" cmpd="sng" algn="ctr">
+                      <a:solidFill>
+                        <a:srgbClr val="000000"/>
+                      </a:solidFill>
+                      <a:prstDash val="solid"/>
+                      <a:round/>
+                      <a:headEnd type="none" w="med" len="med"/>
+                      <a:tailEnd type="none" w="med" len="med"/>
+                    </a:lnL>
+                    <a:lnR w="6350" cap="flat" cmpd="sng" algn="ctr">
+                      <a:solidFill>
+                        <a:srgbClr val="000000"/>
+                      </a:solidFill>
+                      <a:prstDash val="solid"/>
+                      <a:round/>
+                      <a:headEnd type="none" w="med" len="med"/>
+                      <a:tailEnd type="none" w="med" len="med"/>
+                    </a:lnR>
+                    <a:lnT w="6350" cap="flat" cmpd="sng" algn="ctr">
+                      <a:solidFill>
+                        <a:srgbClr val="000000"/>
+                      </a:solidFill>
+                      <a:prstDash val="solid"/>
+                      <a:round/>
+                      <a:headEnd type="none" w="med" len="med"/>
+                      <a:tailEnd type="none" w="med" len="med"/>
+                    </a:lnT>
+                    <a:lnB w="6350" cap="flat" cmpd="sng" algn="ctr">
+                      <a:solidFill>
+                        <a:srgbClr val="000000"/>
+                      </a:solidFill>
+                      <a:prstDash val="solid"/>
+                      <a:round/>
+                      <a:headEnd type="none" w="med" len="med"/>
+                      <a:tailEnd type="none" w="med" len="med"/>
+                    </a:lnB>
+                    <a:solidFill>
+                      <a:schemeClr val="tx1"/>
+                    </a:solidFill>
+                  </a:tcPr>
+                </a:tc>
+                <a:tc>
+                  <a:txBody>
+                    <a:bodyPr/>
+                    <a:lstStyle/>
+                    <a:p>
+                      <a:pPr algn="ctr" fontAlgn="b"/>
+                      <a:r>
+                        <a:rPr lang="en-US" sz="1350" b="0" i="0" u="none" strike="noStrike" dirty="0">
+                          <a:solidFill>
+                            <a:srgbClr val="000000"/>
+                          </a:solidFill>
+                          <a:effectLst/>
+                          <a:latin typeface="+mn-lt"/>
+                        </a:rPr>
+                        <a:t>5.09817E-22</a:t>
+                      </a:r>
+                    </a:p>
+                  </a:txBody>
+                  <a:tcPr marL="6720" marR="6720" marT="6720" marB="0" anchor="b">
+                    <a:lnL w="6350" cap="flat" cmpd="sng" algn="ctr">
+                      <a:solidFill>
+                        <a:srgbClr val="000000"/>
+                      </a:solidFill>
+                      <a:prstDash val="solid"/>
+                      <a:round/>
+                      <a:headEnd type="none" w="med" len="med"/>
+                      <a:tailEnd type="none" w="med" len="med"/>
+                    </a:lnL>
+                    <a:lnR w="6350" cap="flat" cmpd="sng" algn="ctr">
+                      <a:solidFill>
+                        <a:srgbClr val="000000"/>
+                      </a:solidFill>
+                      <a:prstDash val="solid"/>
+                      <a:round/>
+                      <a:headEnd type="none" w="med" len="med"/>
+                      <a:tailEnd type="none" w="med" len="med"/>
+                    </a:lnR>
+                    <a:lnT w="6350" cap="flat" cmpd="sng" algn="ctr">
+                      <a:solidFill>
+                        <a:srgbClr val="000000"/>
+                      </a:solidFill>
+                      <a:prstDash val="solid"/>
+                      <a:round/>
+                      <a:headEnd type="none" w="med" len="med"/>
+                      <a:tailEnd type="none" w="med" len="med"/>
+                    </a:lnT>
+                    <a:lnB w="6350" cap="flat" cmpd="sng" algn="ctr">
+                      <a:solidFill>
+                        <a:srgbClr val="000000"/>
+                      </a:solidFill>
+                      <a:prstDash val="solid"/>
+                      <a:round/>
+                      <a:headEnd type="none" w="med" len="med"/>
+                      <a:tailEnd type="none" w="med" len="med"/>
+                    </a:lnB>
+                    <a:solidFill>
+                      <a:schemeClr val="tx1"/>
+                    </a:solidFill>
+                  </a:tcPr>
+                </a:tc>
+                <a:tc>
+                  <a:txBody>
+                    <a:bodyPr/>
+                    <a:lstStyle/>
+                    <a:p>
+                      <a:pPr algn="l" fontAlgn="b"/>
+                      <a:r>
+                        <a:rPr lang="en-US" sz="1200" b="0" i="0" u="none" strike="noStrike" dirty="0">
+                          <a:solidFill>
+                            <a:srgbClr val="000000"/>
+                          </a:solidFill>
+                          <a:effectLst/>
+                          <a:latin typeface="+mn-lt"/>
+                        </a:rPr>
+                        <a:t>Accounts for roughly 38% of the data: Correlation: Moderate</a:t>
+                      </a:r>
+                    </a:p>
+                  </a:txBody>
+                  <a:tcPr marL="6720" marR="6720" marT="6720" marB="0" anchor="b">
+                    <a:lnL w="6350" cap="flat" cmpd="sng" algn="ctr">
+                      <a:solidFill>
+                        <a:srgbClr val="000000"/>
+                      </a:solidFill>
+                      <a:prstDash val="solid"/>
+                      <a:round/>
+                      <a:headEnd type="none" w="med" len="med"/>
+                      <a:tailEnd type="none" w="med" len="med"/>
+                    </a:lnL>
+                    <a:lnR w="6350" cap="flat" cmpd="sng" algn="ctr">
+                      <a:solidFill>
+                        <a:srgbClr val="000000"/>
+                      </a:solidFill>
+                      <a:prstDash val="solid"/>
+                      <a:round/>
+                      <a:headEnd type="none" w="med" len="med"/>
+                      <a:tailEnd type="none" w="med" len="med"/>
+                    </a:lnR>
+                    <a:lnT w="6350" cap="flat" cmpd="sng" algn="ctr">
+                      <a:solidFill>
+                        <a:srgbClr val="000000"/>
+                      </a:solidFill>
+                      <a:prstDash val="solid"/>
+                      <a:round/>
+                      <a:headEnd type="none" w="med" len="med"/>
+                      <a:tailEnd type="none" w="med" len="med"/>
+                    </a:lnT>
+                    <a:lnB w="6350" cap="flat" cmpd="sng" algn="ctr">
+                      <a:solidFill>
+                        <a:srgbClr val="000000"/>
+                      </a:solidFill>
+                      <a:prstDash val="solid"/>
+                      <a:round/>
+                      <a:headEnd type="none" w="med" len="med"/>
+                      <a:tailEnd type="none" w="med" len="med"/>
+                    </a:lnB>
+                    <a:solidFill>
+                      <a:schemeClr val="tx1"/>
+                    </a:solidFill>
+                  </a:tcPr>
+                </a:tc>
+                <a:extLst>
+                  <a:ext uri="{0D108BD9-81ED-4DB2-BD59-A6C34878D82A}">
+                    <a16:rowId xmlns:a16="http://schemas.microsoft.com/office/drawing/2014/main" val="1805397928"/>
+                  </a:ext>
+                </a:extLst>
+              </a:tr>
+              <a:tr h="579330">
+                <a:tc>
+                  <a:txBody>
+                    <a:bodyPr/>
+                    <a:lstStyle/>
+                    <a:p>
+                      <a:pPr algn="l" fontAlgn="b"/>
+                      <a:r>
+                        <a:rPr lang="en-US" sz="1300" b="0" i="0" u="none" strike="noStrike" dirty="0">
+                          <a:solidFill>
+                            <a:srgbClr val="000000"/>
+                          </a:solidFill>
+                          <a:effectLst/>
+                          <a:latin typeface="+mn-lt"/>
+                        </a:rPr>
+                        <a:t>Auto Sales v Steel Price Index</a:t>
+                      </a:r>
+                    </a:p>
+                  </a:txBody>
+                  <a:tcPr marL="6720" marR="6720" marT="6720" marB="0" anchor="b">
+                    <a:lnL w="6350" cap="flat" cmpd="sng" algn="ctr">
+                      <a:solidFill>
+                        <a:srgbClr val="000000"/>
+                      </a:solidFill>
+                      <a:prstDash val="solid"/>
+                      <a:round/>
+                      <a:headEnd type="none" w="med" len="med"/>
+                      <a:tailEnd type="none" w="med" len="med"/>
+                    </a:lnL>
+                    <a:lnR w="6350" cap="flat" cmpd="sng" algn="ctr">
+                      <a:solidFill>
+                        <a:srgbClr val="000000"/>
+                      </a:solidFill>
+                      <a:prstDash val="solid"/>
+                      <a:round/>
+                      <a:headEnd type="none" w="med" len="med"/>
+                      <a:tailEnd type="none" w="med" len="med"/>
+                    </a:lnR>
+                    <a:lnT w="6350" cap="flat" cmpd="sng" algn="ctr">
+                      <a:solidFill>
+                        <a:srgbClr val="000000"/>
+                      </a:solidFill>
+                      <a:prstDash val="solid"/>
+                      <a:round/>
+                      <a:headEnd type="none" w="med" len="med"/>
+                      <a:tailEnd type="none" w="med" len="med"/>
+                    </a:lnT>
+                    <a:lnB w="6350" cap="flat" cmpd="sng" algn="ctr">
+                      <a:solidFill>
+                        <a:srgbClr val="000000"/>
+                      </a:solidFill>
+                      <a:prstDash val="solid"/>
+                      <a:round/>
+                      <a:headEnd type="none" w="med" len="med"/>
+                      <a:tailEnd type="none" w="med" len="med"/>
+                    </a:lnB>
+                    <a:solidFill>
+                      <a:schemeClr val="tx1"/>
+                    </a:solidFill>
+                  </a:tcPr>
+                </a:tc>
+                <a:tc>
+                  <a:txBody>
+                    <a:bodyPr/>
+                    <a:lstStyle/>
+                    <a:p>
+                      <a:pPr algn="ctr" fontAlgn="b"/>
+                      <a:r>
+                        <a:rPr lang="en-US" sz="1350" b="0" i="0" u="none" strike="noStrike">
+                          <a:solidFill>
+                            <a:srgbClr val="000000"/>
+                          </a:solidFill>
+                          <a:effectLst/>
+                          <a:latin typeface="+mn-lt"/>
+                        </a:rPr>
+                        <a:t>0.000751</a:t>
+                      </a:r>
+                    </a:p>
+                  </a:txBody>
+                  <a:tcPr marL="6720" marR="6720" marT="6720" marB="0" anchor="b">
+                    <a:lnL w="6350" cap="flat" cmpd="sng" algn="ctr">
+                      <a:solidFill>
+                        <a:srgbClr val="000000"/>
+                      </a:solidFill>
+                      <a:prstDash val="solid"/>
+                      <a:round/>
+                      <a:headEnd type="none" w="med" len="med"/>
+                      <a:tailEnd type="none" w="med" len="med"/>
+                    </a:lnL>
+                    <a:lnR w="6350" cap="flat" cmpd="sng" algn="ctr">
+                      <a:solidFill>
+                        <a:srgbClr val="000000"/>
+                      </a:solidFill>
+                      <a:prstDash val="solid"/>
+                      <a:round/>
+                      <a:headEnd type="none" w="med" len="med"/>
+                      <a:tailEnd type="none" w="med" len="med"/>
+                    </a:lnR>
+                    <a:lnT w="6350" cap="flat" cmpd="sng" algn="ctr">
+                      <a:solidFill>
+                        <a:srgbClr val="000000"/>
+                      </a:solidFill>
+                      <a:prstDash val="solid"/>
+                      <a:round/>
+                      <a:headEnd type="none" w="med" len="med"/>
+                      <a:tailEnd type="none" w="med" len="med"/>
+                    </a:lnT>
+                    <a:lnB w="6350" cap="flat" cmpd="sng" algn="ctr">
+                      <a:solidFill>
+                        <a:srgbClr val="000000"/>
+                      </a:solidFill>
+                      <a:prstDash val="solid"/>
+                      <a:round/>
+                      <a:headEnd type="none" w="med" len="med"/>
+                      <a:tailEnd type="none" w="med" len="med"/>
+                    </a:lnB>
+                    <a:solidFill>
+                      <a:schemeClr val="tx1"/>
+                    </a:solidFill>
+                  </a:tcPr>
+                </a:tc>
+                <a:tc>
+                  <a:txBody>
+                    <a:bodyPr/>
+                    <a:lstStyle/>
+                    <a:p>
+                      <a:pPr algn="ctr" fontAlgn="b"/>
+                      <a:r>
+                        <a:rPr lang="en-US" sz="1350" b="0" i="0" u="none" strike="noStrike" dirty="0">
+                          <a:solidFill>
+                            <a:srgbClr val="000000"/>
+                          </a:solidFill>
+                          <a:effectLst/>
+                          <a:latin typeface="+mn-lt"/>
+                        </a:rPr>
+                        <a:t>-0.03</a:t>
+                      </a:r>
+                    </a:p>
+                  </a:txBody>
+                  <a:tcPr marL="6720" marR="6720" marT="6720" marB="0" anchor="b">
+                    <a:lnL w="6350" cap="flat" cmpd="sng" algn="ctr">
+                      <a:solidFill>
+                        <a:srgbClr val="000000"/>
+                      </a:solidFill>
+                      <a:prstDash val="solid"/>
+                      <a:round/>
+                      <a:headEnd type="none" w="med" len="med"/>
+                      <a:tailEnd type="none" w="med" len="med"/>
+                    </a:lnL>
+                    <a:lnR w="6350" cap="flat" cmpd="sng" algn="ctr">
+                      <a:solidFill>
+                        <a:srgbClr val="000000"/>
+                      </a:solidFill>
+                      <a:prstDash val="solid"/>
+                      <a:round/>
+                      <a:headEnd type="none" w="med" len="med"/>
+                      <a:tailEnd type="none" w="med" len="med"/>
+                    </a:lnR>
+                    <a:lnT w="6350" cap="flat" cmpd="sng" algn="ctr">
+                      <a:solidFill>
+                        <a:srgbClr val="000000"/>
+                      </a:solidFill>
+                      <a:prstDash val="solid"/>
+                      <a:round/>
+                      <a:headEnd type="none" w="med" len="med"/>
+                      <a:tailEnd type="none" w="med" len="med"/>
+                    </a:lnT>
+                    <a:lnB w="6350" cap="flat" cmpd="sng" algn="ctr">
+                      <a:solidFill>
+                        <a:srgbClr val="000000"/>
+                      </a:solidFill>
+                      <a:prstDash val="solid"/>
+                      <a:round/>
+                      <a:headEnd type="none" w="med" len="med"/>
+                      <a:tailEnd type="none" w="med" len="med"/>
+                    </a:lnB>
+                    <a:solidFill>
+                      <a:schemeClr val="tx1"/>
+                    </a:solidFill>
+                  </a:tcPr>
+                </a:tc>
+                <a:tc>
+                  <a:txBody>
+                    <a:bodyPr/>
+                    <a:lstStyle/>
+                    <a:p>
+                      <a:pPr algn="ctr" fontAlgn="b"/>
+                      <a:r>
+                        <a:rPr lang="en-US" sz="1350" b="0" i="0" u="none" strike="noStrike" dirty="0">
+                          <a:solidFill>
+                            <a:srgbClr val="000000"/>
+                          </a:solidFill>
+                          <a:effectLst/>
+                          <a:latin typeface="+mn-lt"/>
+                        </a:rPr>
+                        <a:t>0.701366116</a:t>
+                      </a:r>
+                    </a:p>
+                  </a:txBody>
+                  <a:tcPr marL="6720" marR="6720" marT="6720" marB="0" anchor="b">
+                    <a:lnL w="6350" cap="flat" cmpd="sng" algn="ctr">
+                      <a:solidFill>
+                        <a:srgbClr val="000000"/>
+                      </a:solidFill>
+                      <a:prstDash val="solid"/>
+                      <a:round/>
+                      <a:headEnd type="none" w="med" len="med"/>
+                      <a:tailEnd type="none" w="med" len="med"/>
+                    </a:lnL>
+                    <a:lnR w="6350" cap="flat" cmpd="sng" algn="ctr">
+                      <a:solidFill>
+                        <a:srgbClr val="000000"/>
+                      </a:solidFill>
+                      <a:prstDash val="solid"/>
+                      <a:round/>
+                      <a:headEnd type="none" w="med" len="med"/>
+                      <a:tailEnd type="none" w="med" len="med"/>
+                    </a:lnR>
+                    <a:lnT w="6350" cap="flat" cmpd="sng" algn="ctr">
+                      <a:solidFill>
+                        <a:srgbClr val="000000"/>
+                      </a:solidFill>
+                      <a:prstDash val="solid"/>
+                      <a:round/>
+                      <a:headEnd type="none" w="med" len="med"/>
+                      <a:tailEnd type="none" w="med" len="med"/>
+                    </a:lnT>
+                    <a:lnB w="6350" cap="flat" cmpd="sng" algn="ctr">
+                      <a:solidFill>
+                        <a:srgbClr val="000000"/>
+                      </a:solidFill>
+                      <a:prstDash val="solid"/>
+                      <a:round/>
+                      <a:headEnd type="none" w="med" len="med"/>
+                      <a:tailEnd type="none" w="med" len="med"/>
+                    </a:lnB>
+                    <a:solidFill>
+                      <a:schemeClr val="tx1"/>
+                    </a:solidFill>
+                  </a:tcPr>
+                </a:tc>
+                <a:tc>
+                  <a:txBody>
+                    <a:bodyPr/>
+                    <a:lstStyle/>
+                    <a:p>
+                      <a:pPr algn="l" fontAlgn="b"/>
+                      <a:r>
+                        <a:rPr lang="en-US" sz="1200" b="0" i="0" u="none" strike="noStrike" dirty="0">
+                          <a:solidFill>
+                            <a:srgbClr val="000000"/>
+                          </a:solidFill>
+                          <a:effectLst/>
+                          <a:latin typeface="+mn-lt"/>
+                        </a:rPr>
+                        <a:t>Accounts for hardly any of the data: Correlation: None, or very Weak</a:t>
+                      </a:r>
+                    </a:p>
+                  </a:txBody>
+                  <a:tcPr marL="6720" marR="6720" marT="6720" marB="0" anchor="b">
+                    <a:lnL w="6350" cap="flat" cmpd="sng" algn="ctr">
+                      <a:solidFill>
+                        <a:srgbClr val="000000"/>
+                      </a:solidFill>
+                      <a:prstDash val="solid"/>
+                      <a:round/>
+                      <a:headEnd type="none" w="med" len="med"/>
+                      <a:tailEnd type="none" w="med" len="med"/>
+                    </a:lnL>
+                    <a:lnR w="6350" cap="flat" cmpd="sng" algn="ctr">
+                      <a:solidFill>
+                        <a:srgbClr val="000000"/>
+                      </a:solidFill>
+                      <a:prstDash val="solid"/>
+                      <a:round/>
+                      <a:headEnd type="none" w="med" len="med"/>
+                      <a:tailEnd type="none" w="med" len="med"/>
+                    </a:lnR>
+                    <a:lnT w="6350" cap="flat" cmpd="sng" algn="ctr">
+                      <a:solidFill>
+                        <a:srgbClr val="000000"/>
+                      </a:solidFill>
+                      <a:prstDash val="solid"/>
+                      <a:round/>
+                      <a:headEnd type="none" w="med" len="med"/>
+                      <a:tailEnd type="none" w="med" len="med"/>
+                    </a:lnT>
+                    <a:lnB w="6350" cap="flat" cmpd="sng" algn="ctr">
+                      <a:solidFill>
+                        <a:srgbClr val="000000"/>
+                      </a:solidFill>
+                      <a:prstDash val="solid"/>
+                      <a:round/>
+                      <a:headEnd type="none" w="med" len="med"/>
+                      <a:tailEnd type="none" w="med" len="med"/>
+                    </a:lnB>
+                    <a:solidFill>
+                      <a:schemeClr val="tx1"/>
+                    </a:solidFill>
+                  </a:tcPr>
+                </a:tc>
+                <a:extLst>
+                  <a:ext uri="{0D108BD9-81ED-4DB2-BD59-A6C34878D82A}">
+                    <a16:rowId xmlns:a16="http://schemas.microsoft.com/office/drawing/2014/main" val="762237614"/>
+                  </a:ext>
+                </a:extLst>
+              </a:tr>
+              <a:tr h="579330">
+                <a:tc>
+                  <a:txBody>
+                    <a:bodyPr/>
+                    <a:lstStyle/>
+                    <a:p>
+                      <a:pPr algn="l" fontAlgn="b"/>
+                      <a:r>
+                        <a:rPr lang="en-US" sz="1300" b="0" i="0" u="none" strike="noStrike">
+                          <a:solidFill>
+                            <a:srgbClr val="000000"/>
+                          </a:solidFill>
+                          <a:effectLst/>
+                          <a:latin typeface="+mn-lt"/>
+                        </a:rPr>
+                        <a:t>Auto Sales v New Vehicle Price Index</a:t>
+                      </a:r>
+                    </a:p>
+                  </a:txBody>
+                  <a:tcPr marL="6720" marR="6720" marT="6720" marB="0" anchor="b">
+                    <a:lnL w="6350" cap="flat" cmpd="sng" algn="ctr">
+                      <a:solidFill>
+                        <a:srgbClr val="000000"/>
+                      </a:solidFill>
+                      <a:prstDash val="solid"/>
+                      <a:round/>
+                      <a:headEnd type="none" w="med" len="med"/>
+                      <a:tailEnd type="none" w="med" len="med"/>
+                    </a:lnL>
+                    <a:lnR w="6350" cap="flat" cmpd="sng" algn="ctr">
+                      <a:solidFill>
+                        <a:srgbClr val="000000"/>
+                      </a:solidFill>
+                      <a:prstDash val="solid"/>
+                      <a:round/>
+                      <a:headEnd type="none" w="med" len="med"/>
+                      <a:tailEnd type="none" w="med" len="med"/>
+                    </a:lnR>
+                    <a:lnT w="6350" cap="flat" cmpd="sng" algn="ctr">
+                      <a:solidFill>
+                        <a:srgbClr val="000000"/>
+                      </a:solidFill>
+                      <a:prstDash val="solid"/>
+                      <a:round/>
+                      <a:headEnd type="none" w="med" len="med"/>
+                      <a:tailEnd type="none" w="med" len="med"/>
+                    </a:lnT>
+                    <a:lnB w="6350" cap="flat" cmpd="sng" algn="ctr">
+                      <a:solidFill>
+                        <a:srgbClr val="000000"/>
+                      </a:solidFill>
+                      <a:prstDash val="solid"/>
+                      <a:round/>
+                      <a:headEnd type="none" w="med" len="med"/>
+                      <a:tailEnd type="none" w="med" len="med"/>
+                    </a:lnB>
+                    <a:solidFill>
+                      <a:schemeClr val="tx1"/>
+                    </a:solidFill>
+                  </a:tcPr>
+                </a:tc>
+                <a:tc>
+                  <a:txBody>
+                    <a:bodyPr/>
+                    <a:lstStyle/>
+                    <a:p>
+                      <a:pPr algn="ctr" fontAlgn="b"/>
+                      <a:r>
+                        <a:rPr lang="en-US" sz="1350" b="0" i="0" u="none" strike="noStrike">
+                          <a:solidFill>
+                            <a:srgbClr val="000000"/>
+                          </a:solidFill>
+                          <a:effectLst/>
+                          <a:latin typeface="+mn-lt"/>
+                        </a:rPr>
+                        <a:t>0.204739</a:t>
+                      </a:r>
+                    </a:p>
+                  </a:txBody>
+                  <a:tcPr marL="6720" marR="6720" marT="6720" marB="0" anchor="b">
+                    <a:lnL w="6350" cap="flat" cmpd="sng" algn="ctr">
+                      <a:solidFill>
+                        <a:srgbClr val="000000"/>
+                      </a:solidFill>
+                      <a:prstDash val="solid"/>
+                      <a:round/>
+                      <a:headEnd type="none" w="med" len="med"/>
+                      <a:tailEnd type="none" w="med" len="med"/>
+                    </a:lnL>
+                    <a:lnR w="6350" cap="flat" cmpd="sng" algn="ctr">
+                      <a:solidFill>
+                        <a:srgbClr val="000000"/>
+                      </a:solidFill>
+                      <a:prstDash val="solid"/>
+                      <a:round/>
+                      <a:headEnd type="none" w="med" len="med"/>
+                      <a:tailEnd type="none" w="med" len="med"/>
+                    </a:lnR>
+                    <a:lnT w="6350" cap="flat" cmpd="sng" algn="ctr">
+                      <a:solidFill>
+                        <a:srgbClr val="000000"/>
+                      </a:solidFill>
+                      <a:prstDash val="solid"/>
+                      <a:round/>
+                      <a:headEnd type="none" w="med" len="med"/>
+                      <a:tailEnd type="none" w="med" len="med"/>
+                    </a:lnT>
+                    <a:lnB w="6350" cap="flat" cmpd="sng" algn="ctr">
+                      <a:solidFill>
+                        <a:srgbClr val="000000"/>
+                      </a:solidFill>
+                      <a:prstDash val="solid"/>
+                      <a:round/>
+                      <a:headEnd type="none" w="med" len="med"/>
+                      <a:tailEnd type="none" w="med" len="med"/>
+                    </a:lnB>
+                    <a:solidFill>
+                      <a:schemeClr val="tx1"/>
+                    </a:solidFill>
+                  </a:tcPr>
+                </a:tc>
+                <a:tc>
+                  <a:txBody>
+                    <a:bodyPr/>
+                    <a:lstStyle/>
+                    <a:p>
+                      <a:pPr algn="ctr" fontAlgn="b"/>
+                      <a:r>
+                        <a:rPr lang="en-US" sz="1350" b="0" i="0" u="none" strike="noStrike" dirty="0">
+                          <a:solidFill>
+                            <a:srgbClr val="000000"/>
+                          </a:solidFill>
+                          <a:effectLst/>
+                          <a:latin typeface="+mn-lt"/>
+                        </a:rPr>
+                        <a:t>0.45</a:t>
+                      </a:r>
+                    </a:p>
+                  </a:txBody>
+                  <a:tcPr marL="6720" marR="6720" marT="6720" marB="0" anchor="b">
+                    <a:lnL w="6350" cap="flat" cmpd="sng" algn="ctr">
+                      <a:solidFill>
+                        <a:srgbClr val="000000"/>
+                      </a:solidFill>
+                      <a:prstDash val="solid"/>
+                      <a:round/>
+                      <a:headEnd type="none" w="med" len="med"/>
+                      <a:tailEnd type="none" w="med" len="med"/>
+                    </a:lnL>
+                    <a:lnR w="6350" cap="flat" cmpd="sng" algn="ctr">
+                      <a:solidFill>
+                        <a:srgbClr val="000000"/>
+                      </a:solidFill>
+                      <a:prstDash val="solid"/>
+                      <a:round/>
+                      <a:headEnd type="none" w="med" len="med"/>
+                      <a:tailEnd type="none" w="med" len="med"/>
+                    </a:lnR>
+                    <a:lnT w="6350" cap="flat" cmpd="sng" algn="ctr">
+                      <a:solidFill>
+                        <a:srgbClr val="000000"/>
+                      </a:solidFill>
+                      <a:prstDash val="solid"/>
+                      <a:round/>
+                      <a:headEnd type="none" w="med" len="med"/>
+                      <a:tailEnd type="none" w="med" len="med"/>
+                    </a:lnT>
+                    <a:lnB w="6350" cap="flat" cmpd="sng" algn="ctr">
+                      <a:solidFill>
+                        <a:srgbClr val="000000"/>
+                      </a:solidFill>
+                      <a:prstDash val="solid"/>
+                      <a:round/>
+                      <a:headEnd type="none" w="med" len="med"/>
+                      <a:tailEnd type="none" w="med" len="med"/>
+                    </a:lnB>
+                    <a:solidFill>
+                      <a:schemeClr val="tx1"/>
+                    </a:solidFill>
+                  </a:tcPr>
+                </a:tc>
+                <a:tc>
+                  <a:txBody>
+                    <a:bodyPr/>
+                    <a:lstStyle/>
+                    <a:p>
+                      <a:pPr algn="ctr" fontAlgn="b"/>
+                      <a:r>
+                        <a:rPr lang="en-US" sz="1350" b="0" i="0" u="none" strike="noStrike" dirty="0">
+                          <a:solidFill>
+                            <a:srgbClr val="000000"/>
+                          </a:solidFill>
+                          <a:effectLst/>
+                          <a:latin typeface="+mn-lt"/>
+                        </a:rPr>
+                        <a:t>2.19503E-11</a:t>
+                      </a:r>
+                    </a:p>
+                  </a:txBody>
+                  <a:tcPr marL="6720" marR="6720" marT="6720" marB="0" anchor="b">
+                    <a:lnL w="6350" cap="flat" cmpd="sng" algn="ctr">
+                      <a:solidFill>
+                        <a:srgbClr val="000000"/>
+                      </a:solidFill>
+                      <a:prstDash val="solid"/>
+                      <a:round/>
+                      <a:headEnd type="none" w="med" len="med"/>
+                      <a:tailEnd type="none" w="med" len="med"/>
+                    </a:lnL>
+                    <a:lnR w="6350" cap="flat" cmpd="sng" algn="ctr">
+                      <a:solidFill>
+                        <a:srgbClr val="000000"/>
+                      </a:solidFill>
+                      <a:prstDash val="solid"/>
+                      <a:round/>
+                      <a:headEnd type="none" w="med" len="med"/>
+                      <a:tailEnd type="none" w="med" len="med"/>
+                    </a:lnR>
+                    <a:lnT w="6350" cap="flat" cmpd="sng" algn="ctr">
+                      <a:solidFill>
+                        <a:srgbClr val="000000"/>
+                      </a:solidFill>
+                      <a:prstDash val="solid"/>
+                      <a:round/>
+                      <a:headEnd type="none" w="med" len="med"/>
+                      <a:tailEnd type="none" w="med" len="med"/>
+                    </a:lnT>
+                    <a:lnB w="6350" cap="flat" cmpd="sng" algn="ctr">
+                      <a:solidFill>
+                        <a:srgbClr val="000000"/>
+                      </a:solidFill>
+                      <a:prstDash val="solid"/>
+                      <a:round/>
+                      <a:headEnd type="none" w="med" len="med"/>
+                      <a:tailEnd type="none" w="med" len="med"/>
+                    </a:lnB>
+                    <a:solidFill>
+                      <a:schemeClr val="tx1"/>
+                    </a:solidFill>
+                  </a:tcPr>
+                </a:tc>
+                <a:tc>
+                  <a:txBody>
+                    <a:bodyPr/>
+                    <a:lstStyle/>
+                    <a:p>
+                      <a:pPr algn="l" fontAlgn="b"/>
+                      <a:r>
+                        <a:rPr lang="en-US" sz="1200" b="0" i="0" u="none" strike="noStrike" dirty="0">
+                          <a:solidFill>
+                            <a:srgbClr val="000000"/>
+                          </a:solidFill>
+                          <a:effectLst/>
+                          <a:latin typeface="+mn-lt"/>
+                        </a:rPr>
+                        <a:t>Accounts for roughly 20% of the data: Correlation: Weak</a:t>
+                      </a:r>
+                    </a:p>
+                  </a:txBody>
+                  <a:tcPr marL="6720" marR="6720" marT="6720" marB="0" anchor="b">
+                    <a:lnL w="6350" cap="flat" cmpd="sng" algn="ctr">
+                      <a:solidFill>
+                        <a:srgbClr val="000000"/>
+                      </a:solidFill>
+                      <a:prstDash val="solid"/>
+                      <a:round/>
+                      <a:headEnd type="none" w="med" len="med"/>
+                      <a:tailEnd type="none" w="med" len="med"/>
+                    </a:lnL>
+                    <a:lnR w="6350" cap="flat" cmpd="sng" algn="ctr">
+                      <a:solidFill>
+                        <a:srgbClr val="000000"/>
+                      </a:solidFill>
+                      <a:prstDash val="solid"/>
+                      <a:round/>
+                      <a:headEnd type="none" w="med" len="med"/>
+                      <a:tailEnd type="none" w="med" len="med"/>
+                    </a:lnR>
+                    <a:lnT w="6350" cap="flat" cmpd="sng" algn="ctr">
+                      <a:solidFill>
+                        <a:srgbClr val="000000"/>
+                      </a:solidFill>
+                      <a:prstDash val="solid"/>
+                      <a:round/>
+                      <a:headEnd type="none" w="med" len="med"/>
+                      <a:tailEnd type="none" w="med" len="med"/>
+                    </a:lnT>
+                    <a:lnB w="6350" cap="flat" cmpd="sng" algn="ctr">
+                      <a:solidFill>
+                        <a:srgbClr val="000000"/>
+                      </a:solidFill>
+                      <a:prstDash val="solid"/>
+                      <a:round/>
+                      <a:headEnd type="none" w="med" len="med"/>
+                      <a:tailEnd type="none" w="med" len="med"/>
+                    </a:lnB>
+                    <a:solidFill>
+                      <a:schemeClr val="tx1"/>
+                    </a:solidFill>
+                  </a:tcPr>
+                </a:tc>
+                <a:extLst>
+                  <a:ext uri="{0D108BD9-81ED-4DB2-BD59-A6C34878D82A}">
+                    <a16:rowId xmlns:a16="http://schemas.microsoft.com/office/drawing/2014/main" val="1461808691"/>
+                  </a:ext>
+                </a:extLst>
+              </a:tr>
+              <a:tr h="579330">
+                <a:tc>
+                  <a:txBody>
+                    <a:bodyPr/>
+                    <a:lstStyle/>
+                    <a:p>
+                      <a:pPr algn="l" fontAlgn="b"/>
+                      <a:r>
+                        <a:rPr lang="en-US" sz="1300" b="0" i="0" u="none" strike="noStrike" dirty="0">
+                          <a:solidFill>
+                            <a:srgbClr val="000000"/>
+                          </a:solidFill>
+                          <a:effectLst/>
+                          <a:latin typeface="+mn-lt"/>
+                        </a:rPr>
+                        <a:t>Auto Sales v Used Vehicle Price Index</a:t>
+                      </a:r>
+                    </a:p>
+                  </a:txBody>
+                  <a:tcPr marL="6720" marR="6720" marT="6720" marB="0" anchor="b">
+                    <a:lnL w="6350" cap="flat" cmpd="sng" algn="ctr">
+                      <a:solidFill>
+                        <a:srgbClr val="000000"/>
+                      </a:solidFill>
+                      <a:prstDash val="solid"/>
+                      <a:round/>
+                      <a:headEnd type="none" w="med" len="med"/>
+                      <a:tailEnd type="none" w="med" len="med"/>
+                    </a:lnL>
+                    <a:lnR w="6350" cap="flat" cmpd="sng" algn="ctr">
+                      <a:solidFill>
+                        <a:srgbClr val="000000"/>
+                      </a:solidFill>
+                      <a:prstDash val="solid"/>
+                      <a:round/>
+                      <a:headEnd type="none" w="med" len="med"/>
+                      <a:tailEnd type="none" w="med" len="med"/>
+                    </a:lnR>
+                    <a:lnT w="6350" cap="flat" cmpd="sng" algn="ctr">
+                      <a:solidFill>
+                        <a:srgbClr val="000000"/>
+                      </a:solidFill>
+                      <a:prstDash val="solid"/>
+                      <a:round/>
+                      <a:headEnd type="none" w="med" len="med"/>
+                      <a:tailEnd type="none" w="med" len="med"/>
+                    </a:lnT>
+                    <a:lnB w="6350" cap="flat" cmpd="sng" algn="ctr">
+                      <a:solidFill>
+                        <a:srgbClr val="000000"/>
+                      </a:solidFill>
+                      <a:prstDash val="solid"/>
+                      <a:round/>
+                      <a:headEnd type="none" w="med" len="med"/>
+                      <a:tailEnd type="none" w="med" len="med"/>
+                    </a:lnB>
+                    <a:solidFill>
+                      <a:schemeClr val="tx1"/>
+                    </a:solidFill>
+                  </a:tcPr>
+                </a:tc>
+                <a:tc>
+                  <a:txBody>
+                    <a:bodyPr/>
+                    <a:lstStyle/>
+                    <a:p>
+                      <a:pPr algn="ctr" fontAlgn="b"/>
+                      <a:r>
+                        <a:rPr lang="en-US" sz="1350" b="0" i="0" u="none" strike="noStrike" dirty="0">
+                          <a:solidFill>
+                            <a:srgbClr val="000000"/>
+                          </a:solidFill>
+                          <a:effectLst/>
+                          <a:latin typeface="+mn-lt"/>
+                        </a:rPr>
+                        <a:t>0.055362</a:t>
+                      </a:r>
+                    </a:p>
+                  </a:txBody>
+                  <a:tcPr marL="6720" marR="6720" marT="6720" marB="0" anchor="b">
+                    <a:lnL w="6350" cap="flat" cmpd="sng" algn="ctr">
+                      <a:solidFill>
+                        <a:srgbClr val="000000"/>
+                      </a:solidFill>
+                      <a:prstDash val="solid"/>
+                      <a:round/>
+                      <a:headEnd type="none" w="med" len="med"/>
+                      <a:tailEnd type="none" w="med" len="med"/>
+                    </a:lnL>
+                    <a:lnR w="6350" cap="flat" cmpd="sng" algn="ctr">
+                      <a:solidFill>
+                        <a:srgbClr val="000000"/>
+                      </a:solidFill>
+                      <a:prstDash val="solid"/>
+                      <a:round/>
+                      <a:headEnd type="none" w="med" len="med"/>
+                      <a:tailEnd type="none" w="med" len="med"/>
+                    </a:lnR>
+                    <a:lnT w="6350" cap="flat" cmpd="sng" algn="ctr">
+                      <a:solidFill>
+                        <a:srgbClr val="000000"/>
+                      </a:solidFill>
+                      <a:prstDash val="solid"/>
+                      <a:round/>
+                      <a:headEnd type="none" w="med" len="med"/>
+                      <a:tailEnd type="none" w="med" len="med"/>
+                    </a:lnT>
+                    <a:lnB w="6350" cap="flat" cmpd="sng" algn="ctr">
+                      <a:solidFill>
+                        <a:srgbClr val="000000"/>
+                      </a:solidFill>
+                      <a:prstDash val="solid"/>
+                      <a:round/>
+                      <a:headEnd type="none" w="med" len="med"/>
+                      <a:tailEnd type="none" w="med" len="med"/>
+                    </a:lnB>
+                    <a:solidFill>
+                      <a:schemeClr val="tx1"/>
+                    </a:solidFill>
+                  </a:tcPr>
+                </a:tc>
+                <a:tc>
+                  <a:txBody>
+                    <a:bodyPr/>
+                    <a:lstStyle/>
+                    <a:p>
+                      <a:pPr algn="ctr" fontAlgn="b"/>
+                      <a:r>
+                        <a:rPr lang="en-US" sz="1350" b="0" i="0" u="none" strike="noStrike" dirty="0">
+                          <a:solidFill>
+                            <a:srgbClr val="000000"/>
+                          </a:solidFill>
+                          <a:effectLst/>
+                          <a:latin typeface="+mn-lt"/>
+                        </a:rPr>
+                        <a:t>0.24</a:t>
+                      </a:r>
+                    </a:p>
+                  </a:txBody>
+                  <a:tcPr marL="6720" marR="6720" marT="6720" marB="0" anchor="b">
+                    <a:lnL w="6350" cap="flat" cmpd="sng" algn="ctr">
+                      <a:solidFill>
+                        <a:srgbClr val="000000"/>
+                      </a:solidFill>
+                      <a:prstDash val="solid"/>
+                      <a:round/>
+                      <a:headEnd type="none" w="med" len="med"/>
+                      <a:tailEnd type="none" w="med" len="med"/>
+                    </a:lnL>
+                    <a:lnR w="6350" cap="flat" cmpd="sng" algn="ctr">
+                      <a:solidFill>
+                        <a:srgbClr val="000000"/>
+                      </a:solidFill>
+                      <a:prstDash val="solid"/>
+                      <a:round/>
+                      <a:headEnd type="none" w="med" len="med"/>
+                      <a:tailEnd type="none" w="med" len="med"/>
+                    </a:lnR>
+                    <a:lnT w="6350" cap="flat" cmpd="sng" algn="ctr">
+                      <a:solidFill>
+                        <a:srgbClr val="000000"/>
+                      </a:solidFill>
+                      <a:prstDash val="solid"/>
+                      <a:round/>
+                      <a:headEnd type="none" w="med" len="med"/>
+                      <a:tailEnd type="none" w="med" len="med"/>
+                    </a:lnT>
+                    <a:lnB w="6350" cap="flat" cmpd="sng" algn="ctr">
+                      <a:solidFill>
+                        <a:srgbClr val="000000"/>
+                      </a:solidFill>
+                      <a:prstDash val="solid"/>
+                      <a:round/>
+                      <a:headEnd type="none" w="med" len="med"/>
+                      <a:tailEnd type="none" w="med" len="med"/>
+                    </a:lnB>
+                    <a:solidFill>
+                      <a:schemeClr val="tx1"/>
+                    </a:solidFill>
+                  </a:tcPr>
+                </a:tc>
+                <a:tc>
+                  <a:txBody>
+                    <a:bodyPr/>
+                    <a:lstStyle/>
+                    <a:p>
+                      <a:pPr algn="ctr" fontAlgn="b"/>
+                      <a:r>
+                        <a:rPr lang="en-US" sz="1350" b="0" i="0" u="none" strike="noStrike" dirty="0">
+                          <a:solidFill>
+                            <a:srgbClr val="000000"/>
+                          </a:solidFill>
+                          <a:effectLst/>
+                          <a:latin typeface="+mn-lt"/>
+                        </a:rPr>
+                        <a:t>0.00084731</a:t>
+                      </a:r>
+                    </a:p>
+                  </a:txBody>
+                  <a:tcPr marL="6720" marR="6720" marT="6720" marB="0" anchor="b">
+                    <a:lnL w="6350" cap="flat" cmpd="sng" algn="ctr">
+                      <a:solidFill>
+                        <a:srgbClr val="000000"/>
+                      </a:solidFill>
+                      <a:prstDash val="solid"/>
+                      <a:round/>
+                      <a:headEnd type="none" w="med" len="med"/>
+                      <a:tailEnd type="none" w="med" len="med"/>
+                    </a:lnL>
+                    <a:lnR w="6350" cap="flat" cmpd="sng" algn="ctr">
+                      <a:solidFill>
+                        <a:srgbClr val="000000"/>
+                      </a:solidFill>
+                      <a:prstDash val="solid"/>
+                      <a:round/>
+                      <a:headEnd type="none" w="med" len="med"/>
+                      <a:tailEnd type="none" w="med" len="med"/>
+                    </a:lnR>
+                    <a:lnT w="6350" cap="flat" cmpd="sng" algn="ctr">
+                      <a:solidFill>
+                        <a:srgbClr val="000000"/>
+                      </a:solidFill>
+                      <a:prstDash val="solid"/>
+                      <a:round/>
+                      <a:headEnd type="none" w="med" len="med"/>
+                      <a:tailEnd type="none" w="med" len="med"/>
+                    </a:lnT>
+                    <a:lnB w="6350" cap="flat" cmpd="sng" algn="ctr">
+                      <a:solidFill>
+                        <a:srgbClr val="000000"/>
+                      </a:solidFill>
+                      <a:prstDash val="solid"/>
+                      <a:round/>
+                      <a:headEnd type="none" w="med" len="med"/>
+                      <a:tailEnd type="none" w="med" len="med"/>
+                    </a:lnB>
+                    <a:solidFill>
+                      <a:schemeClr val="tx1"/>
+                    </a:solidFill>
+                  </a:tcPr>
+                </a:tc>
+                <a:tc>
+                  <a:txBody>
+                    <a:bodyPr/>
+                    <a:lstStyle/>
+                    <a:p>
+                      <a:pPr algn="l" fontAlgn="b"/>
+                      <a:r>
+                        <a:rPr lang="en-US" sz="1200" b="0" i="0" u="none" strike="noStrike" dirty="0">
+                          <a:solidFill>
+                            <a:srgbClr val="000000"/>
+                          </a:solidFill>
+                          <a:effectLst/>
+                          <a:latin typeface="+mn-lt"/>
+                        </a:rPr>
+                        <a:t>Accounts for less than 5% of the data-Correlation: Weak</a:t>
+                      </a:r>
+                    </a:p>
+                  </a:txBody>
+                  <a:tcPr marL="6720" marR="6720" marT="6720" marB="0" anchor="b">
+                    <a:lnL w="6350" cap="flat" cmpd="sng" algn="ctr">
+                      <a:solidFill>
+                        <a:srgbClr val="000000"/>
+                      </a:solidFill>
+                      <a:prstDash val="solid"/>
+                      <a:round/>
+                      <a:headEnd type="none" w="med" len="med"/>
+                      <a:tailEnd type="none" w="med" len="med"/>
+                    </a:lnL>
+                    <a:lnR w="6350" cap="flat" cmpd="sng" algn="ctr">
+                      <a:solidFill>
+                        <a:srgbClr val="000000"/>
+                      </a:solidFill>
+                      <a:prstDash val="solid"/>
+                      <a:round/>
+                      <a:headEnd type="none" w="med" len="med"/>
+                      <a:tailEnd type="none" w="med" len="med"/>
+                    </a:lnR>
+                    <a:lnT w="6350" cap="flat" cmpd="sng" algn="ctr">
+                      <a:solidFill>
+                        <a:srgbClr val="000000"/>
+                      </a:solidFill>
+                      <a:prstDash val="solid"/>
+                      <a:round/>
+                      <a:headEnd type="none" w="med" len="med"/>
+                      <a:tailEnd type="none" w="med" len="med"/>
+                    </a:lnT>
+                    <a:lnB w="6350" cap="flat" cmpd="sng" algn="ctr">
+                      <a:solidFill>
+                        <a:srgbClr val="000000"/>
+                      </a:solidFill>
+                      <a:prstDash val="solid"/>
+                      <a:round/>
+                      <a:headEnd type="none" w="med" len="med"/>
+                      <a:tailEnd type="none" w="med" len="med"/>
+                    </a:lnB>
+                    <a:solidFill>
+                      <a:schemeClr val="tx1"/>
+                    </a:solidFill>
+                  </a:tcPr>
+                </a:tc>
+                <a:extLst>
+                  <a:ext uri="{0D108BD9-81ED-4DB2-BD59-A6C34878D82A}">
+                    <a16:rowId xmlns:a16="http://schemas.microsoft.com/office/drawing/2014/main" val="1286734584"/>
+                  </a:ext>
+                </a:extLst>
+              </a:tr>
+            </a:tbl>
+          </a:graphicData>
+        </a:graphic>
+      </p:graphicFrame>
     </p:spTree>
     <p:extLst>
       <p:ext uri="{BB962C8B-B14F-4D97-AF65-F5344CB8AC3E}">
@@ -11389,6 +11762,138 @@
   <p:clrMapOvr>
     <a:masterClrMapping/>
   </p:clrMapOvr>
+  <p:timing>
+    <p:tnLst>
+      <p:par>
+        <p:cTn id="1" dur="indefinite" restart="never" nodeType="tmRoot">
+          <p:childTnLst>
+            <p:seq concurrent="1" nextAc="seek">
+              <p:cTn id="2" dur="indefinite" nodeType="mainSeq">
+                <p:childTnLst>
+                  <p:par>
+                    <p:cTn id="3" fill="hold">
+                      <p:stCondLst>
+                        <p:cond delay="indefinite"/>
+                        <p:cond evt="onBegin" delay="0">
+                          <p:tn val="2"/>
+                        </p:cond>
+                      </p:stCondLst>
+                      <p:childTnLst>
+                        <p:par>
+                          <p:cTn id="4" fill="hold">
+                            <p:stCondLst>
+                              <p:cond delay="0"/>
+                            </p:stCondLst>
+                            <p:childTnLst>
+                              <p:par>
+                                <p:cTn id="5" presetID="53" presetClass="entr" presetSubtype="16" fill="hold" nodeType="withEffect">
+                                  <p:stCondLst>
+                                    <p:cond delay="0"/>
+                                  </p:stCondLst>
+                                  <p:childTnLst>
+                                    <p:set>
+                                      <p:cBhvr>
+                                        <p:cTn id="6" dur="1" fill="hold">
+                                          <p:stCondLst>
+                                            <p:cond delay="0"/>
+                                          </p:stCondLst>
+                                        </p:cTn>
+                                        <p:tgtEl>
+                                          <p:spTgt spid="7"/>
+                                        </p:tgtEl>
+                                        <p:attrNameLst>
+                                          <p:attrName>style.visibility</p:attrName>
+                                        </p:attrNameLst>
+                                      </p:cBhvr>
+                                      <p:to>
+                                        <p:strVal val="visible"/>
+                                      </p:to>
+                                    </p:set>
+                                    <p:anim calcmode="lin" valueType="num">
+                                      <p:cBhvr>
+                                        <p:cTn id="7" dur="500" fill="hold"/>
+                                        <p:tgtEl>
+                                          <p:spTgt spid="7"/>
+                                        </p:tgtEl>
+                                        <p:attrNameLst>
+                                          <p:attrName>ppt_w</p:attrName>
+                                        </p:attrNameLst>
+                                      </p:cBhvr>
+                                      <p:tavLst>
+                                        <p:tav tm="0">
+                                          <p:val>
+                                            <p:fltVal val="0"/>
+                                          </p:val>
+                                        </p:tav>
+                                        <p:tav tm="100000">
+                                          <p:val>
+                                            <p:strVal val="#ppt_w"/>
+                                          </p:val>
+                                        </p:tav>
+                                      </p:tavLst>
+                                    </p:anim>
+                                    <p:anim calcmode="lin" valueType="num">
+                                      <p:cBhvr>
+                                        <p:cTn id="8" dur="500" fill="hold"/>
+                                        <p:tgtEl>
+                                          <p:spTgt spid="7"/>
+                                        </p:tgtEl>
+                                        <p:attrNameLst>
+                                          <p:attrName>ppt_h</p:attrName>
+                                        </p:attrNameLst>
+                                      </p:cBhvr>
+                                      <p:tavLst>
+                                        <p:tav tm="0">
+                                          <p:val>
+                                            <p:fltVal val="0"/>
+                                          </p:val>
+                                        </p:tav>
+                                        <p:tav tm="100000">
+                                          <p:val>
+                                            <p:strVal val="#ppt_h"/>
+                                          </p:val>
+                                        </p:tav>
+                                      </p:tavLst>
+                                    </p:anim>
+                                    <p:animEffect transition="in" filter="fade">
+                                      <p:cBhvr>
+                                        <p:cTn id="9" dur="500"/>
+                                        <p:tgtEl>
+                                          <p:spTgt spid="7"/>
+                                        </p:tgtEl>
+                                      </p:cBhvr>
+                                    </p:animEffect>
+                                  </p:childTnLst>
+                                </p:cTn>
+                              </p:par>
+                            </p:childTnLst>
+                          </p:cTn>
+                        </p:par>
+                      </p:childTnLst>
+                    </p:cTn>
+                  </p:par>
+                </p:childTnLst>
+              </p:cTn>
+              <p:prevCondLst>
+                <p:cond evt="onPrev" delay="0">
+                  <p:tgtEl>
+                    <p:sldTgt/>
+                  </p:tgtEl>
+                </p:cond>
+              </p:prevCondLst>
+              <p:nextCondLst>
+                <p:cond evt="onNext" delay="0">
+                  <p:tgtEl>
+                    <p:sldTgt/>
+                  </p:tgtEl>
+                </p:cond>
+              </p:nextCondLst>
+            </p:seq>
+          </p:childTnLst>
+        </p:cTn>
+      </p:par>
+    </p:tnLst>
+  </p:timing>
 </p:sld>
 </file>
 
@@ -12873,7 +13378,7 @@
           <a:effectLst/>
           <a:extLst>
             <a:ext uri="{91240B29-F687-4f45-9708-019B960494DF}">
-              <a14:hiddenLine xmlns="" xmlns:a14="http://schemas.microsoft.com/office/drawing/2010/main" xmlns:p14="http://schemas.microsoft.com/office/powerpoint/2010/main" xmlns:a16="http://schemas.microsoft.com/office/drawing/2014/main" w="9525">
+              <a14:hiddenLine xmlns:a16="http://schemas.microsoft.com/office/drawing/2014/main" xmlns:p14="http://schemas.microsoft.com/office/powerpoint/2010/main" xmlns:a14="http://schemas.microsoft.com/office/drawing/2010/main" xmlns="" w="9525">
                 <a:solidFill>
                   <a:srgbClr val="000000"/>
                 </a:solidFill>

--- a/Presentation/Auto_sales_Michelle.pptx
+++ b/Presentation/Auto_sales_Michelle.pptx
@@ -2779,7 +2779,7 @@
           <a:effectLst/>
           <a:extLst>
             <a:ext uri="{91240B29-F687-4f45-9708-019B960494DF}">
-              <a14:hiddenLine xmlns:a14="http://schemas.microsoft.com/office/drawing/2010/main" xmlns="" w="9525">
+              <a14:hiddenLine xmlns="" xmlns:a14="http://schemas.microsoft.com/office/drawing/2010/main" w="9525">
                 <a:solidFill>
                   <a:srgbClr val="000000"/>
                 </a:solidFill>
@@ -4289,7 +4289,7 @@
           <a:ln/>
           <a:extLst>
             <a:ext uri="{91240B29-F687-4f45-9708-019B960494DF}">
-              <a14:hiddenLine xmlns:a14="http://schemas.microsoft.com/office/drawing/2010/main" xmlns="" w="9525">
+              <a14:hiddenLine xmlns="" xmlns:a14="http://schemas.microsoft.com/office/drawing/2010/main" w="9525">
                 <a:solidFill>
                   <a:srgbClr val="000000"/>
                 </a:solidFill>
@@ -4561,7 +4561,7 @@
           <a:ln/>
           <a:extLst>
             <a:ext uri="{91240B29-F687-4f45-9708-019B960494DF}">
-              <a14:hiddenLine xmlns:a14="http://schemas.microsoft.com/office/drawing/2010/main" xmlns="" w="9525">
+              <a14:hiddenLine xmlns="" xmlns:a14="http://schemas.microsoft.com/office/drawing/2010/main" w="9525">
                 <a:solidFill>
                   <a:srgbClr val="000000"/>
                 </a:solidFill>
@@ -4841,7 +4841,7 @@
           <a:ln/>
           <a:extLst>
             <a:ext uri="{91240B29-F687-4f45-9708-019B960494DF}">
-              <a14:hiddenLine xmlns:a14="http://schemas.microsoft.com/office/drawing/2010/main" xmlns="" w="9525">
+              <a14:hiddenLine xmlns="" xmlns:a14="http://schemas.microsoft.com/office/drawing/2010/main" w="9525">
                 <a:solidFill>
                   <a:srgbClr val="000000"/>
                 </a:solidFill>
@@ -5461,7 +5461,7 @@
           <a:ln/>
           <a:extLst>
             <a:ext uri="{91240B29-F687-4f45-9708-019B960494DF}">
-              <a14:hiddenLine xmlns:a14="http://schemas.microsoft.com/office/drawing/2010/main" xmlns="" w="9525">
+              <a14:hiddenLine xmlns="" xmlns:a14="http://schemas.microsoft.com/office/drawing/2010/main" w="9525">
                 <a:solidFill>
                   <a:srgbClr val="000000"/>
                 </a:solidFill>
@@ -5797,7 +5797,7 @@
           <a:ln/>
           <a:extLst>
             <a:ext uri="{91240B29-F687-4f45-9708-019B960494DF}">
-              <a14:hiddenLine xmlns:a14="http://schemas.microsoft.com/office/drawing/2010/main" xmlns="" w="9525">
+              <a14:hiddenLine xmlns="" xmlns:a14="http://schemas.microsoft.com/office/drawing/2010/main" w="9525">
                 <a:solidFill>
                   <a:srgbClr val="000000"/>
                 </a:solidFill>
@@ -6271,7 +6271,7 @@
           <a:ln/>
           <a:extLst>
             <a:ext uri="{91240B29-F687-4f45-9708-019B960494DF}">
-              <a14:hiddenLine xmlns:a14="http://schemas.microsoft.com/office/drawing/2010/main" xmlns="" w="9525">
+              <a14:hiddenLine xmlns="" xmlns:a14="http://schemas.microsoft.com/office/drawing/2010/main" w="9525">
                 <a:solidFill>
                   <a:srgbClr val="000000"/>
                 </a:solidFill>
@@ -6694,7 +6694,7 @@
           <a:ln/>
           <a:extLst>
             <a:ext uri="{91240B29-F687-4f45-9708-019B960494DF}">
-              <a14:hiddenLine xmlns:a14="http://schemas.microsoft.com/office/drawing/2010/main" xmlns="" w="9525">
+              <a14:hiddenLine xmlns="" xmlns:a14="http://schemas.microsoft.com/office/drawing/2010/main" w="9525">
                 <a:solidFill>
                   <a:srgbClr val="000000"/>
                 </a:solidFill>
@@ -8245,6 +8245,16 @@
             </a:r>
           </a:p>
           <a:p>
+            <a:pPr>
+              <a:buFont typeface="Wingdings" panose="05000000000000000000" pitchFamily="2" charset="2"/>
+              <a:buChar char="Ø"/>
+            </a:pPr>
+            <a:r>
+              <a:rPr lang="en-US" sz="2400" dirty="0"/>
+              <a:t>P-Value: 5.09817E-22</a:t>
+            </a:r>
+          </a:p>
+          <a:p>
             <a:pPr marL="0" indent="0">
               <a:buNone/>
             </a:pPr>
@@ -8473,6 +8483,16 @@
             </a:r>
           </a:p>
           <a:p>
+            <a:pPr>
+              <a:buFont typeface="Wingdings" panose="05000000000000000000" pitchFamily="2" charset="2"/>
+              <a:buChar char="Ø"/>
+            </a:pPr>
+            <a:r>
+              <a:rPr lang="en-US" sz="2400" dirty="0"/>
+              <a:t>P-Value: 0.701366116</a:t>
+            </a:r>
+          </a:p>
+          <a:p>
             <a:pPr marL="0" indent="0">
               <a:buNone/>
             </a:pPr>
@@ -8661,6 +8681,16 @@
             </a:r>
           </a:p>
           <a:p>
+            <a:pPr>
+              <a:buFont typeface="Wingdings" panose="05000000000000000000" pitchFamily="2" charset="2"/>
+              <a:buChar char="Ø"/>
+            </a:pPr>
+            <a:r>
+              <a:rPr lang="en-US" sz="2400" dirty="0"/>
+              <a:t>P-Value: 2.19503E-11</a:t>
+            </a:r>
+          </a:p>
+          <a:p>
             <a:pPr marL="0" indent="0">
               <a:buNone/>
             </a:pPr>
@@ -8846,6 +8876,16 @@
             <a:r>
               <a:rPr lang="en-US" sz="2400" dirty="0"/>
               <a:t>R-squared: 0.0553622</a:t>
+            </a:r>
+          </a:p>
+          <a:p>
+            <a:pPr>
+              <a:buFont typeface="Wingdings" panose="05000000000000000000" pitchFamily="2" charset="2"/>
+              <a:buChar char="Ø"/>
+            </a:pPr>
+            <a:r>
+              <a:rPr lang="en-US" sz="2400" dirty="0"/>
+              <a:t>P-Value: 0.00084731</a:t>
             </a:r>
           </a:p>
           <a:p>
@@ -13378,7 +13418,7 @@
           <a:effectLst/>
           <a:extLst>
             <a:ext uri="{91240B29-F687-4f45-9708-019B960494DF}">
-              <a14:hiddenLine xmlns:a16="http://schemas.microsoft.com/office/drawing/2014/main" xmlns:p14="http://schemas.microsoft.com/office/powerpoint/2010/main" xmlns:a14="http://schemas.microsoft.com/office/drawing/2010/main" xmlns="" w="9525">
+              <a14:hiddenLine xmlns="" xmlns:a14="http://schemas.microsoft.com/office/drawing/2010/main" xmlns:p14="http://schemas.microsoft.com/office/powerpoint/2010/main" xmlns:a16="http://schemas.microsoft.com/office/drawing/2014/main" w="9525">
                 <a:solidFill>
                   <a:srgbClr val="000000"/>
                 </a:solidFill>
@@ -15310,6 +15350,16 @@
             <a:r>
               <a:rPr lang="en-US" sz="2400" dirty="0"/>
               <a:t>R-squared: 0.000444</a:t>
+            </a:r>
+          </a:p>
+          <a:p>
+            <a:pPr>
+              <a:buFont typeface="Wingdings" panose="05000000000000000000" pitchFamily="2" charset="2"/>
+              <a:buChar char="Ø"/>
+            </a:pPr>
+            <a:r>
+              <a:rPr lang="en-US" sz="2400" dirty="0"/>
+              <a:t>P-Value: 0.768033294</a:t>
             </a:r>
           </a:p>
         </p:txBody>

--- a/Presentation/Auto_sales_Michelle.pptx
+++ b/Presentation/Auto_sales_Michelle.pptx
@@ -18,11 +18,9 @@
     <p:sldId id="272" r:id="rId12"/>
     <p:sldId id="268" r:id="rId13"/>
     <p:sldId id="278" r:id="rId14"/>
-    <p:sldId id="279" r:id="rId15"/>
-    <p:sldId id="273" r:id="rId16"/>
-    <p:sldId id="262" r:id="rId17"/>
-    <p:sldId id="261" r:id="rId18"/>
-    <p:sldId id="264" r:id="rId19"/>
+    <p:sldId id="262" r:id="rId15"/>
+    <p:sldId id="261" r:id="rId16"/>
+    <p:sldId id="264" r:id="rId17"/>
   </p:sldIdLst>
   <p:sldSz cx="12192000" cy="6858000"/>
   <p:notesSz cx="6858000" cy="9144000"/>
@@ -2779,7 +2777,7 @@
           <a:effectLst/>
           <a:extLst>
             <a:ext uri="{91240B29-F687-4f45-9708-019B960494DF}">
-              <a14:hiddenLine xmlns="" xmlns:a14="http://schemas.microsoft.com/office/drawing/2010/main" w="9525">
+              <a14:hiddenLine xmlns:a14="http://schemas.microsoft.com/office/drawing/2010/main" xmlns="" w="9525">
                 <a:solidFill>
                   <a:srgbClr val="000000"/>
                 </a:solidFill>
@@ -4289,7 +4287,7 @@
           <a:ln/>
           <a:extLst>
             <a:ext uri="{91240B29-F687-4f45-9708-019B960494DF}">
-              <a14:hiddenLine xmlns="" xmlns:a14="http://schemas.microsoft.com/office/drawing/2010/main" w="9525">
+              <a14:hiddenLine xmlns:a14="http://schemas.microsoft.com/office/drawing/2010/main" xmlns="" w="9525">
                 <a:solidFill>
                   <a:srgbClr val="000000"/>
                 </a:solidFill>
@@ -4561,7 +4559,7 @@
           <a:ln/>
           <a:extLst>
             <a:ext uri="{91240B29-F687-4f45-9708-019B960494DF}">
-              <a14:hiddenLine xmlns="" xmlns:a14="http://schemas.microsoft.com/office/drawing/2010/main" w="9525">
+              <a14:hiddenLine xmlns:a14="http://schemas.microsoft.com/office/drawing/2010/main" xmlns="" w="9525">
                 <a:solidFill>
                   <a:srgbClr val="000000"/>
                 </a:solidFill>
@@ -4841,7 +4839,7 @@
           <a:ln/>
           <a:extLst>
             <a:ext uri="{91240B29-F687-4f45-9708-019B960494DF}">
-              <a14:hiddenLine xmlns="" xmlns:a14="http://schemas.microsoft.com/office/drawing/2010/main" w="9525">
+              <a14:hiddenLine xmlns:a14="http://schemas.microsoft.com/office/drawing/2010/main" xmlns="" w="9525">
                 <a:solidFill>
                   <a:srgbClr val="000000"/>
                 </a:solidFill>
@@ -5461,7 +5459,7 @@
           <a:ln/>
           <a:extLst>
             <a:ext uri="{91240B29-F687-4f45-9708-019B960494DF}">
-              <a14:hiddenLine xmlns="" xmlns:a14="http://schemas.microsoft.com/office/drawing/2010/main" w="9525">
+              <a14:hiddenLine xmlns:a14="http://schemas.microsoft.com/office/drawing/2010/main" xmlns="" w="9525">
                 <a:solidFill>
                   <a:srgbClr val="000000"/>
                 </a:solidFill>
@@ -5797,7 +5795,7 @@
           <a:ln/>
           <a:extLst>
             <a:ext uri="{91240B29-F687-4f45-9708-019B960494DF}">
-              <a14:hiddenLine xmlns="" xmlns:a14="http://schemas.microsoft.com/office/drawing/2010/main" w="9525">
+              <a14:hiddenLine xmlns:a14="http://schemas.microsoft.com/office/drawing/2010/main" xmlns="" w="9525">
                 <a:solidFill>
                   <a:srgbClr val="000000"/>
                 </a:solidFill>
@@ -6271,7 +6269,7 @@
           <a:ln/>
           <a:extLst>
             <a:ext uri="{91240B29-F687-4f45-9708-019B960494DF}">
-              <a14:hiddenLine xmlns="" xmlns:a14="http://schemas.microsoft.com/office/drawing/2010/main" w="9525">
+              <a14:hiddenLine xmlns:a14="http://schemas.microsoft.com/office/drawing/2010/main" xmlns="" w="9525">
                 <a:solidFill>
                   <a:srgbClr val="000000"/>
                 </a:solidFill>
@@ -6694,7 +6692,7 @@
           <a:ln/>
           <a:extLst>
             <a:ext uri="{91240B29-F687-4f45-9708-019B960494DF}">
-              <a14:hiddenLine xmlns="" xmlns:a14="http://schemas.microsoft.com/office/drawing/2010/main" w="9525">
+              <a14:hiddenLine xmlns:a14="http://schemas.microsoft.com/office/drawing/2010/main" xmlns="" w="9525">
                 <a:solidFill>
                   <a:srgbClr val="000000"/>
                 </a:solidFill>
@@ -8099,7 +8097,7 @@
             <a:pPr algn="ctr"/>
             <a:r>
               <a:rPr lang="en-US" sz="6000" dirty="0"/>
-              <a:t>Automobile Trends in the USA</a:t>
+              <a:t>Automotive Trends in the USA</a:t>
             </a:r>
           </a:p>
         </p:txBody>
@@ -8215,8 +8213,8 @@
         </p:nvSpPr>
         <p:spPr>
           <a:xfrm>
-            <a:off x="8206407" y="3237092"/>
-            <a:ext cx="3584448" cy="2560320"/>
+            <a:off x="8014383" y="2432420"/>
+            <a:ext cx="3776472" cy="2203704"/>
           </a:xfrm>
         </p:spPr>
         <p:txBody>
@@ -8230,7 +8228,7 @@
               <a:buChar char="Ø"/>
             </a:pPr>
             <a:r>
-              <a:rPr lang="en-US" sz="2400" dirty="0"/>
+              <a:rPr lang="en-US" sz="3000" dirty="0"/>
               <a:t>Correlation Coefficient: -0.62</a:t>
             </a:r>
           </a:p>
@@ -8240,18 +8238,8 @@
               <a:buChar char="Ø"/>
             </a:pPr>
             <a:r>
-              <a:rPr lang="en-US" sz="2400" dirty="0"/>
+              <a:rPr lang="en-US" sz="3000" dirty="0"/>
               <a:t>R-squared: 0.378</a:t>
-            </a:r>
-          </a:p>
-          <a:p>
-            <a:pPr>
-              <a:buFont typeface="Wingdings" panose="05000000000000000000" pitchFamily="2" charset="2"/>
-              <a:buChar char="Ø"/>
-            </a:pPr>
-            <a:r>
-              <a:rPr lang="en-US" sz="2400" dirty="0"/>
-              <a:t>P-Value: 5.09817E-22</a:t>
             </a:r>
           </a:p>
           <a:p>
@@ -8302,6 +8290,47 @@
           </a:effectLst>
         </p:spPr>
       </p:pic>
+      <p:sp>
+        <p:nvSpPr>
+          <p:cNvPr id="7" name="TextBox 6">
+            <a:extLst>
+              <a:ext uri="{FF2B5EF4-FFF2-40B4-BE49-F238E27FC236}">
+                <a16:creationId xmlns:a16="http://schemas.microsoft.com/office/drawing/2014/main" id="{85AB834D-3A2C-CF45-A63C-D941C3AEE8E9}"/>
+              </a:ext>
+            </a:extLst>
+          </p:cNvPr>
+          <p:cNvSpPr txBox="1"/>
+          <p:nvPr/>
+        </p:nvSpPr>
+        <p:spPr>
+          <a:xfrm>
+            <a:off x="7519083" y="4405031"/>
+            <a:ext cx="4456176" cy="1938992"/>
+          </a:xfrm>
+          <a:prstGeom prst="rect">
+            <a:avLst/>
+          </a:prstGeom>
+          <a:noFill/>
+        </p:spPr>
+        <p:txBody>
+          <a:bodyPr wrap="square" rtlCol="0">
+            <a:spAutoFit/>
+          </a:bodyPr>
+          <a:lstStyle/>
+          <a:p>
+            <a:endParaRPr lang="en-US" sz="2400" i="1" dirty="0"/>
+          </a:p>
+          <a:p>
+            <a:r>
+              <a:rPr lang="en-US" sz="2400" i="1" dirty="0"/>
+              <a:t>Accounts for roughly 37% of the data and the correlation is Moderate.</a:t>
+            </a:r>
+          </a:p>
+          <a:p>
+            <a:endParaRPr lang="en-US" sz="2400" dirty="0"/>
+          </a:p>
+        </p:txBody>
+      </p:sp>
     </p:spTree>
     <p:extLst>
       <p:ext uri="{BB962C8B-B14F-4D97-AF65-F5344CB8AC3E}">
@@ -8453,8 +8482,8 @@
         </p:nvSpPr>
         <p:spPr>
           <a:xfrm>
-            <a:off x="7892848" y="3167290"/>
-            <a:ext cx="3584448" cy="2560320"/>
+            <a:off x="8014383" y="2472346"/>
+            <a:ext cx="3776472" cy="2203704"/>
           </a:xfrm>
         </p:spPr>
         <p:txBody>
@@ -8468,7 +8497,7 @@
               <a:buChar char="Ø"/>
             </a:pPr>
             <a:r>
-              <a:rPr lang="en-US" sz="2400" dirty="0"/>
+              <a:rPr lang="en-US" sz="3000" dirty="0"/>
               <a:t>Correlation Coefficient:  -0.03</a:t>
             </a:r>
           </a:p>
@@ -8478,24 +8507,55 @@
               <a:buChar char="Ø"/>
             </a:pPr>
             <a:r>
-              <a:rPr lang="en-US" sz="2400" dirty="0"/>
+              <a:rPr lang="en-US" sz="3000" dirty="0"/>
               <a:t>R-squared: 0.000751</a:t>
-            </a:r>
-          </a:p>
-          <a:p>
-            <a:pPr>
-              <a:buFont typeface="Wingdings" panose="05000000000000000000" pitchFamily="2" charset="2"/>
-              <a:buChar char="Ø"/>
-            </a:pPr>
-            <a:r>
-              <a:rPr lang="en-US" sz="2400" dirty="0"/>
-              <a:t>P-Value: 0.701366116</a:t>
             </a:r>
           </a:p>
           <a:p>
             <a:pPr marL="0" indent="0">
               <a:buNone/>
             </a:pPr>
+            <a:endParaRPr lang="en-US" sz="2400" dirty="0"/>
+          </a:p>
+        </p:txBody>
+      </p:sp>
+      <p:sp>
+        <p:nvSpPr>
+          <p:cNvPr id="7" name="TextBox 6">
+            <a:extLst>
+              <a:ext uri="{FF2B5EF4-FFF2-40B4-BE49-F238E27FC236}">
+                <a16:creationId xmlns:a16="http://schemas.microsoft.com/office/drawing/2014/main" id="{853BD8CD-194E-2646-BE48-63338E7B0FC8}"/>
+              </a:ext>
+            </a:extLst>
+          </p:cNvPr>
+          <p:cNvSpPr txBox="1"/>
+          <p:nvPr/>
+        </p:nvSpPr>
+        <p:spPr>
+          <a:xfrm>
+            <a:off x="7552409" y="4576608"/>
+            <a:ext cx="4456176" cy="1938992"/>
+          </a:xfrm>
+          <a:prstGeom prst="rect">
+            <a:avLst/>
+          </a:prstGeom>
+          <a:noFill/>
+        </p:spPr>
+        <p:txBody>
+          <a:bodyPr wrap="square" rtlCol="0">
+            <a:spAutoFit/>
+          </a:bodyPr>
+          <a:lstStyle/>
+          <a:p>
+            <a:endParaRPr lang="en-US" sz="2400" i="1" dirty="0"/>
+          </a:p>
+          <a:p>
+            <a:r>
+              <a:rPr lang="en-US" sz="2400" i="1" dirty="0"/>
+              <a:t>Accounts for a very small percentage of the data and there is weak correlation.</a:t>
+            </a:r>
+          </a:p>
+          <a:p>
             <a:endParaRPr lang="en-US" sz="2400" dirty="0"/>
           </a:p>
         </p:txBody>
@@ -8651,8 +8711,8 @@
         </p:nvSpPr>
         <p:spPr>
           <a:xfrm>
-            <a:off x="8006497" y="3104909"/>
-            <a:ext cx="3584448" cy="2560320"/>
+            <a:off x="8075676" y="2327148"/>
+            <a:ext cx="3776472" cy="2203704"/>
           </a:xfrm>
         </p:spPr>
         <p:txBody>
@@ -8666,7 +8726,7 @@
               <a:buChar char="Ø"/>
             </a:pPr>
             <a:r>
-              <a:rPr lang="en-US" sz="2400" dirty="0"/>
+              <a:rPr lang="en-US" sz="3000" dirty="0"/>
               <a:t>Correlation Coefficient: 0.45</a:t>
             </a:r>
           </a:p>
@@ -8676,24 +8736,55 @@
               <a:buChar char="Ø"/>
             </a:pPr>
             <a:r>
-              <a:rPr lang="en-US" sz="2400" dirty="0"/>
+              <a:rPr lang="en-US" sz="3000" dirty="0"/>
               <a:t>R-squared: 0.2047394</a:t>
-            </a:r>
-          </a:p>
-          <a:p>
-            <a:pPr>
-              <a:buFont typeface="Wingdings" panose="05000000000000000000" pitchFamily="2" charset="2"/>
-              <a:buChar char="Ø"/>
-            </a:pPr>
-            <a:r>
-              <a:rPr lang="en-US" sz="2400" dirty="0"/>
-              <a:t>P-Value: 2.19503E-11</a:t>
             </a:r>
           </a:p>
           <a:p>
             <a:pPr marL="0" indent="0">
               <a:buNone/>
             </a:pPr>
+            <a:endParaRPr lang="en-US" sz="2400" dirty="0"/>
+          </a:p>
+        </p:txBody>
+      </p:sp>
+      <p:sp>
+        <p:nvSpPr>
+          <p:cNvPr id="7" name="TextBox 6">
+            <a:extLst>
+              <a:ext uri="{FF2B5EF4-FFF2-40B4-BE49-F238E27FC236}">
+                <a16:creationId xmlns:a16="http://schemas.microsoft.com/office/drawing/2014/main" id="{4210025E-C064-F849-8DF1-46C9DC335719}"/>
+              </a:ext>
+            </a:extLst>
+          </p:cNvPr>
+          <p:cNvSpPr txBox="1"/>
+          <p:nvPr/>
+        </p:nvSpPr>
+        <p:spPr>
+          <a:xfrm>
+            <a:off x="7648238" y="4708875"/>
+            <a:ext cx="4456176" cy="1938992"/>
+          </a:xfrm>
+          <a:prstGeom prst="rect">
+            <a:avLst/>
+          </a:prstGeom>
+          <a:noFill/>
+        </p:spPr>
+        <p:txBody>
+          <a:bodyPr wrap="square" rtlCol="0">
+            <a:spAutoFit/>
+          </a:bodyPr>
+          <a:lstStyle/>
+          <a:p>
+            <a:endParaRPr lang="en-US" sz="2400" dirty="0"/>
+          </a:p>
+          <a:p>
+            <a:r>
+              <a:rPr lang="en-US" sz="2400" i="1" dirty="0"/>
+              <a:t>Accounts for roughly 20% of the data and there is a moderate correlation.</a:t>
+            </a:r>
+          </a:p>
+          <a:p>
             <a:endParaRPr lang="en-US" sz="2400" dirty="0"/>
           </a:p>
         </p:txBody>
@@ -8849,8 +8940,8 @@
         </p:nvSpPr>
         <p:spPr>
           <a:xfrm>
-            <a:off x="7777101" y="3146857"/>
-            <a:ext cx="3584448" cy="2560320"/>
+            <a:off x="8014383" y="2285401"/>
+            <a:ext cx="3776472" cy="2203704"/>
           </a:xfrm>
         </p:spPr>
         <p:txBody>
@@ -8864,7 +8955,7 @@
               <a:buChar char="Ø"/>
             </a:pPr>
             <a:r>
-              <a:rPr lang="en-US" sz="2400" dirty="0"/>
+              <a:rPr lang="en-US" sz="3000" dirty="0"/>
               <a:t>Correlation Coefficient: 0.24</a:t>
             </a:r>
           </a:p>
@@ -8874,24 +8965,55 @@
               <a:buChar char="Ø"/>
             </a:pPr>
             <a:r>
-              <a:rPr lang="en-US" sz="2400" dirty="0"/>
+              <a:rPr lang="en-US" sz="3000" dirty="0"/>
               <a:t>R-squared: 0.0553622</a:t>
-            </a:r>
-          </a:p>
-          <a:p>
-            <a:pPr>
-              <a:buFont typeface="Wingdings" panose="05000000000000000000" pitchFamily="2" charset="2"/>
-              <a:buChar char="Ø"/>
-            </a:pPr>
-            <a:r>
-              <a:rPr lang="en-US" sz="2400" dirty="0"/>
-              <a:t>P-Value: 0.00084731</a:t>
             </a:r>
           </a:p>
           <a:p>
             <a:pPr marL="0" indent="0">
               <a:buNone/>
             </a:pPr>
+            <a:endParaRPr lang="en-US" sz="2400" dirty="0"/>
+          </a:p>
+        </p:txBody>
+      </p:sp>
+      <p:sp>
+        <p:nvSpPr>
+          <p:cNvPr id="10" name="TextBox 9">
+            <a:extLst>
+              <a:ext uri="{FF2B5EF4-FFF2-40B4-BE49-F238E27FC236}">
+                <a16:creationId xmlns:a16="http://schemas.microsoft.com/office/drawing/2014/main" id="{0FE5C177-343B-AF46-854C-E9AE5EF01166}"/>
+              </a:ext>
+            </a:extLst>
+          </p:cNvPr>
+          <p:cNvSpPr txBox="1"/>
+          <p:nvPr/>
+        </p:nvSpPr>
+        <p:spPr>
+          <a:xfrm>
+            <a:off x="7415784" y="4562392"/>
+            <a:ext cx="4456176" cy="1938992"/>
+          </a:xfrm>
+          <a:prstGeom prst="rect">
+            <a:avLst/>
+          </a:prstGeom>
+          <a:noFill/>
+        </p:spPr>
+        <p:txBody>
+          <a:bodyPr wrap="square" rtlCol="0">
+            <a:spAutoFit/>
+          </a:bodyPr>
+          <a:lstStyle/>
+          <a:p>
+            <a:endParaRPr lang="en-US" sz="2400" i="1" dirty="0"/>
+          </a:p>
+          <a:p>
+            <a:r>
+              <a:rPr lang="en-US" sz="2400" i="1" dirty="0"/>
+              <a:t>Accounts for less than 5% of the data and there is a weak correlation.</a:t>
+            </a:r>
+          </a:p>
+          <a:p>
             <a:endParaRPr lang="en-US" sz="2400" dirty="0"/>
           </a:p>
         </p:txBody>
@@ -8910,3556 +9032,6 @@
 </file>
 
 <file path=ppt/slides/slide14.xml><?xml version="1.0" encoding="utf-8"?>
-<p:sld xmlns:a="http://schemas.openxmlformats.org/drawingml/2006/main" xmlns:r="http://schemas.openxmlformats.org/officeDocument/2006/relationships" xmlns:p="http://schemas.openxmlformats.org/presentationml/2006/main">
-  <p:cSld>
-    <p:spTree>
-      <p:nvGrpSpPr>
-        <p:cNvPr id="1" name=""/>
-        <p:cNvGrpSpPr/>
-        <p:nvPr/>
-      </p:nvGrpSpPr>
-      <p:grpSpPr>
-        <a:xfrm>
-          <a:off x="0" y="0"/>
-          <a:ext cx="0" cy="0"/>
-          <a:chOff x="0" y="0"/>
-          <a:chExt cx="0" cy="0"/>
-        </a:xfrm>
-      </p:grpSpPr>
-      <p:sp>
-        <p:nvSpPr>
-          <p:cNvPr id="2" name="Title 1">
-            <a:extLst>
-              <a:ext uri="{FF2B5EF4-FFF2-40B4-BE49-F238E27FC236}">
-                <a16:creationId xmlns:a16="http://schemas.microsoft.com/office/drawing/2014/main" id="{6FB69B6A-6E85-174E-B7E8-B7B73B8EE755}"/>
-              </a:ext>
-            </a:extLst>
-          </p:cNvPr>
-          <p:cNvSpPr>
-            <a:spLocks noGrp="1"/>
-          </p:cNvSpPr>
-          <p:nvPr>
-            <p:ph type="title"/>
-          </p:nvPr>
-        </p:nvSpPr>
-        <p:spPr>
-          <a:xfrm>
-            <a:off x="459804" y="470100"/>
-            <a:ext cx="10571998" cy="970450"/>
-          </a:xfrm>
-        </p:spPr>
-        <p:txBody>
-          <a:bodyPr/>
-          <a:lstStyle/>
-          <a:p>
-            <a:r>
-              <a:rPr lang="en-US" sz="6600" dirty="0"/>
-              <a:t>Results</a:t>
-            </a:r>
-          </a:p>
-        </p:txBody>
-      </p:sp>
-      <p:pic>
-        <p:nvPicPr>
-          <p:cNvPr id="5" name="Picture 4">
-            <a:extLst>
-              <a:ext uri="{FF2B5EF4-FFF2-40B4-BE49-F238E27FC236}">
-                <a16:creationId xmlns:a16="http://schemas.microsoft.com/office/drawing/2014/main" id="{D5F6873D-BFC8-AB41-88B9-5689722B12F1}"/>
-              </a:ext>
-            </a:extLst>
-          </p:cNvPr>
-          <p:cNvPicPr>
-            <a:picLocks noChangeAspect="1"/>
-          </p:cNvPicPr>
-          <p:nvPr/>
-        </p:nvPicPr>
-        <p:blipFill>
-          <a:blip r:embed="rId2"/>
-          <a:stretch>
-            <a:fillRect/>
-          </a:stretch>
-        </p:blipFill>
-        <p:spPr>
-          <a:xfrm>
-            <a:off x="11477296" y="0"/>
-            <a:ext cx="627118" cy="627118"/>
-          </a:xfrm>
-          <a:prstGeom prst="rect">
-            <a:avLst/>
-          </a:prstGeom>
-        </p:spPr>
-      </p:pic>
-      <p:graphicFrame>
-        <p:nvGraphicFramePr>
-          <p:cNvPr id="6" name="Table 5">
-            <a:extLst>
-              <a:ext uri="{FF2B5EF4-FFF2-40B4-BE49-F238E27FC236}">
-                <a16:creationId xmlns:a16="http://schemas.microsoft.com/office/drawing/2014/main" id="{33C3CBDD-AB38-AF4C-AC7F-6280C20F6591}"/>
-              </a:ext>
-            </a:extLst>
-          </p:cNvPr>
-          <p:cNvGraphicFramePr>
-            <a:graphicFrameLocks noGrp="1"/>
-          </p:cNvGraphicFramePr>
-          <p:nvPr>
-            <p:extLst>
-              <p:ext uri="{D42A27DB-BD31-4B8C-83A1-F6EECF244321}">
-                <p14:modId xmlns:p14="http://schemas.microsoft.com/office/powerpoint/2010/main" val="4245258281"/>
-              </p:ext>
-            </p:extLst>
-          </p:nvPr>
-        </p:nvGraphicFramePr>
-        <p:xfrm>
-          <a:off x="7334868" y="690321"/>
-          <a:ext cx="4397328" cy="1895873"/>
-        </p:xfrm>
-        <a:graphic>
-          <a:graphicData uri="http://schemas.openxmlformats.org/drawingml/2006/table">
-            <a:tbl>
-              <a:tblPr>
-                <a:effectLst>
-                  <a:outerShdw blurRad="50800" dist="38100" dir="18900000" algn="bl" rotWithShape="0">
-                    <a:prstClr val="black">
-                      <a:alpha val="40000"/>
-                    </a:prstClr>
-                  </a:outerShdw>
-                </a:effectLst>
-              </a:tblPr>
-              <a:tblGrid>
-                <a:gridCol w="2133357">
-                  <a:extLst>
-                    <a:ext uri="{9D8B030D-6E8A-4147-A177-3AD203B41FA5}">
-                      <a16:colId xmlns:a16="http://schemas.microsoft.com/office/drawing/2014/main" val="62343428"/>
-                    </a:ext>
-                  </a:extLst>
-                </a:gridCol>
-                <a:gridCol w="2263971">
-                  <a:extLst>
-                    <a:ext uri="{9D8B030D-6E8A-4147-A177-3AD203B41FA5}">
-                      <a16:colId xmlns:a16="http://schemas.microsoft.com/office/drawing/2014/main" val="913854601"/>
-                    </a:ext>
-                  </a:extLst>
-                </a:gridCol>
-              </a:tblGrid>
-              <a:tr h="525821">
-                <a:tc>
-                  <a:txBody>
-                    <a:bodyPr/>
-                    <a:lstStyle/>
-                    <a:p>
-                      <a:pPr algn="l" fontAlgn="b"/>
-                      <a:r>
-                        <a:rPr lang="en-US" sz="1600" b="1" i="0" u="none" strike="noStrike" dirty="0">
-                          <a:solidFill>
-                            <a:srgbClr val="000000"/>
-                          </a:solidFill>
-                          <a:effectLst/>
-                          <a:latin typeface="+mn-lt"/>
-                        </a:rPr>
-                        <a:t>Absolute Value of r</a:t>
-                      </a:r>
-                    </a:p>
-                  </a:txBody>
-                  <a:tcPr marL="9525" marR="9525" marT="9525" marB="0" anchor="b">
-                    <a:lnL w="6350" cap="flat" cmpd="sng" algn="ctr">
-                      <a:solidFill>
-                        <a:srgbClr val="000000"/>
-                      </a:solidFill>
-                      <a:prstDash val="solid"/>
-                      <a:round/>
-                      <a:headEnd type="none" w="med" len="med"/>
-                      <a:tailEnd type="none" w="med" len="med"/>
-                    </a:lnL>
-                    <a:lnR w="6350" cap="flat" cmpd="sng" algn="ctr">
-                      <a:solidFill>
-                        <a:srgbClr val="000000"/>
-                      </a:solidFill>
-                      <a:prstDash val="solid"/>
-                      <a:round/>
-                      <a:headEnd type="none" w="med" len="med"/>
-                      <a:tailEnd type="none" w="med" len="med"/>
-                    </a:lnR>
-                    <a:lnT w="6350" cap="flat" cmpd="sng" algn="ctr">
-                      <a:solidFill>
-                        <a:srgbClr val="000000"/>
-                      </a:solidFill>
-                      <a:prstDash val="solid"/>
-                      <a:round/>
-                      <a:headEnd type="none" w="med" len="med"/>
-                      <a:tailEnd type="none" w="med" len="med"/>
-                    </a:lnT>
-                    <a:lnB w="6350" cap="flat" cmpd="sng" algn="ctr">
-                      <a:solidFill>
-                        <a:srgbClr val="000000"/>
-                      </a:solidFill>
-                      <a:prstDash val="solid"/>
-                      <a:round/>
-                      <a:headEnd type="none" w="med" len="med"/>
-                      <a:tailEnd type="none" w="med" len="med"/>
-                    </a:lnB>
-                    <a:solidFill>
-                      <a:schemeClr val="accent1">
-                        <a:lumMod val="20000"/>
-                        <a:lumOff val="80000"/>
-                      </a:schemeClr>
-                    </a:solidFill>
-                  </a:tcPr>
-                </a:tc>
-                <a:tc>
-                  <a:txBody>
-                    <a:bodyPr/>
-                    <a:lstStyle/>
-                    <a:p>
-                      <a:pPr algn="l" fontAlgn="b"/>
-                      <a:r>
-                        <a:rPr lang="en-US" sz="1600" b="1" i="0" u="none" strike="noStrike" dirty="0">
-                          <a:solidFill>
-                            <a:srgbClr val="000000"/>
-                          </a:solidFill>
-                          <a:effectLst/>
-                          <a:latin typeface="+mn-lt"/>
-                        </a:rPr>
-                        <a:t>Strength of Correlation</a:t>
-                      </a:r>
-                    </a:p>
-                  </a:txBody>
-                  <a:tcPr marL="9525" marR="9525" marT="9525" marB="0" anchor="b">
-                    <a:lnL w="6350" cap="flat" cmpd="sng" algn="ctr">
-                      <a:solidFill>
-                        <a:srgbClr val="000000"/>
-                      </a:solidFill>
-                      <a:prstDash val="solid"/>
-                      <a:round/>
-                      <a:headEnd type="none" w="med" len="med"/>
-                      <a:tailEnd type="none" w="med" len="med"/>
-                    </a:lnL>
-                    <a:lnR w="6350" cap="flat" cmpd="sng" algn="ctr">
-                      <a:solidFill>
-                        <a:srgbClr val="000000"/>
-                      </a:solidFill>
-                      <a:prstDash val="solid"/>
-                      <a:round/>
-                      <a:headEnd type="none" w="med" len="med"/>
-                      <a:tailEnd type="none" w="med" len="med"/>
-                    </a:lnR>
-                    <a:lnT w="6350" cap="flat" cmpd="sng" algn="ctr">
-                      <a:solidFill>
-                        <a:srgbClr val="000000"/>
-                      </a:solidFill>
-                      <a:prstDash val="solid"/>
-                      <a:round/>
-                      <a:headEnd type="none" w="med" len="med"/>
-                      <a:tailEnd type="none" w="med" len="med"/>
-                    </a:lnT>
-                    <a:lnB w="6350" cap="flat" cmpd="sng" algn="ctr">
-                      <a:solidFill>
-                        <a:srgbClr val="000000"/>
-                      </a:solidFill>
-                      <a:prstDash val="solid"/>
-                      <a:round/>
-                      <a:headEnd type="none" w="med" len="med"/>
-                      <a:tailEnd type="none" w="med" len="med"/>
-                    </a:lnB>
-                    <a:solidFill>
-                      <a:schemeClr val="accent1">
-                        <a:lumMod val="20000"/>
-                        <a:lumOff val="80000"/>
-                      </a:schemeClr>
-                    </a:solidFill>
-                  </a:tcPr>
-                </a:tc>
-                <a:extLst>
-                  <a:ext uri="{0D108BD9-81ED-4DB2-BD59-A6C34878D82A}">
-                    <a16:rowId xmlns:a16="http://schemas.microsoft.com/office/drawing/2014/main" val="2208102116"/>
-                  </a:ext>
-                </a:extLst>
-              </a:tr>
-              <a:tr h="342513">
-                <a:tc>
-                  <a:txBody>
-                    <a:bodyPr/>
-                    <a:lstStyle/>
-                    <a:p>
-                      <a:pPr algn="l" fontAlgn="b"/>
-                      <a:r>
-                        <a:rPr lang="en-US" sz="1600" b="0" i="0" u="none" strike="noStrike">
-                          <a:solidFill>
-                            <a:srgbClr val="000000"/>
-                          </a:solidFill>
-                          <a:effectLst/>
-                          <a:latin typeface="+mn-lt"/>
-                        </a:rPr>
-                        <a:t>r </a:t>
-                      </a:r>
-                      <a:r>
-                        <a:rPr lang="en-US" sz="1600" b="1" i="0" u="none" strike="noStrike">
-                          <a:solidFill>
-                            <a:srgbClr val="000000"/>
-                          </a:solidFill>
-                          <a:effectLst/>
-                          <a:latin typeface="+mn-lt"/>
-                        </a:rPr>
-                        <a:t>&lt; </a:t>
-                      </a:r>
-                      <a:r>
-                        <a:rPr lang="en-US" sz="1600" b="0" i="0" u="none" strike="noStrike">
-                          <a:solidFill>
-                            <a:srgbClr val="000000"/>
-                          </a:solidFill>
-                          <a:effectLst/>
-                          <a:latin typeface="+mn-lt"/>
-                        </a:rPr>
-                        <a:t>0.3</a:t>
-                      </a:r>
-                    </a:p>
-                  </a:txBody>
-                  <a:tcPr marL="9525" marR="9525" marT="9525" marB="0" anchor="b">
-                    <a:lnL w="6350" cap="flat" cmpd="sng" algn="ctr">
-                      <a:solidFill>
-                        <a:srgbClr val="000000"/>
-                      </a:solidFill>
-                      <a:prstDash val="solid"/>
-                      <a:round/>
-                      <a:headEnd type="none" w="med" len="med"/>
-                      <a:tailEnd type="none" w="med" len="med"/>
-                    </a:lnL>
-                    <a:lnR w="6350" cap="flat" cmpd="sng" algn="ctr">
-                      <a:solidFill>
-                        <a:srgbClr val="000000"/>
-                      </a:solidFill>
-                      <a:prstDash val="solid"/>
-                      <a:round/>
-                      <a:headEnd type="none" w="med" len="med"/>
-                      <a:tailEnd type="none" w="med" len="med"/>
-                    </a:lnR>
-                    <a:lnT w="6350" cap="flat" cmpd="sng" algn="ctr">
-                      <a:solidFill>
-                        <a:srgbClr val="000000"/>
-                      </a:solidFill>
-                      <a:prstDash val="solid"/>
-                      <a:round/>
-                      <a:headEnd type="none" w="med" len="med"/>
-                      <a:tailEnd type="none" w="med" len="med"/>
-                    </a:lnT>
-                    <a:lnB w="6350" cap="flat" cmpd="sng" algn="ctr">
-                      <a:solidFill>
-                        <a:srgbClr val="000000"/>
-                      </a:solidFill>
-                      <a:prstDash val="solid"/>
-                      <a:round/>
-                      <a:headEnd type="none" w="med" len="med"/>
-                      <a:tailEnd type="none" w="med" len="med"/>
-                    </a:lnB>
-                    <a:solidFill>
-                      <a:schemeClr val="accent1">
-                        <a:lumMod val="20000"/>
-                        <a:lumOff val="80000"/>
-                      </a:schemeClr>
-                    </a:solidFill>
-                  </a:tcPr>
-                </a:tc>
-                <a:tc>
-                  <a:txBody>
-                    <a:bodyPr/>
-                    <a:lstStyle/>
-                    <a:p>
-                      <a:pPr algn="l" fontAlgn="b"/>
-                      <a:r>
-                        <a:rPr lang="en-US" sz="1600" b="0" i="0" u="none" strike="noStrike" dirty="0">
-                          <a:solidFill>
-                            <a:srgbClr val="000000"/>
-                          </a:solidFill>
-                          <a:effectLst/>
-                          <a:latin typeface="+mn-lt"/>
-                        </a:rPr>
-                        <a:t>None or very weak</a:t>
-                      </a:r>
-                    </a:p>
-                  </a:txBody>
-                  <a:tcPr marL="9525" marR="9525" marT="9525" marB="0" anchor="b">
-                    <a:lnL w="6350" cap="flat" cmpd="sng" algn="ctr">
-                      <a:solidFill>
-                        <a:srgbClr val="000000"/>
-                      </a:solidFill>
-                      <a:prstDash val="solid"/>
-                      <a:round/>
-                      <a:headEnd type="none" w="med" len="med"/>
-                      <a:tailEnd type="none" w="med" len="med"/>
-                    </a:lnL>
-                    <a:lnR w="6350" cap="flat" cmpd="sng" algn="ctr">
-                      <a:solidFill>
-                        <a:srgbClr val="000000"/>
-                      </a:solidFill>
-                      <a:prstDash val="solid"/>
-                      <a:round/>
-                      <a:headEnd type="none" w="med" len="med"/>
-                      <a:tailEnd type="none" w="med" len="med"/>
-                    </a:lnR>
-                    <a:lnT w="6350" cap="flat" cmpd="sng" algn="ctr">
-                      <a:solidFill>
-                        <a:srgbClr val="000000"/>
-                      </a:solidFill>
-                      <a:prstDash val="solid"/>
-                      <a:round/>
-                      <a:headEnd type="none" w="med" len="med"/>
-                      <a:tailEnd type="none" w="med" len="med"/>
-                    </a:lnT>
-                    <a:lnB w="6350" cap="flat" cmpd="sng" algn="ctr">
-                      <a:solidFill>
-                        <a:srgbClr val="000000"/>
-                      </a:solidFill>
-                      <a:prstDash val="solid"/>
-                      <a:round/>
-                      <a:headEnd type="none" w="med" len="med"/>
-                      <a:tailEnd type="none" w="med" len="med"/>
-                    </a:lnB>
-                    <a:solidFill>
-                      <a:schemeClr val="accent1">
-                        <a:lumMod val="20000"/>
-                        <a:lumOff val="80000"/>
-                      </a:schemeClr>
-                    </a:solidFill>
-                  </a:tcPr>
-                </a:tc>
-                <a:extLst>
-                  <a:ext uri="{0D108BD9-81ED-4DB2-BD59-A6C34878D82A}">
-                    <a16:rowId xmlns:a16="http://schemas.microsoft.com/office/drawing/2014/main" val="3429623164"/>
-                  </a:ext>
-                </a:extLst>
-              </a:tr>
-              <a:tr h="342513">
-                <a:tc>
-                  <a:txBody>
-                    <a:bodyPr/>
-                    <a:lstStyle/>
-                    <a:p>
-                      <a:pPr algn="l" fontAlgn="b"/>
-                      <a:r>
-                        <a:rPr lang="en-US" sz="1600" b="0" i="0" u="none" strike="noStrike" dirty="0">
-                          <a:solidFill>
-                            <a:srgbClr val="000000"/>
-                          </a:solidFill>
-                          <a:effectLst/>
-                          <a:latin typeface="+mn-lt"/>
-                        </a:rPr>
-                        <a:t>0.3 </a:t>
-                      </a:r>
-                      <a:r>
-                        <a:rPr lang="en-US" sz="1600" b="1" i="0" u="none" strike="noStrike" dirty="0">
-                          <a:solidFill>
-                            <a:srgbClr val="000000"/>
-                          </a:solidFill>
-                          <a:effectLst/>
-                          <a:latin typeface="+mn-lt"/>
-                        </a:rPr>
-                        <a:t>≤</a:t>
-                      </a:r>
-                      <a:r>
-                        <a:rPr lang="en-US" sz="1600" b="0" i="0" u="none" strike="noStrike" dirty="0">
-                          <a:solidFill>
-                            <a:srgbClr val="000000"/>
-                          </a:solidFill>
-                          <a:effectLst/>
-                          <a:latin typeface="+mn-lt"/>
-                        </a:rPr>
-                        <a:t> r </a:t>
-                      </a:r>
-                      <a:r>
-                        <a:rPr lang="en-US" sz="1600" b="1" i="0" u="none" strike="noStrike" dirty="0">
-                          <a:solidFill>
-                            <a:srgbClr val="000000"/>
-                          </a:solidFill>
-                          <a:effectLst/>
-                          <a:latin typeface="+mn-lt"/>
-                        </a:rPr>
-                        <a:t>&lt;</a:t>
-                      </a:r>
-                      <a:r>
-                        <a:rPr lang="en-US" sz="1600" b="0" i="0" u="none" strike="noStrike" dirty="0">
-                          <a:solidFill>
-                            <a:srgbClr val="000000"/>
-                          </a:solidFill>
-                          <a:effectLst/>
-                          <a:latin typeface="+mn-lt"/>
-                        </a:rPr>
-                        <a:t> 0.5 </a:t>
-                      </a:r>
-                    </a:p>
-                  </a:txBody>
-                  <a:tcPr marL="9525" marR="9525" marT="9525" marB="0" anchor="b">
-                    <a:lnL w="6350" cap="flat" cmpd="sng" algn="ctr">
-                      <a:solidFill>
-                        <a:srgbClr val="000000"/>
-                      </a:solidFill>
-                      <a:prstDash val="solid"/>
-                      <a:round/>
-                      <a:headEnd type="none" w="med" len="med"/>
-                      <a:tailEnd type="none" w="med" len="med"/>
-                    </a:lnL>
-                    <a:lnR w="6350" cap="flat" cmpd="sng" algn="ctr">
-                      <a:solidFill>
-                        <a:srgbClr val="000000"/>
-                      </a:solidFill>
-                      <a:prstDash val="solid"/>
-                      <a:round/>
-                      <a:headEnd type="none" w="med" len="med"/>
-                      <a:tailEnd type="none" w="med" len="med"/>
-                    </a:lnR>
-                    <a:lnT w="6350" cap="flat" cmpd="sng" algn="ctr">
-                      <a:solidFill>
-                        <a:srgbClr val="000000"/>
-                      </a:solidFill>
-                      <a:prstDash val="solid"/>
-                      <a:round/>
-                      <a:headEnd type="none" w="med" len="med"/>
-                      <a:tailEnd type="none" w="med" len="med"/>
-                    </a:lnT>
-                    <a:lnB w="6350" cap="flat" cmpd="sng" algn="ctr">
-                      <a:solidFill>
-                        <a:srgbClr val="000000"/>
-                      </a:solidFill>
-                      <a:prstDash val="solid"/>
-                      <a:round/>
-                      <a:headEnd type="none" w="med" len="med"/>
-                      <a:tailEnd type="none" w="med" len="med"/>
-                    </a:lnB>
-                    <a:solidFill>
-                      <a:schemeClr val="accent1">
-                        <a:lumMod val="20000"/>
-                        <a:lumOff val="80000"/>
-                      </a:schemeClr>
-                    </a:solidFill>
-                  </a:tcPr>
-                </a:tc>
-                <a:tc>
-                  <a:txBody>
-                    <a:bodyPr/>
-                    <a:lstStyle/>
-                    <a:p>
-                      <a:pPr algn="l" fontAlgn="b"/>
-                      <a:r>
-                        <a:rPr lang="en-US" sz="1600" b="0" i="0" u="none" strike="noStrike" dirty="0">
-                          <a:solidFill>
-                            <a:srgbClr val="000000"/>
-                          </a:solidFill>
-                          <a:effectLst/>
-                          <a:latin typeface="+mn-lt"/>
-                        </a:rPr>
-                        <a:t>Weak</a:t>
-                      </a:r>
-                    </a:p>
-                  </a:txBody>
-                  <a:tcPr marL="9525" marR="9525" marT="9525" marB="0" anchor="b">
-                    <a:lnL w="6350" cap="flat" cmpd="sng" algn="ctr">
-                      <a:solidFill>
-                        <a:srgbClr val="000000"/>
-                      </a:solidFill>
-                      <a:prstDash val="solid"/>
-                      <a:round/>
-                      <a:headEnd type="none" w="med" len="med"/>
-                      <a:tailEnd type="none" w="med" len="med"/>
-                    </a:lnL>
-                    <a:lnR w="6350" cap="flat" cmpd="sng" algn="ctr">
-                      <a:solidFill>
-                        <a:srgbClr val="000000"/>
-                      </a:solidFill>
-                      <a:prstDash val="solid"/>
-                      <a:round/>
-                      <a:headEnd type="none" w="med" len="med"/>
-                      <a:tailEnd type="none" w="med" len="med"/>
-                    </a:lnR>
-                    <a:lnT w="6350" cap="flat" cmpd="sng" algn="ctr">
-                      <a:solidFill>
-                        <a:srgbClr val="000000"/>
-                      </a:solidFill>
-                      <a:prstDash val="solid"/>
-                      <a:round/>
-                      <a:headEnd type="none" w="med" len="med"/>
-                      <a:tailEnd type="none" w="med" len="med"/>
-                    </a:lnT>
-                    <a:lnB w="6350" cap="flat" cmpd="sng" algn="ctr">
-                      <a:solidFill>
-                        <a:srgbClr val="000000"/>
-                      </a:solidFill>
-                      <a:prstDash val="solid"/>
-                      <a:round/>
-                      <a:headEnd type="none" w="med" len="med"/>
-                      <a:tailEnd type="none" w="med" len="med"/>
-                    </a:lnB>
-                    <a:solidFill>
-                      <a:schemeClr val="accent1">
-                        <a:lumMod val="20000"/>
-                        <a:lumOff val="80000"/>
-                      </a:schemeClr>
-                    </a:solidFill>
-                  </a:tcPr>
-                </a:tc>
-                <a:extLst>
-                  <a:ext uri="{0D108BD9-81ED-4DB2-BD59-A6C34878D82A}">
-                    <a16:rowId xmlns:a16="http://schemas.microsoft.com/office/drawing/2014/main" val="897300079"/>
-                  </a:ext>
-                </a:extLst>
-              </a:tr>
-              <a:tr h="342513">
-                <a:tc>
-                  <a:txBody>
-                    <a:bodyPr/>
-                    <a:lstStyle/>
-                    <a:p>
-                      <a:pPr algn="l" fontAlgn="b"/>
-                      <a:r>
-                        <a:rPr lang="en-US" sz="1600" b="0" i="0" u="none" strike="noStrike" dirty="0">
-                          <a:solidFill>
-                            <a:srgbClr val="000000"/>
-                          </a:solidFill>
-                          <a:effectLst/>
-                          <a:latin typeface="+mn-lt"/>
-                        </a:rPr>
-                        <a:t>0.5 </a:t>
-                      </a:r>
-                      <a:r>
-                        <a:rPr lang="en-US" sz="1600" b="1" i="0" u="none" strike="noStrike" dirty="0">
-                          <a:solidFill>
-                            <a:srgbClr val="000000"/>
-                          </a:solidFill>
-                          <a:effectLst/>
-                          <a:latin typeface="+mn-lt"/>
-                        </a:rPr>
-                        <a:t>≤</a:t>
-                      </a:r>
-                      <a:r>
-                        <a:rPr lang="en-US" sz="1600" b="0" i="0" u="none" strike="noStrike" dirty="0">
-                          <a:solidFill>
-                            <a:srgbClr val="000000"/>
-                          </a:solidFill>
-                          <a:effectLst/>
-                          <a:latin typeface="+mn-lt"/>
-                        </a:rPr>
-                        <a:t> r </a:t>
-                      </a:r>
-                      <a:r>
-                        <a:rPr lang="en-US" sz="1600" b="1" i="0" u="none" strike="noStrike" dirty="0">
-                          <a:solidFill>
-                            <a:srgbClr val="000000"/>
-                          </a:solidFill>
-                          <a:effectLst/>
-                          <a:latin typeface="+mn-lt"/>
-                        </a:rPr>
-                        <a:t>&lt; </a:t>
-                      </a:r>
-                      <a:r>
-                        <a:rPr lang="en-US" sz="1600" b="0" i="0" u="none" strike="noStrike" dirty="0">
-                          <a:solidFill>
-                            <a:srgbClr val="000000"/>
-                          </a:solidFill>
-                          <a:effectLst/>
-                          <a:latin typeface="+mn-lt"/>
-                        </a:rPr>
-                        <a:t>0.7</a:t>
-                      </a:r>
-                    </a:p>
-                  </a:txBody>
-                  <a:tcPr marL="9525" marR="9525" marT="9525" marB="0" anchor="b">
-                    <a:lnL w="6350" cap="flat" cmpd="sng" algn="ctr">
-                      <a:solidFill>
-                        <a:srgbClr val="000000"/>
-                      </a:solidFill>
-                      <a:prstDash val="solid"/>
-                      <a:round/>
-                      <a:headEnd type="none" w="med" len="med"/>
-                      <a:tailEnd type="none" w="med" len="med"/>
-                    </a:lnL>
-                    <a:lnR w="6350" cap="flat" cmpd="sng" algn="ctr">
-                      <a:solidFill>
-                        <a:srgbClr val="000000"/>
-                      </a:solidFill>
-                      <a:prstDash val="solid"/>
-                      <a:round/>
-                      <a:headEnd type="none" w="med" len="med"/>
-                      <a:tailEnd type="none" w="med" len="med"/>
-                    </a:lnR>
-                    <a:lnT w="6350" cap="flat" cmpd="sng" algn="ctr">
-                      <a:solidFill>
-                        <a:srgbClr val="000000"/>
-                      </a:solidFill>
-                      <a:prstDash val="solid"/>
-                      <a:round/>
-                      <a:headEnd type="none" w="med" len="med"/>
-                      <a:tailEnd type="none" w="med" len="med"/>
-                    </a:lnT>
-                    <a:lnB w="6350" cap="flat" cmpd="sng" algn="ctr">
-                      <a:solidFill>
-                        <a:srgbClr val="000000"/>
-                      </a:solidFill>
-                      <a:prstDash val="solid"/>
-                      <a:round/>
-                      <a:headEnd type="none" w="med" len="med"/>
-                      <a:tailEnd type="none" w="med" len="med"/>
-                    </a:lnB>
-                    <a:solidFill>
-                      <a:schemeClr val="accent1">
-                        <a:lumMod val="20000"/>
-                        <a:lumOff val="80000"/>
-                      </a:schemeClr>
-                    </a:solidFill>
-                  </a:tcPr>
-                </a:tc>
-                <a:tc>
-                  <a:txBody>
-                    <a:bodyPr/>
-                    <a:lstStyle/>
-                    <a:p>
-                      <a:pPr algn="l" fontAlgn="b"/>
-                      <a:r>
-                        <a:rPr lang="en-US" sz="1600" b="0" i="0" u="none" strike="noStrike" dirty="0">
-                          <a:solidFill>
-                            <a:srgbClr val="000000"/>
-                          </a:solidFill>
-                          <a:effectLst/>
-                          <a:latin typeface="+mn-lt"/>
-                        </a:rPr>
-                        <a:t>Moderate</a:t>
-                      </a:r>
-                    </a:p>
-                  </a:txBody>
-                  <a:tcPr marL="9525" marR="9525" marT="9525" marB="0" anchor="b">
-                    <a:lnL w="6350" cap="flat" cmpd="sng" algn="ctr">
-                      <a:solidFill>
-                        <a:srgbClr val="000000"/>
-                      </a:solidFill>
-                      <a:prstDash val="solid"/>
-                      <a:round/>
-                      <a:headEnd type="none" w="med" len="med"/>
-                      <a:tailEnd type="none" w="med" len="med"/>
-                    </a:lnL>
-                    <a:lnR w="6350" cap="flat" cmpd="sng" algn="ctr">
-                      <a:solidFill>
-                        <a:srgbClr val="000000"/>
-                      </a:solidFill>
-                      <a:prstDash val="solid"/>
-                      <a:round/>
-                      <a:headEnd type="none" w="med" len="med"/>
-                      <a:tailEnd type="none" w="med" len="med"/>
-                    </a:lnR>
-                    <a:lnT w="6350" cap="flat" cmpd="sng" algn="ctr">
-                      <a:solidFill>
-                        <a:srgbClr val="000000"/>
-                      </a:solidFill>
-                      <a:prstDash val="solid"/>
-                      <a:round/>
-                      <a:headEnd type="none" w="med" len="med"/>
-                      <a:tailEnd type="none" w="med" len="med"/>
-                    </a:lnT>
-                    <a:lnB w="6350" cap="flat" cmpd="sng" algn="ctr">
-                      <a:solidFill>
-                        <a:srgbClr val="000000"/>
-                      </a:solidFill>
-                      <a:prstDash val="solid"/>
-                      <a:round/>
-                      <a:headEnd type="none" w="med" len="med"/>
-                      <a:tailEnd type="none" w="med" len="med"/>
-                    </a:lnB>
-                    <a:solidFill>
-                      <a:schemeClr val="accent1">
-                        <a:lumMod val="20000"/>
-                        <a:lumOff val="80000"/>
-                      </a:schemeClr>
-                    </a:solidFill>
-                  </a:tcPr>
-                </a:tc>
-                <a:extLst>
-                  <a:ext uri="{0D108BD9-81ED-4DB2-BD59-A6C34878D82A}">
-                    <a16:rowId xmlns:a16="http://schemas.microsoft.com/office/drawing/2014/main" val="2714143828"/>
-                  </a:ext>
-                </a:extLst>
-              </a:tr>
-              <a:tr h="342513">
-                <a:tc>
-                  <a:txBody>
-                    <a:bodyPr/>
-                    <a:lstStyle/>
-                    <a:p>
-                      <a:pPr algn="l" fontAlgn="b"/>
-                      <a:r>
-                        <a:rPr lang="en-US" sz="1600" b="0" i="0" u="none" strike="noStrike" dirty="0">
-                          <a:solidFill>
-                            <a:srgbClr val="000000"/>
-                          </a:solidFill>
-                          <a:effectLst/>
-                          <a:latin typeface="+mn-lt"/>
-                        </a:rPr>
-                        <a:t>r </a:t>
-                      </a:r>
-                      <a:r>
-                        <a:rPr lang="en-US" sz="1600" b="1" i="0" u="none" strike="noStrike" dirty="0">
-                          <a:solidFill>
-                            <a:srgbClr val="000000"/>
-                          </a:solidFill>
-                          <a:effectLst/>
-                          <a:latin typeface="+mn-lt"/>
-                        </a:rPr>
-                        <a:t>≥</a:t>
-                      </a:r>
-                      <a:r>
-                        <a:rPr lang="en-US" sz="1600" b="0" i="0" u="none" strike="noStrike" dirty="0">
-                          <a:solidFill>
-                            <a:srgbClr val="000000"/>
-                          </a:solidFill>
-                          <a:effectLst/>
-                          <a:latin typeface="+mn-lt"/>
-                        </a:rPr>
-                        <a:t> 0.7</a:t>
-                      </a:r>
-                    </a:p>
-                  </a:txBody>
-                  <a:tcPr marL="9525" marR="9525" marT="9525" marB="0" anchor="b">
-                    <a:lnL w="6350" cap="flat" cmpd="sng" algn="ctr">
-                      <a:solidFill>
-                        <a:srgbClr val="000000"/>
-                      </a:solidFill>
-                      <a:prstDash val="solid"/>
-                      <a:round/>
-                      <a:headEnd type="none" w="med" len="med"/>
-                      <a:tailEnd type="none" w="med" len="med"/>
-                    </a:lnL>
-                    <a:lnR w="6350" cap="flat" cmpd="sng" algn="ctr">
-                      <a:solidFill>
-                        <a:srgbClr val="000000"/>
-                      </a:solidFill>
-                      <a:prstDash val="solid"/>
-                      <a:round/>
-                      <a:headEnd type="none" w="med" len="med"/>
-                      <a:tailEnd type="none" w="med" len="med"/>
-                    </a:lnR>
-                    <a:lnT w="6350" cap="flat" cmpd="sng" algn="ctr">
-                      <a:solidFill>
-                        <a:srgbClr val="000000"/>
-                      </a:solidFill>
-                      <a:prstDash val="solid"/>
-                      <a:round/>
-                      <a:headEnd type="none" w="med" len="med"/>
-                      <a:tailEnd type="none" w="med" len="med"/>
-                    </a:lnT>
-                    <a:lnB w="6350" cap="flat" cmpd="sng" algn="ctr">
-                      <a:solidFill>
-                        <a:srgbClr val="000000"/>
-                      </a:solidFill>
-                      <a:prstDash val="solid"/>
-                      <a:round/>
-                      <a:headEnd type="none" w="med" len="med"/>
-                      <a:tailEnd type="none" w="med" len="med"/>
-                    </a:lnB>
-                    <a:solidFill>
-                      <a:schemeClr val="accent1">
-                        <a:lumMod val="20000"/>
-                        <a:lumOff val="80000"/>
-                      </a:schemeClr>
-                    </a:solidFill>
-                  </a:tcPr>
-                </a:tc>
-                <a:tc>
-                  <a:txBody>
-                    <a:bodyPr/>
-                    <a:lstStyle/>
-                    <a:p>
-                      <a:pPr algn="l" fontAlgn="b"/>
-                      <a:r>
-                        <a:rPr lang="en-US" sz="1600" b="0" i="0" u="none" strike="noStrike" dirty="0">
-                          <a:solidFill>
-                            <a:srgbClr val="000000"/>
-                          </a:solidFill>
-                          <a:effectLst/>
-                          <a:latin typeface="+mn-lt"/>
-                        </a:rPr>
-                        <a:t>Strong</a:t>
-                      </a:r>
-                    </a:p>
-                  </a:txBody>
-                  <a:tcPr marL="9525" marR="9525" marT="9525" marB="0" anchor="b">
-                    <a:lnL w="6350" cap="flat" cmpd="sng" algn="ctr">
-                      <a:solidFill>
-                        <a:srgbClr val="000000"/>
-                      </a:solidFill>
-                      <a:prstDash val="solid"/>
-                      <a:round/>
-                      <a:headEnd type="none" w="med" len="med"/>
-                      <a:tailEnd type="none" w="med" len="med"/>
-                    </a:lnL>
-                    <a:lnR w="6350" cap="flat" cmpd="sng" algn="ctr">
-                      <a:solidFill>
-                        <a:srgbClr val="000000"/>
-                      </a:solidFill>
-                      <a:prstDash val="solid"/>
-                      <a:round/>
-                      <a:headEnd type="none" w="med" len="med"/>
-                      <a:tailEnd type="none" w="med" len="med"/>
-                    </a:lnR>
-                    <a:lnT w="6350" cap="flat" cmpd="sng" algn="ctr">
-                      <a:solidFill>
-                        <a:srgbClr val="000000"/>
-                      </a:solidFill>
-                      <a:prstDash val="solid"/>
-                      <a:round/>
-                      <a:headEnd type="none" w="med" len="med"/>
-                      <a:tailEnd type="none" w="med" len="med"/>
-                    </a:lnT>
-                    <a:lnB w="6350" cap="flat" cmpd="sng" algn="ctr">
-                      <a:solidFill>
-                        <a:srgbClr val="000000"/>
-                      </a:solidFill>
-                      <a:prstDash val="solid"/>
-                      <a:round/>
-                      <a:headEnd type="none" w="med" len="med"/>
-                      <a:tailEnd type="none" w="med" len="med"/>
-                    </a:lnB>
-                    <a:solidFill>
-                      <a:schemeClr val="accent1">
-                        <a:lumMod val="20000"/>
-                        <a:lumOff val="80000"/>
-                      </a:schemeClr>
-                    </a:solidFill>
-                  </a:tcPr>
-                </a:tc>
-                <a:extLst>
-                  <a:ext uri="{0D108BD9-81ED-4DB2-BD59-A6C34878D82A}">
-                    <a16:rowId xmlns:a16="http://schemas.microsoft.com/office/drawing/2014/main" val="2547993820"/>
-                  </a:ext>
-                </a:extLst>
-              </a:tr>
-            </a:tbl>
-          </a:graphicData>
-        </a:graphic>
-      </p:graphicFrame>
-      <p:pic>
-        <p:nvPicPr>
-          <p:cNvPr id="7" name="Graphic 6" descr="Back RTL">
-            <a:extLst>
-              <a:ext uri="{FF2B5EF4-FFF2-40B4-BE49-F238E27FC236}">
-                <a16:creationId xmlns:a16="http://schemas.microsoft.com/office/drawing/2014/main" id="{EF112EA1-977F-5D44-B975-8E5A078E7944}"/>
-              </a:ext>
-            </a:extLst>
-          </p:cNvPr>
-          <p:cNvPicPr>
-            <a:picLocks noChangeAspect="1"/>
-          </p:cNvPicPr>
-          <p:nvPr/>
-        </p:nvPicPr>
-        <p:blipFill>
-          <a:blip r:embed="rId3">
-            <a:extLst>
-              <a:ext uri="{96DAC541-7B7A-43D3-8B79-37D633B846F1}">
-                <asvg:svgBlip xmlns:asvg="http://schemas.microsoft.com/office/drawing/2016/SVG/main" r:embed="rId4"/>
-              </a:ext>
-            </a:extLst>
-          </a:blip>
-          <a:stretch>
-            <a:fillRect/>
-          </a:stretch>
-        </p:blipFill>
-        <p:spPr>
-          <a:xfrm>
-            <a:off x="3993266" y="584344"/>
-            <a:ext cx="2353011" cy="2353011"/>
-          </a:xfrm>
-          <a:prstGeom prst="rect">
-            <a:avLst/>
-          </a:prstGeom>
-          <a:effectLst>
-            <a:innerShdw blurRad="63500" dist="50800" dir="13500000">
-              <a:prstClr val="black">
-                <a:alpha val="50000"/>
-              </a:prstClr>
-            </a:innerShdw>
-          </a:effectLst>
-        </p:spPr>
-      </p:pic>
-      <p:graphicFrame>
-        <p:nvGraphicFramePr>
-          <p:cNvPr id="4" name="Table 3">
-            <a:extLst>
-              <a:ext uri="{FF2B5EF4-FFF2-40B4-BE49-F238E27FC236}">
-                <a16:creationId xmlns:a16="http://schemas.microsoft.com/office/drawing/2014/main" id="{4627C27B-2358-BA47-8EBD-A18DAFC9D901}"/>
-              </a:ext>
-            </a:extLst>
-          </p:cNvPr>
-          <p:cNvGraphicFramePr>
-            <a:graphicFrameLocks noGrp="1"/>
-          </p:cNvGraphicFramePr>
-          <p:nvPr>
-            <p:extLst>
-              <p:ext uri="{D42A27DB-BD31-4B8C-83A1-F6EECF244321}">
-                <p14:modId xmlns:p14="http://schemas.microsoft.com/office/powerpoint/2010/main" val="1692003027"/>
-              </p:ext>
-            </p:extLst>
-          </p:nvPr>
-        </p:nvGraphicFramePr>
-        <p:xfrm>
-          <a:off x="81023" y="2937356"/>
-          <a:ext cx="12023390" cy="3613915"/>
-        </p:xfrm>
-        <a:graphic>
-          <a:graphicData uri="http://schemas.openxmlformats.org/drawingml/2006/table">
-            <a:tbl>
-              <a:tblPr>
-                <a:effectLst>
-                  <a:innerShdw blurRad="63500" dist="50800" dir="18900000">
-                    <a:prstClr val="black">
-                      <a:alpha val="50000"/>
-                    </a:prstClr>
-                  </a:innerShdw>
-                </a:effectLst>
-              </a:tblPr>
-              <a:tblGrid>
-                <a:gridCol w="2591731">
-                  <a:extLst>
-                    <a:ext uri="{9D8B030D-6E8A-4147-A177-3AD203B41FA5}">
-                      <a16:colId xmlns:a16="http://schemas.microsoft.com/office/drawing/2014/main" val="897188322"/>
-                    </a:ext>
-                  </a:extLst>
-                </a:gridCol>
-                <a:gridCol w="897040">
-                  <a:extLst>
-                    <a:ext uri="{9D8B030D-6E8A-4147-A177-3AD203B41FA5}">
-                      <a16:colId xmlns:a16="http://schemas.microsoft.com/office/drawing/2014/main" val="1809323920"/>
-                    </a:ext>
-                  </a:extLst>
-                </a:gridCol>
-                <a:gridCol w="1111107">
-                  <a:extLst>
-                    <a:ext uri="{9D8B030D-6E8A-4147-A177-3AD203B41FA5}">
-                      <a16:colId xmlns:a16="http://schemas.microsoft.com/office/drawing/2014/main" val="2389632406"/>
-                    </a:ext>
-                  </a:extLst>
-                </a:gridCol>
-                <a:gridCol w="1827208">
-                  <a:extLst>
-                    <a:ext uri="{9D8B030D-6E8A-4147-A177-3AD203B41FA5}">
-                      <a16:colId xmlns:a16="http://schemas.microsoft.com/office/drawing/2014/main" val="3882632575"/>
-                    </a:ext>
-                  </a:extLst>
-                </a:gridCol>
-                <a:gridCol w="5596304">
-                  <a:extLst>
-                    <a:ext uri="{9D8B030D-6E8A-4147-A177-3AD203B41FA5}">
-                      <a16:colId xmlns:a16="http://schemas.microsoft.com/office/drawing/2014/main" val="3497280623"/>
-                    </a:ext>
-                  </a:extLst>
-                </a:gridCol>
-              </a:tblGrid>
-              <a:tr h="717265">
-                <a:tc>
-                  <a:txBody>
-                    <a:bodyPr/>
-                    <a:lstStyle/>
-                    <a:p>
-                      <a:pPr algn="ctr" fontAlgn="b"/>
-                      <a:r>
-                        <a:rPr lang="en-US" sz="1400" b="1" i="0" u="none" strike="noStrike" dirty="0">
-                          <a:solidFill>
-                            <a:srgbClr val="000000"/>
-                          </a:solidFill>
-                          <a:effectLst/>
-                          <a:latin typeface="+mn-lt"/>
-                        </a:rPr>
-                        <a:t>Relationship</a:t>
-                      </a:r>
-                    </a:p>
-                  </a:txBody>
-                  <a:tcPr marL="6720" marR="6720" marT="6720" marB="0" anchor="b">
-                    <a:lnL w="6350" cap="flat" cmpd="sng" algn="ctr">
-                      <a:solidFill>
-                        <a:srgbClr val="000000"/>
-                      </a:solidFill>
-                      <a:prstDash val="solid"/>
-                      <a:round/>
-                      <a:headEnd type="none" w="med" len="med"/>
-                      <a:tailEnd type="none" w="med" len="med"/>
-                    </a:lnL>
-                    <a:lnR w="6350" cap="flat" cmpd="sng" algn="ctr">
-                      <a:solidFill>
-                        <a:srgbClr val="000000"/>
-                      </a:solidFill>
-                      <a:prstDash val="solid"/>
-                      <a:round/>
-                      <a:headEnd type="none" w="med" len="med"/>
-                      <a:tailEnd type="none" w="med" len="med"/>
-                    </a:lnR>
-                    <a:lnT w="6350" cap="flat" cmpd="sng" algn="ctr">
-                      <a:solidFill>
-                        <a:srgbClr val="000000"/>
-                      </a:solidFill>
-                      <a:prstDash val="solid"/>
-                      <a:round/>
-                      <a:headEnd type="none" w="med" len="med"/>
-                      <a:tailEnd type="none" w="med" len="med"/>
-                    </a:lnT>
-                    <a:lnB w="6350" cap="flat" cmpd="sng" algn="ctr">
-                      <a:solidFill>
-                        <a:srgbClr val="000000"/>
-                      </a:solidFill>
-                      <a:prstDash val="solid"/>
-                      <a:round/>
-                      <a:headEnd type="none" w="med" len="med"/>
-                      <a:tailEnd type="none" w="med" len="med"/>
-                    </a:lnB>
-                    <a:solidFill>
-                      <a:schemeClr val="tx1"/>
-                    </a:solidFill>
-                  </a:tcPr>
-                </a:tc>
-                <a:tc>
-                  <a:txBody>
-                    <a:bodyPr/>
-                    <a:lstStyle/>
-                    <a:p>
-                      <a:pPr algn="ctr" fontAlgn="b"/>
-                      <a:r>
-                        <a:rPr lang="en-US" sz="1400" b="1" i="0" u="none" strike="noStrike" dirty="0">
-                          <a:solidFill>
-                            <a:srgbClr val="000000"/>
-                          </a:solidFill>
-                          <a:effectLst/>
-                          <a:latin typeface="+mn-lt"/>
-                        </a:rPr>
-                        <a:t>R²</a:t>
-                      </a:r>
-                    </a:p>
-                  </a:txBody>
-                  <a:tcPr marL="6720" marR="6720" marT="6720" marB="0" anchor="b">
-                    <a:lnL w="6350" cap="flat" cmpd="sng" algn="ctr">
-                      <a:solidFill>
-                        <a:srgbClr val="000000"/>
-                      </a:solidFill>
-                      <a:prstDash val="solid"/>
-                      <a:round/>
-                      <a:headEnd type="none" w="med" len="med"/>
-                      <a:tailEnd type="none" w="med" len="med"/>
-                    </a:lnL>
-                    <a:lnR w="6350" cap="flat" cmpd="sng" algn="ctr">
-                      <a:solidFill>
-                        <a:srgbClr val="000000"/>
-                      </a:solidFill>
-                      <a:prstDash val="solid"/>
-                      <a:round/>
-                      <a:headEnd type="none" w="med" len="med"/>
-                      <a:tailEnd type="none" w="med" len="med"/>
-                    </a:lnR>
-                    <a:lnT w="6350" cap="flat" cmpd="sng" algn="ctr">
-                      <a:solidFill>
-                        <a:srgbClr val="000000"/>
-                      </a:solidFill>
-                      <a:prstDash val="solid"/>
-                      <a:round/>
-                      <a:headEnd type="none" w="med" len="med"/>
-                      <a:tailEnd type="none" w="med" len="med"/>
-                    </a:lnT>
-                    <a:lnB w="6350" cap="flat" cmpd="sng" algn="ctr">
-                      <a:solidFill>
-                        <a:srgbClr val="000000"/>
-                      </a:solidFill>
-                      <a:prstDash val="solid"/>
-                      <a:round/>
-                      <a:headEnd type="none" w="med" len="med"/>
-                      <a:tailEnd type="none" w="med" len="med"/>
-                    </a:lnB>
-                    <a:solidFill>
-                      <a:schemeClr val="tx1"/>
-                    </a:solidFill>
-                  </a:tcPr>
-                </a:tc>
-                <a:tc>
-                  <a:txBody>
-                    <a:bodyPr/>
-                    <a:lstStyle/>
-                    <a:p>
-                      <a:pPr algn="ctr" fontAlgn="b"/>
-                      <a:r>
-                        <a:rPr lang="en-US" sz="1400" b="1" i="0" u="none" strike="noStrike" dirty="0">
-                          <a:solidFill>
-                            <a:srgbClr val="000000"/>
-                          </a:solidFill>
-                          <a:effectLst/>
-                          <a:latin typeface="+mn-lt"/>
-                        </a:rPr>
-                        <a:t>Pearson's r</a:t>
-                      </a:r>
-                    </a:p>
-                  </a:txBody>
-                  <a:tcPr marL="6720" marR="6720" marT="6720" marB="0" anchor="b">
-                    <a:lnL w="6350" cap="flat" cmpd="sng" algn="ctr">
-                      <a:solidFill>
-                        <a:srgbClr val="000000"/>
-                      </a:solidFill>
-                      <a:prstDash val="solid"/>
-                      <a:round/>
-                      <a:headEnd type="none" w="med" len="med"/>
-                      <a:tailEnd type="none" w="med" len="med"/>
-                    </a:lnL>
-                    <a:lnR w="6350" cap="flat" cmpd="sng" algn="ctr">
-                      <a:solidFill>
-                        <a:srgbClr val="000000"/>
-                      </a:solidFill>
-                      <a:prstDash val="solid"/>
-                      <a:round/>
-                      <a:headEnd type="none" w="med" len="med"/>
-                      <a:tailEnd type="none" w="med" len="med"/>
-                    </a:lnR>
-                    <a:lnT w="6350" cap="flat" cmpd="sng" algn="ctr">
-                      <a:solidFill>
-                        <a:srgbClr val="000000"/>
-                      </a:solidFill>
-                      <a:prstDash val="solid"/>
-                      <a:round/>
-                      <a:headEnd type="none" w="med" len="med"/>
-                      <a:tailEnd type="none" w="med" len="med"/>
-                    </a:lnT>
-                    <a:lnB w="6350" cap="flat" cmpd="sng" algn="ctr">
-                      <a:solidFill>
-                        <a:srgbClr val="000000"/>
-                      </a:solidFill>
-                      <a:prstDash val="solid"/>
-                      <a:round/>
-                      <a:headEnd type="none" w="med" len="med"/>
-                      <a:tailEnd type="none" w="med" len="med"/>
-                    </a:lnB>
-                    <a:solidFill>
-                      <a:schemeClr val="tx1"/>
-                    </a:solidFill>
-                  </a:tcPr>
-                </a:tc>
-                <a:tc>
-                  <a:txBody>
-                    <a:bodyPr/>
-                    <a:lstStyle/>
-                    <a:p>
-                      <a:pPr algn="ctr" fontAlgn="b"/>
-                      <a:r>
-                        <a:rPr lang="en-US" sz="1400" b="1" i="0" u="none" strike="noStrike" dirty="0">
-                          <a:solidFill>
-                            <a:srgbClr val="000000"/>
-                          </a:solidFill>
-                          <a:effectLst/>
-                          <a:latin typeface="+mn-lt"/>
-                        </a:rPr>
-                        <a:t>P Value</a:t>
-                      </a:r>
-                    </a:p>
-                  </a:txBody>
-                  <a:tcPr marL="6720" marR="6720" marT="6720" marB="0" anchor="b">
-                    <a:lnL w="6350" cap="flat" cmpd="sng" algn="ctr">
-                      <a:solidFill>
-                        <a:srgbClr val="000000"/>
-                      </a:solidFill>
-                      <a:prstDash val="solid"/>
-                      <a:round/>
-                      <a:headEnd type="none" w="med" len="med"/>
-                      <a:tailEnd type="none" w="med" len="med"/>
-                    </a:lnL>
-                    <a:lnR w="6350" cap="flat" cmpd="sng" algn="ctr">
-                      <a:solidFill>
-                        <a:srgbClr val="000000"/>
-                      </a:solidFill>
-                      <a:prstDash val="solid"/>
-                      <a:round/>
-                      <a:headEnd type="none" w="med" len="med"/>
-                      <a:tailEnd type="none" w="med" len="med"/>
-                    </a:lnR>
-                    <a:lnT w="6350" cap="flat" cmpd="sng" algn="ctr">
-                      <a:solidFill>
-                        <a:srgbClr val="000000"/>
-                      </a:solidFill>
-                      <a:prstDash val="solid"/>
-                      <a:round/>
-                      <a:headEnd type="none" w="med" len="med"/>
-                      <a:tailEnd type="none" w="med" len="med"/>
-                    </a:lnT>
-                    <a:lnB w="6350" cap="flat" cmpd="sng" algn="ctr">
-                      <a:solidFill>
-                        <a:srgbClr val="000000"/>
-                      </a:solidFill>
-                      <a:prstDash val="solid"/>
-                      <a:round/>
-                      <a:headEnd type="none" w="med" len="med"/>
-                      <a:tailEnd type="none" w="med" len="med"/>
-                    </a:lnB>
-                    <a:solidFill>
-                      <a:schemeClr val="tx1"/>
-                    </a:solidFill>
-                  </a:tcPr>
-                </a:tc>
-                <a:tc>
-                  <a:txBody>
-                    <a:bodyPr/>
-                    <a:lstStyle/>
-                    <a:p>
-                      <a:pPr algn="ctr" fontAlgn="b"/>
-                      <a:r>
-                        <a:rPr lang="en-US" sz="1400" b="1" i="0" u="none" strike="noStrike" dirty="0">
-                          <a:solidFill>
-                            <a:srgbClr val="000000"/>
-                          </a:solidFill>
-                          <a:effectLst/>
-                          <a:latin typeface="+mn-lt"/>
-                        </a:rPr>
-                        <a:t>Meaning</a:t>
-                      </a:r>
-                    </a:p>
-                  </a:txBody>
-                  <a:tcPr marL="6720" marR="6720" marT="6720" marB="0" anchor="b">
-                    <a:lnL w="6350" cap="flat" cmpd="sng" algn="ctr">
-                      <a:solidFill>
-                        <a:srgbClr val="000000"/>
-                      </a:solidFill>
-                      <a:prstDash val="solid"/>
-                      <a:round/>
-                      <a:headEnd type="none" w="med" len="med"/>
-                      <a:tailEnd type="none" w="med" len="med"/>
-                    </a:lnL>
-                    <a:lnR w="6350" cap="flat" cmpd="sng" algn="ctr">
-                      <a:solidFill>
-                        <a:srgbClr val="000000"/>
-                      </a:solidFill>
-                      <a:prstDash val="solid"/>
-                      <a:round/>
-                      <a:headEnd type="none" w="med" len="med"/>
-                      <a:tailEnd type="none" w="med" len="med"/>
-                    </a:lnR>
-                    <a:lnT w="6350" cap="flat" cmpd="sng" algn="ctr">
-                      <a:solidFill>
-                        <a:srgbClr val="000000"/>
-                      </a:solidFill>
-                      <a:prstDash val="solid"/>
-                      <a:round/>
-                      <a:headEnd type="none" w="med" len="med"/>
-                      <a:tailEnd type="none" w="med" len="med"/>
-                    </a:lnT>
-                    <a:lnB w="6350" cap="flat" cmpd="sng" algn="ctr">
-                      <a:solidFill>
-                        <a:srgbClr val="000000"/>
-                      </a:solidFill>
-                      <a:prstDash val="solid"/>
-                      <a:round/>
-                      <a:headEnd type="none" w="med" len="med"/>
-                      <a:tailEnd type="none" w="med" len="med"/>
-                    </a:lnB>
-                    <a:solidFill>
-                      <a:schemeClr val="tx1"/>
-                    </a:solidFill>
-                  </a:tcPr>
-                </a:tc>
-                <a:extLst>
-                  <a:ext uri="{0D108BD9-81ED-4DB2-BD59-A6C34878D82A}">
-                    <a16:rowId xmlns:a16="http://schemas.microsoft.com/office/drawing/2014/main" val="3717183638"/>
-                  </a:ext>
-                </a:extLst>
-              </a:tr>
-              <a:tr h="579330">
-                <a:tc>
-                  <a:txBody>
-                    <a:bodyPr/>
-                    <a:lstStyle/>
-                    <a:p>
-                      <a:pPr algn="l" fontAlgn="b"/>
-                      <a:r>
-                        <a:rPr lang="en-US" sz="1300" b="0" i="0" u="none" strike="noStrike">
-                          <a:solidFill>
-                            <a:srgbClr val="000000"/>
-                          </a:solidFill>
-                          <a:effectLst/>
-                          <a:latin typeface="+mn-lt"/>
-                        </a:rPr>
-                        <a:t>Auto Sales v Gas Price</a:t>
-                      </a:r>
-                    </a:p>
-                  </a:txBody>
-                  <a:tcPr marL="6720" marR="6720" marT="6720" marB="0" anchor="b">
-                    <a:lnL w="6350" cap="flat" cmpd="sng" algn="ctr">
-                      <a:solidFill>
-                        <a:srgbClr val="000000"/>
-                      </a:solidFill>
-                      <a:prstDash val="solid"/>
-                      <a:round/>
-                      <a:headEnd type="none" w="med" len="med"/>
-                      <a:tailEnd type="none" w="med" len="med"/>
-                    </a:lnL>
-                    <a:lnR w="6350" cap="flat" cmpd="sng" algn="ctr">
-                      <a:solidFill>
-                        <a:srgbClr val="000000"/>
-                      </a:solidFill>
-                      <a:prstDash val="solid"/>
-                      <a:round/>
-                      <a:headEnd type="none" w="med" len="med"/>
-                      <a:tailEnd type="none" w="med" len="med"/>
-                    </a:lnR>
-                    <a:lnT w="6350" cap="flat" cmpd="sng" algn="ctr">
-                      <a:solidFill>
-                        <a:srgbClr val="000000"/>
-                      </a:solidFill>
-                      <a:prstDash val="solid"/>
-                      <a:round/>
-                      <a:headEnd type="none" w="med" len="med"/>
-                      <a:tailEnd type="none" w="med" len="med"/>
-                    </a:lnT>
-                    <a:lnB w="6350" cap="flat" cmpd="sng" algn="ctr">
-                      <a:solidFill>
-                        <a:srgbClr val="000000"/>
-                      </a:solidFill>
-                      <a:prstDash val="solid"/>
-                      <a:round/>
-                      <a:headEnd type="none" w="med" len="med"/>
-                      <a:tailEnd type="none" w="med" len="med"/>
-                    </a:lnB>
-                    <a:solidFill>
-                      <a:schemeClr val="tx1"/>
-                    </a:solidFill>
-                  </a:tcPr>
-                </a:tc>
-                <a:tc>
-                  <a:txBody>
-                    <a:bodyPr/>
-                    <a:lstStyle/>
-                    <a:p>
-                      <a:pPr algn="ctr" fontAlgn="b"/>
-                      <a:r>
-                        <a:rPr lang="en-US" sz="1350" b="0" i="0" u="none" strike="noStrike" dirty="0">
-                          <a:solidFill>
-                            <a:srgbClr val="000000"/>
-                          </a:solidFill>
-                          <a:effectLst/>
-                          <a:latin typeface="+mn-lt"/>
-                        </a:rPr>
-                        <a:t>0.000444</a:t>
-                      </a:r>
-                    </a:p>
-                  </a:txBody>
-                  <a:tcPr marL="6720" marR="6720" marT="6720" marB="0" anchor="b">
-                    <a:lnL w="6350" cap="flat" cmpd="sng" algn="ctr">
-                      <a:solidFill>
-                        <a:srgbClr val="000000"/>
-                      </a:solidFill>
-                      <a:prstDash val="solid"/>
-                      <a:round/>
-                      <a:headEnd type="none" w="med" len="med"/>
-                      <a:tailEnd type="none" w="med" len="med"/>
-                    </a:lnL>
-                    <a:lnR w="6350" cap="flat" cmpd="sng" algn="ctr">
-                      <a:solidFill>
-                        <a:srgbClr val="000000"/>
-                      </a:solidFill>
-                      <a:prstDash val="solid"/>
-                      <a:round/>
-                      <a:headEnd type="none" w="med" len="med"/>
-                      <a:tailEnd type="none" w="med" len="med"/>
-                    </a:lnR>
-                    <a:lnT w="6350" cap="flat" cmpd="sng" algn="ctr">
-                      <a:solidFill>
-                        <a:srgbClr val="000000"/>
-                      </a:solidFill>
-                      <a:prstDash val="solid"/>
-                      <a:round/>
-                      <a:headEnd type="none" w="med" len="med"/>
-                      <a:tailEnd type="none" w="med" len="med"/>
-                    </a:lnT>
-                    <a:lnB w="6350" cap="flat" cmpd="sng" algn="ctr">
-                      <a:solidFill>
-                        <a:srgbClr val="000000"/>
-                      </a:solidFill>
-                      <a:prstDash val="solid"/>
-                      <a:round/>
-                      <a:headEnd type="none" w="med" len="med"/>
-                      <a:tailEnd type="none" w="med" len="med"/>
-                    </a:lnB>
-                    <a:solidFill>
-                      <a:schemeClr val="tx1"/>
-                    </a:solidFill>
-                  </a:tcPr>
-                </a:tc>
-                <a:tc>
-                  <a:txBody>
-                    <a:bodyPr/>
-                    <a:lstStyle/>
-                    <a:p>
-                      <a:pPr algn="ctr" fontAlgn="b"/>
-                      <a:r>
-                        <a:rPr lang="en-US" sz="1350" b="0" i="0" u="none" strike="noStrike" dirty="0">
-                          <a:solidFill>
-                            <a:srgbClr val="000000"/>
-                          </a:solidFill>
-                          <a:effectLst/>
-                          <a:latin typeface="+mn-lt"/>
-                        </a:rPr>
-                        <a:t>-0.02</a:t>
-                      </a:r>
-                    </a:p>
-                  </a:txBody>
-                  <a:tcPr marL="6720" marR="6720" marT="6720" marB="0" anchor="b">
-                    <a:lnL w="6350" cap="flat" cmpd="sng" algn="ctr">
-                      <a:solidFill>
-                        <a:srgbClr val="000000"/>
-                      </a:solidFill>
-                      <a:prstDash val="solid"/>
-                      <a:round/>
-                      <a:headEnd type="none" w="med" len="med"/>
-                      <a:tailEnd type="none" w="med" len="med"/>
-                    </a:lnL>
-                    <a:lnR w="6350" cap="flat" cmpd="sng" algn="ctr">
-                      <a:solidFill>
-                        <a:srgbClr val="000000"/>
-                      </a:solidFill>
-                      <a:prstDash val="solid"/>
-                      <a:round/>
-                      <a:headEnd type="none" w="med" len="med"/>
-                      <a:tailEnd type="none" w="med" len="med"/>
-                    </a:lnR>
-                    <a:lnT w="6350" cap="flat" cmpd="sng" algn="ctr">
-                      <a:solidFill>
-                        <a:srgbClr val="000000"/>
-                      </a:solidFill>
-                      <a:prstDash val="solid"/>
-                      <a:round/>
-                      <a:headEnd type="none" w="med" len="med"/>
-                      <a:tailEnd type="none" w="med" len="med"/>
-                    </a:lnT>
-                    <a:lnB w="6350" cap="flat" cmpd="sng" algn="ctr">
-                      <a:solidFill>
-                        <a:srgbClr val="000000"/>
-                      </a:solidFill>
-                      <a:prstDash val="solid"/>
-                      <a:round/>
-                      <a:headEnd type="none" w="med" len="med"/>
-                      <a:tailEnd type="none" w="med" len="med"/>
-                    </a:lnB>
-                    <a:solidFill>
-                      <a:schemeClr val="tx1"/>
-                    </a:solidFill>
-                  </a:tcPr>
-                </a:tc>
-                <a:tc>
-                  <a:txBody>
-                    <a:bodyPr/>
-                    <a:lstStyle/>
-                    <a:p>
-                      <a:pPr algn="ctr" fontAlgn="b"/>
-                      <a:r>
-                        <a:rPr lang="en-US" sz="1350" b="0" i="0" u="none" strike="noStrike" dirty="0">
-                          <a:solidFill>
-                            <a:srgbClr val="000000"/>
-                          </a:solidFill>
-                          <a:effectLst/>
-                          <a:latin typeface="+mn-lt"/>
-                        </a:rPr>
-                        <a:t>0.768033294</a:t>
-                      </a:r>
-                    </a:p>
-                  </a:txBody>
-                  <a:tcPr marL="6720" marR="6720" marT="6720" marB="0" anchor="b">
-                    <a:lnL w="6350" cap="flat" cmpd="sng" algn="ctr">
-                      <a:solidFill>
-                        <a:srgbClr val="000000"/>
-                      </a:solidFill>
-                      <a:prstDash val="solid"/>
-                      <a:round/>
-                      <a:headEnd type="none" w="med" len="med"/>
-                      <a:tailEnd type="none" w="med" len="med"/>
-                    </a:lnL>
-                    <a:lnR w="6350" cap="flat" cmpd="sng" algn="ctr">
-                      <a:solidFill>
-                        <a:srgbClr val="000000"/>
-                      </a:solidFill>
-                      <a:prstDash val="solid"/>
-                      <a:round/>
-                      <a:headEnd type="none" w="med" len="med"/>
-                      <a:tailEnd type="none" w="med" len="med"/>
-                    </a:lnR>
-                    <a:lnT w="6350" cap="flat" cmpd="sng" algn="ctr">
-                      <a:solidFill>
-                        <a:srgbClr val="000000"/>
-                      </a:solidFill>
-                      <a:prstDash val="solid"/>
-                      <a:round/>
-                      <a:headEnd type="none" w="med" len="med"/>
-                      <a:tailEnd type="none" w="med" len="med"/>
-                    </a:lnT>
-                    <a:lnB w="6350" cap="flat" cmpd="sng" algn="ctr">
-                      <a:solidFill>
-                        <a:srgbClr val="000000"/>
-                      </a:solidFill>
-                      <a:prstDash val="solid"/>
-                      <a:round/>
-                      <a:headEnd type="none" w="med" len="med"/>
-                      <a:tailEnd type="none" w="med" len="med"/>
-                    </a:lnB>
-                    <a:solidFill>
-                      <a:schemeClr val="tx1"/>
-                    </a:solidFill>
-                  </a:tcPr>
-                </a:tc>
-                <a:tc>
-                  <a:txBody>
-                    <a:bodyPr/>
-                    <a:lstStyle/>
-                    <a:p>
-                      <a:pPr algn="l" fontAlgn="b"/>
-                      <a:r>
-                        <a:rPr lang="en-US" sz="1200" b="0" i="0" u="none" strike="noStrike" dirty="0">
-                          <a:solidFill>
-                            <a:srgbClr val="000000"/>
-                          </a:solidFill>
-                          <a:effectLst/>
-                          <a:latin typeface="+mn-lt"/>
-                        </a:rPr>
-                        <a:t>Accounts for hardly any of the data: Correlation: None or very weak   </a:t>
-                      </a:r>
-                    </a:p>
-                  </a:txBody>
-                  <a:tcPr marL="6720" marR="6720" marT="6720" marB="0" anchor="b">
-                    <a:lnL w="6350" cap="flat" cmpd="sng" algn="ctr">
-                      <a:solidFill>
-                        <a:srgbClr val="000000"/>
-                      </a:solidFill>
-                      <a:prstDash val="solid"/>
-                      <a:round/>
-                      <a:headEnd type="none" w="med" len="med"/>
-                      <a:tailEnd type="none" w="med" len="med"/>
-                    </a:lnL>
-                    <a:lnR w="6350" cap="flat" cmpd="sng" algn="ctr">
-                      <a:solidFill>
-                        <a:srgbClr val="000000"/>
-                      </a:solidFill>
-                      <a:prstDash val="solid"/>
-                      <a:round/>
-                      <a:headEnd type="none" w="med" len="med"/>
-                      <a:tailEnd type="none" w="med" len="med"/>
-                    </a:lnR>
-                    <a:lnT w="6350" cap="flat" cmpd="sng" algn="ctr">
-                      <a:solidFill>
-                        <a:srgbClr val="000000"/>
-                      </a:solidFill>
-                      <a:prstDash val="solid"/>
-                      <a:round/>
-                      <a:headEnd type="none" w="med" len="med"/>
-                      <a:tailEnd type="none" w="med" len="med"/>
-                    </a:lnT>
-                    <a:lnB w="6350" cap="flat" cmpd="sng" algn="ctr">
-                      <a:solidFill>
-                        <a:srgbClr val="000000"/>
-                      </a:solidFill>
-                      <a:prstDash val="solid"/>
-                      <a:round/>
-                      <a:headEnd type="none" w="med" len="med"/>
-                      <a:tailEnd type="none" w="med" len="med"/>
-                    </a:lnB>
-                    <a:solidFill>
-                      <a:schemeClr val="tx1"/>
-                    </a:solidFill>
-                  </a:tcPr>
-                </a:tc>
-                <a:extLst>
-                  <a:ext uri="{0D108BD9-81ED-4DB2-BD59-A6C34878D82A}">
-                    <a16:rowId xmlns:a16="http://schemas.microsoft.com/office/drawing/2014/main" val="1825058878"/>
-                  </a:ext>
-                </a:extLst>
-              </a:tr>
-              <a:tr h="579330">
-                <a:tc>
-                  <a:txBody>
-                    <a:bodyPr/>
-                    <a:lstStyle/>
-                    <a:p>
-                      <a:pPr algn="l" fontAlgn="b"/>
-                      <a:r>
-                        <a:rPr lang="en-US" sz="1300" b="0" i="0" u="none" strike="noStrike">
-                          <a:solidFill>
-                            <a:srgbClr val="000000"/>
-                          </a:solidFill>
-                          <a:effectLst/>
-                          <a:latin typeface="+mn-lt"/>
-                        </a:rPr>
-                        <a:t>Auto Sales v Unemployment</a:t>
-                      </a:r>
-                    </a:p>
-                  </a:txBody>
-                  <a:tcPr marL="6720" marR="6720" marT="6720" marB="0" anchor="b">
-                    <a:lnL w="6350" cap="flat" cmpd="sng" algn="ctr">
-                      <a:solidFill>
-                        <a:srgbClr val="000000"/>
-                      </a:solidFill>
-                      <a:prstDash val="solid"/>
-                      <a:round/>
-                      <a:headEnd type="none" w="med" len="med"/>
-                      <a:tailEnd type="none" w="med" len="med"/>
-                    </a:lnL>
-                    <a:lnR w="6350" cap="flat" cmpd="sng" algn="ctr">
-                      <a:solidFill>
-                        <a:srgbClr val="000000"/>
-                      </a:solidFill>
-                      <a:prstDash val="solid"/>
-                      <a:round/>
-                      <a:headEnd type="none" w="med" len="med"/>
-                      <a:tailEnd type="none" w="med" len="med"/>
-                    </a:lnR>
-                    <a:lnT w="6350" cap="flat" cmpd="sng" algn="ctr">
-                      <a:solidFill>
-                        <a:srgbClr val="000000"/>
-                      </a:solidFill>
-                      <a:prstDash val="solid"/>
-                      <a:round/>
-                      <a:headEnd type="none" w="med" len="med"/>
-                      <a:tailEnd type="none" w="med" len="med"/>
-                    </a:lnT>
-                    <a:lnB w="6350" cap="flat" cmpd="sng" algn="ctr">
-                      <a:solidFill>
-                        <a:srgbClr val="000000"/>
-                      </a:solidFill>
-                      <a:prstDash val="solid"/>
-                      <a:round/>
-                      <a:headEnd type="none" w="med" len="med"/>
-                      <a:tailEnd type="none" w="med" len="med"/>
-                    </a:lnB>
-                    <a:solidFill>
-                      <a:schemeClr val="tx1"/>
-                    </a:solidFill>
-                  </a:tcPr>
-                </a:tc>
-                <a:tc>
-                  <a:txBody>
-                    <a:bodyPr/>
-                    <a:lstStyle/>
-                    <a:p>
-                      <a:pPr algn="ctr" fontAlgn="b"/>
-                      <a:r>
-                        <a:rPr lang="en-US" sz="1350" b="0" i="0" u="none" strike="noStrike" dirty="0">
-                          <a:solidFill>
-                            <a:srgbClr val="000000"/>
-                          </a:solidFill>
-                          <a:effectLst/>
-                          <a:latin typeface="+mn-lt"/>
-                        </a:rPr>
-                        <a:t>0.378681</a:t>
-                      </a:r>
-                    </a:p>
-                  </a:txBody>
-                  <a:tcPr marL="6720" marR="6720" marT="6720" marB="0" anchor="b">
-                    <a:lnL w="6350" cap="flat" cmpd="sng" algn="ctr">
-                      <a:solidFill>
-                        <a:srgbClr val="000000"/>
-                      </a:solidFill>
-                      <a:prstDash val="solid"/>
-                      <a:round/>
-                      <a:headEnd type="none" w="med" len="med"/>
-                      <a:tailEnd type="none" w="med" len="med"/>
-                    </a:lnL>
-                    <a:lnR w="6350" cap="flat" cmpd="sng" algn="ctr">
-                      <a:solidFill>
-                        <a:srgbClr val="000000"/>
-                      </a:solidFill>
-                      <a:prstDash val="solid"/>
-                      <a:round/>
-                      <a:headEnd type="none" w="med" len="med"/>
-                      <a:tailEnd type="none" w="med" len="med"/>
-                    </a:lnR>
-                    <a:lnT w="6350" cap="flat" cmpd="sng" algn="ctr">
-                      <a:solidFill>
-                        <a:srgbClr val="000000"/>
-                      </a:solidFill>
-                      <a:prstDash val="solid"/>
-                      <a:round/>
-                      <a:headEnd type="none" w="med" len="med"/>
-                      <a:tailEnd type="none" w="med" len="med"/>
-                    </a:lnT>
-                    <a:lnB w="6350" cap="flat" cmpd="sng" algn="ctr">
-                      <a:solidFill>
-                        <a:srgbClr val="000000"/>
-                      </a:solidFill>
-                      <a:prstDash val="solid"/>
-                      <a:round/>
-                      <a:headEnd type="none" w="med" len="med"/>
-                      <a:tailEnd type="none" w="med" len="med"/>
-                    </a:lnB>
-                    <a:solidFill>
-                      <a:schemeClr val="tx1"/>
-                    </a:solidFill>
-                  </a:tcPr>
-                </a:tc>
-                <a:tc>
-                  <a:txBody>
-                    <a:bodyPr/>
-                    <a:lstStyle/>
-                    <a:p>
-                      <a:pPr algn="ctr" fontAlgn="b"/>
-                      <a:r>
-                        <a:rPr lang="en-US" sz="1350" b="0" i="0" u="none" strike="noStrike" dirty="0">
-                          <a:solidFill>
-                            <a:srgbClr val="000000"/>
-                          </a:solidFill>
-                          <a:effectLst/>
-                          <a:latin typeface="+mn-lt"/>
-                        </a:rPr>
-                        <a:t>-0.62</a:t>
-                      </a:r>
-                    </a:p>
-                  </a:txBody>
-                  <a:tcPr marL="6720" marR="6720" marT="6720" marB="0" anchor="b">
-                    <a:lnL w="6350" cap="flat" cmpd="sng" algn="ctr">
-                      <a:solidFill>
-                        <a:srgbClr val="000000"/>
-                      </a:solidFill>
-                      <a:prstDash val="solid"/>
-                      <a:round/>
-                      <a:headEnd type="none" w="med" len="med"/>
-                      <a:tailEnd type="none" w="med" len="med"/>
-                    </a:lnL>
-                    <a:lnR w="6350" cap="flat" cmpd="sng" algn="ctr">
-                      <a:solidFill>
-                        <a:srgbClr val="000000"/>
-                      </a:solidFill>
-                      <a:prstDash val="solid"/>
-                      <a:round/>
-                      <a:headEnd type="none" w="med" len="med"/>
-                      <a:tailEnd type="none" w="med" len="med"/>
-                    </a:lnR>
-                    <a:lnT w="6350" cap="flat" cmpd="sng" algn="ctr">
-                      <a:solidFill>
-                        <a:srgbClr val="000000"/>
-                      </a:solidFill>
-                      <a:prstDash val="solid"/>
-                      <a:round/>
-                      <a:headEnd type="none" w="med" len="med"/>
-                      <a:tailEnd type="none" w="med" len="med"/>
-                    </a:lnT>
-                    <a:lnB w="6350" cap="flat" cmpd="sng" algn="ctr">
-                      <a:solidFill>
-                        <a:srgbClr val="000000"/>
-                      </a:solidFill>
-                      <a:prstDash val="solid"/>
-                      <a:round/>
-                      <a:headEnd type="none" w="med" len="med"/>
-                      <a:tailEnd type="none" w="med" len="med"/>
-                    </a:lnB>
-                    <a:solidFill>
-                      <a:schemeClr val="tx1"/>
-                    </a:solidFill>
-                  </a:tcPr>
-                </a:tc>
-                <a:tc>
-                  <a:txBody>
-                    <a:bodyPr/>
-                    <a:lstStyle/>
-                    <a:p>
-                      <a:pPr algn="ctr" fontAlgn="b"/>
-                      <a:r>
-                        <a:rPr lang="en-US" sz="1350" b="0" i="0" u="none" strike="noStrike" dirty="0">
-                          <a:solidFill>
-                            <a:srgbClr val="000000"/>
-                          </a:solidFill>
-                          <a:effectLst/>
-                          <a:latin typeface="+mn-lt"/>
-                        </a:rPr>
-                        <a:t>5.09817E-22</a:t>
-                      </a:r>
-                    </a:p>
-                  </a:txBody>
-                  <a:tcPr marL="6720" marR="6720" marT="6720" marB="0" anchor="b">
-                    <a:lnL w="6350" cap="flat" cmpd="sng" algn="ctr">
-                      <a:solidFill>
-                        <a:srgbClr val="000000"/>
-                      </a:solidFill>
-                      <a:prstDash val="solid"/>
-                      <a:round/>
-                      <a:headEnd type="none" w="med" len="med"/>
-                      <a:tailEnd type="none" w="med" len="med"/>
-                    </a:lnL>
-                    <a:lnR w="6350" cap="flat" cmpd="sng" algn="ctr">
-                      <a:solidFill>
-                        <a:srgbClr val="000000"/>
-                      </a:solidFill>
-                      <a:prstDash val="solid"/>
-                      <a:round/>
-                      <a:headEnd type="none" w="med" len="med"/>
-                      <a:tailEnd type="none" w="med" len="med"/>
-                    </a:lnR>
-                    <a:lnT w="6350" cap="flat" cmpd="sng" algn="ctr">
-                      <a:solidFill>
-                        <a:srgbClr val="000000"/>
-                      </a:solidFill>
-                      <a:prstDash val="solid"/>
-                      <a:round/>
-                      <a:headEnd type="none" w="med" len="med"/>
-                      <a:tailEnd type="none" w="med" len="med"/>
-                    </a:lnT>
-                    <a:lnB w="6350" cap="flat" cmpd="sng" algn="ctr">
-                      <a:solidFill>
-                        <a:srgbClr val="000000"/>
-                      </a:solidFill>
-                      <a:prstDash val="solid"/>
-                      <a:round/>
-                      <a:headEnd type="none" w="med" len="med"/>
-                      <a:tailEnd type="none" w="med" len="med"/>
-                    </a:lnB>
-                    <a:solidFill>
-                      <a:schemeClr val="tx1"/>
-                    </a:solidFill>
-                  </a:tcPr>
-                </a:tc>
-                <a:tc>
-                  <a:txBody>
-                    <a:bodyPr/>
-                    <a:lstStyle/>
-                    <a:p>
-                      <a:pPr algn="l" fontAlgn="b"/>
-                      <a:r>
-                        <a:rPr lang="en-US" sz="1200" b="0" i="0" u="none" strike="noStrike" dirty="0">
-                          <a:solidFill>
-                            <a:srgbClr val="000000"/>
-                          </a:solidFill>
-                          <a:effectLst/>
-                          <a:latin typeface="+mn-lt"/>
-                        </a:rPr>
-                        <a:t>Accounts for roughly 38% of the data: Correlation: Moderate</a:t>
-                      </a:r>
-                    </a:p>
-                  </a:txBody>
-                  <a:tcPr marL="6720" marR="6720" marT="6720" marB="0" anchor="b">
-                    <a:lnL w="6350" cap="flat" cmpd="sng" algn="ctr">
-                      <a:solidFill>
-                        <a:srgbClr val="000000"/>
-                      </a:solidFill>
-                      <a:prstDash val="solid"/>
-                      <a:round/>
-                      <a:headEnd type="none" w="med" len="med"/>
-                      <a:tailEnd type="none" w="med" len="med"/>
-                    </a:lnL>
-                    <a:lnR w="6350" cap="flat" cmpd="sng" algn="ctr">
-                      <a:solidFill>
-                        <a:srgbClr val="000000"/>
-                      </a:solidFill>
-                      <a:prstDash val="solid"/>
-                      <a:round/>
-                      <a:headEnd type="none" w="med" len="med"/>
-                      <a:tailEnd type="none" w="med" len="med"/>
-                    </a:lnR>
-                    <a:lnT w="6350" cap="flat" cmpd="sng" algn="ctr">
-                      <a:solidFill>
-                        <a:srgbClr val="000000"/>
-                      </a:solidFill>
-                      <a:prstDash val="solid"/>
-                      <a:round/>
-                      <a:headEnd type="none" w="med" len="med"/>
-                      <a:tailEnd type="none" w="med" len="med"/>
-                    </a:lnT>
-                    <a:lnB w="6350" cap="flat" cmpd="sng" algn="ctr">
-                      <a:solidFill>
-                        <a:srgbClr val="000000"/>
-                      </a:solidFill>
-                      <a:prstDash val="solid"/>
-                      <a:round/>
-                      <a:headEnd type="none" w="med" len="med"/>
-                      <a:tailEnd type="none" w="med" len="med"/>
-                    </a:lnB>
-                    <a:solidFill>
-                      <a:schemeClr val="tx1"/>
-                    </a:solidFill>
-                  </a:tcPr>
-                </a:tc>
-                <a:extLst>
-                  <a:ext uri="{0D108BD9-81ED-4DB2-BD59-A6C34878D82A}">
-                    <a16:rowId xmlns:a16="http://schemas.microsoft.com/office/drawing/2014/main" val="1805397928"/>
-                  </a:ext>
-                </a:extLst>
-              </a:tr>
-              <a:tr h="579330">
-                <a:tc>
-                  <a:txBody>
-                    <a:bodyPr/>
-                    <a:lstStyle/>
-                    <a:p>
-                      <a:pPr algn="l" fontAlgn="b"/>
-                      <a:r>
-                        <a:rPr lang="en-US" sz="1300" b="0" i="0" u="none" strike="noStrike" dirty="0">
-                          <a:solidFill>
-                            <a:srgbClr val="000000"/>
-                          </a:solidFill>
-                          <a:effectLst/>
-                          <a:latin typeface="+mn-lt"/>
-                        </a:rPr>
-                        <a:t>Auto Sales v Steel Price Index</a:t>
-                      </a:r>
-                    </a:p>
-                  </a:txBody>
-                  <a:tcPr marL="6720" marR="6720" marT="6720" marB="0" anchor="b">
-                    <a:lnL w="6350" cap="flat" cmpd="sng" algn="ctr">
-                      <a:solidFill>
-                        <a:srgbClr val="000000"/>
-                      </a:solidFill>
-                      <a:prstDash val="solid"/>
-                      <a:round/>
-                      <a:headEnd type="none" w="med" len="med"/>
-                      <a:tailEnd type="none" w="med" len="med"/>
-                    </a:lnL>
-                    <a:lnR w="6350" cap="flat" cmpd="sng" algn="ctr">
-                      <a:solidFill>
-                        <a:srgbClr val="000000"/>
-                      </a:solidFill>
-                      <a:prstDash val="solid"/>
-                      <a:round/>
-                      <a:headEnd type="none" w="med" len="med"/>
-                      <a:tailEnd type="none" w="med" len="med"/>
-                    </a:lnR>
-                    <a:lnT w="6350" cap="flat" cmpd="sng" algn="ctr">
-                      <a:solidFill>
-                        <a:srgbClr val="000000"/>
-                      </a:solidFill>
-                      <a:prstDash val="solid"/>
-                      <a:round/>
-                      <a:headEnd type="none" w="med" len="med"/>
-                      <a:tailEnd type="none" w="med" len="med"/>
-                    </a:lnT>
-                    <a:lnB w="6350" cap="flat" cmpd="sng" algn="ctr">
-                      <a:solidFill>
-                        <a:srgbClr val="000000"/>
-                      </a:solidFill>
-                      <a:prstDash val="solid"/>
-                      <a:round/>
-                      <a:headEnd type="none" w="med" len="med"/>
-                      <a:tailEnd type="none" w="med" len="med"/>
-                    </a:lnB>
-                    <a:solidFill>
-                      <a:schemeClr val="tx1"/>
-                    </a:solidFill>
-                  </a:tcPr>
-                </a:tc>
-                <a:tc>
-                  <a:txBody>
-                    <a:bodyPr/>
-                    <a:lstStyle/>
-                    <a:p>
-                      <a:pPr algn="ctr" fontAlgn="b"/>
-                      <a:r>
-                        <a:rPr lang="en-US" sz="1350" b="0" i="0" u="none" strike="noStrike">
-                          <a:solidFill>
-                            <a:srgbClr val="000000"/>
-                          </a:solidFill>
-                          <a:effectLst/>
-                          <a:latin typeface="+mn-lt"/>
-                        </a:rPr>
-                        <a:t>0.000751</a:t>
-                      </a:r>
-                    </a:p>
-                  </a:txBody>
-                  <a:tcPr marL="6720" marR="6720" marT="6720" marB="0" anchor="b">
-                    <a:lnL w="6350" cap="flat" cmpd="sng" algn="ctr">
-                      <a:solidFill>
-                        <a:srgbClr val="000000"/>
-                      </a:solidFill>
-                      <a:prstDash val="solid"/>
-                      <a:round/>
-                      <a:headEnd type="none" w="med" len="med"/>
-                      <a:tailEnd type="none" w="med" len="med"/>
-                    </a:lnL>
-                    <a:lnR w="6350" cap="flat" cmpd="sng" algn="ctr">
-                      <a:solidFill>
-                        <a:srgbClr val="000000"/>
-                      </a:solidFill>
-                      <a:prstDash val="solid"/>
-                      <a:round/>
-                      <a:headEnd type="none" w="med" len="med"/>
-                      <a:tailEnd type="none" w="med" len="med"/>
-                    </a:lnR>
-                    <a:lnT w="6350" cap="flat" cmpd="sng" algn="ctr">
-                      <a:solidFill>
-                        <a:srgbClr val="000000"/>
-                      </a:solidFill>
-                      <a:prstDash val="solid"/>
-                      <a:round/>
-                      <a:headEnd type="none" w="med" len="med"/>
-                      <a:tailEnd type="none" w="med" len="med"/>
-                    </a:lnT>
-                    <a:lnB w="6350" cap="flat" cmpd="sng" algn="ctr">
-                      <a:solidFill>
-                        <a:srgbClr val="000000"/>
-                      </a:solidFill>
-                      <a:prstDash val="solid"/>
-                      <a:round/>
-                      <a:headEnd type="none" w="med" len="med"/>
-                      <a:tailEnd type="none" w="med" len="med"/>
-                    </a:lnB>
-                    <a:solidFill>
-                      <a:schemeClr val="tx1"/>
-                    </a:solidFill>
-                  </a:tcPr>
-                </a:tc>
-                <a:tc>
-                  <a:txBody>
-                    <a:bodyPr/>
-                    <a:lstStyle/>
-                    <a:p>
-                      <a:pPr algn="ctr" fontAlgn="b"/>
-                      <a:r>
-                        <a:rPr lang="en-US" sz="1350" b="0" i="0" u="none" strike="noStrike" dirty="0">
-                          <a:solidFill>
-                            <a:srgbClr val="000000"/>
-                          </a:solidFill>
-                          <a:effectLst/>
-                          <a:latin typeface="+mn-lt"/>
-                        </a:rPr>
-                        <a:t>-0.03</a:t>
-                      </a:r>
-                    </a:p>
-                  </a:txBody>
-                  <a:tcPr marL="6720" marR="6720" marT="6720" marB="0" anchor="b">
-                    <a:lnL w="6350" cap="flat" cmpd="sng" algn="ctr">
-                      <a:solidFill>
-                        <a:srgbClr val="000000"/>
-                      </a:solidFill>
-                      <a:prstDash val="solid"/>
-                      <a:round/>
-                      <a:headEnd type="none" w="med" len="med"/>
-                      <a:tailEnd type="none" w="med" len="med"/>
-                    </a:lnL>
-                    <a:lnR w="6350" cap="flat" cmpd="sng" algn="ctr">
-                      <a:solidFill>
-                        <a:srgbClr val="000000"/>
-                      </a:solidFill>
-                      <a:prstDash val="solid"/>
-                      <a:round/>
-                      <a:headEnd type="none" w="med" len="med"/>
-                      <a:tailEnd type="none" w="med" len="med"/>
-                    </a:lnR>
-                    <a:lnT w="6350" cap="flat" cmpd="sng" algn="ctr">
-                      <a:solidFill>
-                        <a:srgbClr val="000000"/>
-                      </a:solidFill>
-                      <a:prstDash val="solid"/>
-                      <a:round/>
-                      <a:headEnd type="none" w="med" len="med"/>
-                      <a:tailEnd type="none" w="med" len="med"/>
-                    </a:lnT>
-                    <a:lnB w="6350" cap="flat" cmpd="sng" algn="ctr">
-                      <a:solidFill>
-                        <a:srgbClr val="000000"/>
-                      </a:solidFill>
-                      <a:prstDash val="solid"/>
-                      <a:round/>
-                      <a:headEnd type="none" w="med" len="med"/>
-                      <a:tailEnd type="none" w="med" len="med"/>
-                    </a:lnB>
-                    <a:solidFill>
-                      <a:schemeClr val="tx1"/>
-                    </a:solidFill>
-                  </a:tcPr>
-                </a:tc>
-                <a:tc>
-                  <a:txBody>
-                    <a:bodyPr/>
-                    <a:lstStyle/>
-                    <a:p>
-                      <a:pPr algn="ctr" fontAlgn="b"/>
-                      <a:r>
-                        <a:rPr lang="en-US" sz="1350" b="0" i="0" u="none" strike="noStrike" dirty="0">
-                          <a:solidFill>
-                            <a:srgbClr val="000000"/>
-                          </a:solidFill>
-                          <a:effectLst/>
-                          <a:latin typeface="+mn-lt"/>
-                        </a:rPr>
-                        <a:t>0.701366116</a:t>
-                      </a:r>
-                    </a:p>
-                  </a:txBody>
-                  <a:tcPr marL="6720" marR="6720" marT="6720" marB="0" anchor="b">
-                    <a:lnL w="6350" cap="flat" cmpd="sng" algn="ctr">
-                      <a:solidFill>
-                        <a:srgbClr val="000000"/>
-                      </a:solidFill>
-                      <a:prstDash val="solid"/>
-                      <a:round/>
-                      <a:headEnd type="none" w="med" len="med"/>
-                      <a:tailEnd type="none" w="med" len="med"/>
-                    </a:lnL>
-                    <a:lnR w="6350" cap="flat" cmpd="sng" algn="ctr">
-                      <a:solidFill>
-                        <a:srgbClr val="000000"/>
-                      </a:solidFill>
-                      <a:prstDash val="solid"/>
-                      <a:round/>
-                      <a:headEnd type="none" w="med" len="med"/>
-                      <a:tailEnd type="none" w="med" len="med"/>
-                    </a:lnR>
-                    <a:lnT w="6350" cap="flat" cmpd="sng" algn="ctr">
-                      <a:solidFill>
-                        <a:srgbClr val="000000"/>
-                      </a:solidFill>
-                      <a:prstDash val="solid"/>
-                      <a:round/>
-                      <a:headEnd type="none" w="med" len="med"/>
-                      <a:tailEnd type="none" w="med" len="med"/>
-                    </a:lnT>
-                    <a:lnB w="6350" cap="flat" cmpd="sng" algn="ctr">
-                      <a:solidFill>
-                        <a:srgbClr val="000000"/>
-                      </a:solidFill>
-                      <a:prstDash val="solid"/>
-                      <a:round/>
-                      <a:headEnd type="none" w="med" len="med"/>
-                      <a:tailEnd type="none" w="med" len="med"/>
-                    </a:lnB>
-                    <a:solidFill>
-                      <a:schemeClr val="tx1"/>
-                    </a:solidFill>
-                  </a:tcPr>
-                </a:tc>
-                <a:tc>
-                  <a:txBody>
-                    <a:bodyPr/>
-                    <a:lstStyle/>
-                    <a:p>
-                      <a:pPr algn="l" fontAlgn="b"/>
-                      <a:r>
-                        <a:rPr lang="en-US" sz="1200" b="0" i="0" u="none" strike="noStrike" dirty="0">
-                          <a:solidFill>
-                            <a:srgbClr val="000000"/>
-                          </a:solidFill>
-                          <a:effectLst/>
-                          <a:latin typeface="+mn-lt"/>
-                        </a:rPr>
-                        <a:t>Accounts for hardly any of the data: Correlation: None, or very Weak</a:t>
-                      </a:r>
-                    </a:p>
-                  </a:txBody>
-                  <a:tcPr marL="6720" marR="6720" marT="6720" marB="0" anchor="b">
-                    <a:lnL w="6350" cap="flat" cmpd="sng" algn="ctr">
-                      <a:solidFill>
-                        <a:srgbClr val="000000"/>
-                      </a:solidFill>
-                      <a:prstDash val="solid"/>
-                      <a:round/>
-                      <a:headEnd type="none" w="med" len="med"/>
-                      <a:tailEnd type="none" w="med" len="med"/>
-                    </a:lnL>
-                    <a:lnR w="6350" cap="flat" cmpd="sng" algn="ctr">
-                      <a:solidFill>
-                        <a:srgbClr val="000000"/>
-                      </a:solidFill>
-                      <a:prstDash val="solid"/>
-                      <a:round/>
-                      <a:headEnd type="none" w="med" len="med"/>
-                      <a:tailEnd type="none" w="med" len="med"/>
-                    </a:lnR>
-                    <a:lnT w="6350" cap="flat" cmpd="sng" algn="ctr">
-                      <a:solidFill>
-                        <a:srgbClr val="000000"/>
-                      </a:solidFill>
-                      <a:prstDash val="solid"/>
-                      <a:round/>
-                      <a:headEnd type="none" w="med" len="med"/>
-                      <a:tailEnd type="none" w="med" len="med"/>
-                    </a:lnT>
-                    <a:lnB w="6350" cap="flat" cmpd="sng" algn="ctr">
-                      <a:solidFill>
-                        <a:srgbClr val="000000"/>
-                      </a:solidFill>
-                      <a:prstDash val="solid"/>
-                      <a:round/>
-                      <a:headEnd type="none" w="med" len="med"/>
-                      <a:tailEnd type="none" w="med" len="med"/>
-                    </a:lnB>
-                    <a:solidFill>
-                      <a:schemeClr val="tx1"/>
-                    </a:solidFill>
-                  </a:tcPr>
-                </a:tc>
-                <a:extLst>
-                  <a:ext uri="{0D108BD9-81ED-4DB2-BD59-A6C34878D82A}">
-                    <a16:rowId xmlns:a16="http://schemas.microsoft.com/office/drawing/2014/main" val="762237614"/>
-                  </a:ext>
-                </a:extLst>
-              </a:tr>
-              <a:tr h="579330">
-                <a:tc>
-                  <a:txBody>
-                    <a:bodyPr/>
-                    <a:lstStyle/>
-                    <a:p>
-                      <a:pPr algn="l" fontAlgn="b"/>
-                      <a:r>
-                        <a:rPr lang="en-US" sz="1300" b="0" i="0" u="none" strike="noStrike">
-                          <a:solidFill>
-                            <a:srgbClr val="000000"/>
-                          </a:solidFill>
-                          <a:effectLst/>
-                          <a:latin typeface="+mn-lt"/>
-                        </a:rPr>
-                        <a:t>Auto Sales v New Vehicle Price Index</a:t>
-                      </a:r>
-                    </a:p>
-                  </a:txBody>
-                  <a:tcPr marL="6720" marR="6720" marT="6720" marB="0" anchor="b">
-                    <a:lnL w="6350" cap="flat" cmpd="sng" algn="ctr">
-                      <a:solidFill>
-                        <a:srgbClr val="000000"/>
-                      </a:solidFill>
-                      <a:prstDash val="solid"/>
-                      <a:round/>
-                      <a:headEnd type="none" w="med" len="med"/>
-                      <a:tailEnd type="none" w="med" len="med"/>
-                    </a:lnL>
-                    <a:lnR w="6350" cap="flat" cmpd="sng" algn="ctr">
-                      <a:solidFill>
-                        <a:srgbClr val="000000"/>
-                      </a:solidFill>
-                      <a:prstDash val="solid"/>
-                      <a:round/>
-                      <a:headEnd type="none" w="med" len="med"/>
-                      <a:tailEnd type="none" w="med" len="med"/>
-                    </a:lnR>
-                    <a:lnT w="6350" cap="flat" cmpd="sng" algn="ctr">
-                      <a:solidFill>
-                        <a:srgbClr val="000000"/>
-                      </a:solidFill>
-                      <a:prstDash val="solid"/>
-                      <a:round/>
-                      <a:headEnd type="none" w="med" len="med"/>
-                      <a:tailEnd type="none" w="med" len="med"/>
-                    </a:lnT>
-                    <a:lnB w="6350" cap="flat" cmpd="sng" algn="ctr">
-                      <a:solidFill>
-                        <a:srgbClr val="000000"/>
-                      </a:solidFill>
-                      <a:prstDash val="solid"/>
-                      <a:round/>
-                      <a:headEnd type="none" w="med" len="med"/>
-                      <a:tailEnd type="none" w="med" len="med"/>
-                    </a:lnB>
-                    <a:solidFill>
-                      <a:schemeClr val="tx1"/>
-                    </a:solidFill>
-                  </a:tcPr>
-                </a:tc>
-                <a:tc>
-                  <a:txBody>
-                    <a:bodyPr/>
-                    <a:lstStyle/>
-                    <a:p>
-                      <a:pPr algn="ctr" fontAlgn="b"/>
-                      <a:r>
-                        <a:rPr lang="en-US" sz="1350" b="0" i="0" u="none" strike="noStrike">
-                          <a:solidFill>
-                            <a:srgbClr val="000000"/>
-                          </a:solidFill>
-                          <a:effectLst/>
-                          <a:latin typeface="+mn-lt"/>
-                        </a:rPr>
-                        <a:t>0.204739</a:t>
-                      </a:r>
-                    </a:p>
-                  </a:txBody>
-                  <a:tcPr marL="6720" marR="6720" marT="6720" marB="0" anchor="b">
-                    <a:lnL w="6350" cap="flat" cmpd="sng" algn="ctr">
-                      <a:solidFill>
-                        <a:srgbClr val="000000"/>
-                      </a:solidFill>
-                      <a:prstDash val="solid"/>
-                      <a:round/>
-                      <a:headEnd type="none" w="med" len="med"/>
-                      <a:tailEnd type="none" w="med" len="med"/>
-                    </a:lnL>
-                    <a:lnR w="6350" cap="flat" cmpd="sng" algn="ctr">
-                      <a:solidFill>
-                        <a:srgbClr val="000000"/>
-                      </a:solidFill>
-                      <a:prstDash val="solid"/>
-                      <a:round/>
-                      <a:headEnd type="none" w="med" len="med"/>
-                      <a:tailEnd type="none" w="med" len="med"/>
-                    </a:lnR>
-                    <a:lnT w="6350" cap="flat" cmpd="sng" algn="ctr">
-                      <a:solidFill>
-                        <a:srgbClr val="000000"/>
-                      </a:solidFill>
-                      <a:prstDash val="solid"/>
-                      <a:round/>
-                      <a:headEnd type="none" w="med" len="med"/>
-                      <a:tailEnd type="none" w="med" len="med"/>
-                    </a:lnT>
-                    <a:lnB w="6350" cap="flat" cmpd="sng" algn="ctr">
-                      <a:solidFill>
-                        <a:srgbClr val="000000"/>
-                      </a:solidFill>
-                      <a:prstDash val="solid"/>
-                      <a:round/>
-                      <a:headEnd type="none" w="med" len="med"/>
-                      <a:tailEnd type="none" w="med" len="med"/>
-                    </a:lnB>
-                    <a:solidFill>
-                      <a:schemeClr val="tx1"/>
-                    </a:solidFill>
-                  </a:tcPr>
-                </a:tc>
-                <a:tc>
-                  <a:txBody>
-                    <a:bodyPr/>
-                    <a:lstStyle/>
-                    <a:p>
-                      <a:pPr algn="ctr" fontAlgn="b"/>
-                      <a:r>
-                        <a:rPr lang="en-US" sz="1350" b="0" i="0" u="none" strike="noStrike" dirty="0">
-                          <a:solidFill>
-                            <a:srgbClr val="000000"/>
-                          </a:solidFill>
-                          <a:effectLst/>
-                          <a:latin typeface="+mn-lt"/>
-                        </a:rPr>
-                        <a:t>0.45</a:t>
-                      </a:r>
-                    </a:p>
-                  </a:txBody>
-                  <a:tcPr marL="6720" marR="6720" marT="6720" marB="0" anchor="b">
-                    <a:lnL w="6350" cap="flat" cmpd="sng" algn="ctr">
-                      <a:solidFill>
-                        <a:srgbClr val="000000"/>
-                      </a:solidFill>
-                      <a:prstDash val="solid"/>
-                      <a:round/>
-                      <a:headEnd type="none" w="med" len="med"/>
-                      <a:tailEnd type="none" w="med" len="med"/>
-                    </a:lnL>
-                    <a:lnR w="6350" cap="flat" cmpd="sng" algn="ctr">
-                      <a:solidFill>
-                        <a:srgbClr val="000000"/>
-                      </a:solidFill>
-                      <a:prstDash val="solid"/>
-                      <a:round/>
-                      <a:headEnd type="none" w="med" len="med"/>
-                      <a:tailEnd type="none" w="med" len="med"/>
-                    </a:lnR>
-                    <a:lnT w="6350" cap="flat" cmpd="sng" algn="ctr">
-                      <a:solidFill>
-                        <a:srgbClr val="000000"/>
-                      </a:solidFill>
-                      <a:prstDash val="solid"/>
-                      <a:round/>
-                      <a:headEnd type="none" w="med" len="med"/>
-                      <a:tailEnd type="none" w="med" len="med"/>
-                    </a:lnT>
-                    <a:lnB w="6350" cap="flat" cmpd="sng" algn="ctr">
-                      <a:solidFill>
-                        <a:srgbClr val="000000"/>
-                      </a:solidFill>
-                      <a:prstDash val="solid"/>
-                      <a:round/>
-                      <a:headEnd type="none" w="med" len="med"/>
-                      <a:tailEnd type="none" w="med" len="med"/>
-                    </a:lnB>
-                    <a:solidFill>
-                      <a:schemeClr val="tx1"/>
-                    </a:solidFill>
-                  </a:tcPr>
-                </a:tc>
-                <a:tc>
-                  <a:txBody>
-                    <a:bodyPr/>
-                    <a:lstStyle/>
-                    <a:p>
-                      <a:pPr algn="ctr" fontAlgn="b"/>
-                      <a:r>
-                        <a:rPr lang="en-US" sz="1350" b="0" i="0" u="none" strike="noStrike" dirty="0">
-                          <a:solidFill>
-                            <a:srgbClr val="000000"/>
-                          </a:solidFill>
-                          <a:effectLst/>
-                          <a:latin typeface="+mn-lt"/>
-                        </a:rPr>
-                        <a:t>2.19503E-11</a:t>
-                      </a:r>
-                    </a:p>
-                  </a:txBody>
-                  <a:tcPr marL="6720" marR="6720" marT="6720" marB="0" anchor="b">
-                    <a:lnL w="6350" cap="flat" cmpd="sng" algn="ctr">
-                      <a:solidFill>
-                        <a:srgbClr val="000000"/>
-                      </a:solidFill>
-                      <a:prstDash val="solid"/>
-                      <a:round/>
-                      <a:headEnd type="none" w="med" len="med"/>
-                      <a:tailEnd type="none" w="med" len="med"/>
-                    </a:lnL>
-                    <a:lnR w="6350" cap="flat" cmpd="sng" algn="ctr">
-                      <a:solidFill>
-                        <a:srgbClr val="000000"/>
-                      </a:solidFill>
-                      <a:prstDash val="solid"/>
-                      <a:round/>
-                      <a:headEnd type="none" w="med" len="med"/>
-                      <a:tailEnd type="none" w="med" len="med"/>
-                    </a:lnR>
-                    <a:lnT w="6350" cap="flat" cmpd="sng" algn="ctr">
-                      <a:solidFill>
-                        <a:srgbClr val="000000"/>
-                      </a:solidFill>
-                      <a:prstDash val="solid"/>
-                      <a:round/>
-                      <a:headEnd type="none" w="med" len="med"/>
-                      <a:tailEnd type="none" w="med" len="med"/>
-                    </a:lnT>
-                    <a:lnB w="6350" cap="flat" cmpd="sng" algn="ctr">
-                      <a:solidFill>
-                        <a:srgbClr val="000000"/>
-                      </a:solidFill>
-                      <a:prstDash val="solid"/>
-                      <a:round/>
-                      <a:headEnd type="none" w="med" len="med"/>
-                      <a:tailEnd type="none" w="med" len="med"/>
-                    </a:lnB>
-                    <a:solidFill>
-                      <a:schemeClr val="tx1"/>
-                    </a:solidFill>
-                  </a:tcPr>
-                </a:tc>
-                <a:tc>
-                  <a:txBody>
-                    <a:bodyPr/>
-                    <a:lstStyle/>
-                    <a:p>
-                      <a:pPr algn="l" fontAlgn="b"/>
-                      <a:r>
-                        <a:rPr lang="en-US" sz="1200" b="0" i="0" u="none" strike="noStrike" dirty="0">
-                          <a:solidFill>
-                            <a:srgbClr val="000000"/>
-                          </a:solidFill>
-                          <a:effectLst/>
-                          <a:latin typeface="+mn-lt"/>
-                        </a:rPr>
-                        <a:t>Accounts for roughly 20% of the data: Correlation: Weak</a:t>
-                      </a:r>
-                    </a:p>
-                  </a:txBody>
-                  <a:tcPr marL="6720" marR="6720" marT="6720" marB="0" anchor="b">
-                    <a:lnL w="6350" cap="flat" cmpd="sng" algn="ctr">
-                      <a:solidFill>
-                        <a:srgbClr val="000000"/>
-                      </a:solidFill>
-                      <a:prstDash val="solid"/>
-                      <a:round/>
-                      <a:headEnd type="none" w="med" len="med"/>
-                      <a:tailEnd type="none" w="med" len="med"/>
-                    </a:lnL>
-                    <a:lnR w="6350" cap="flat" cmpd="sng" algn="ctr">
-                      <a:solidFill>
-                        <a:srgbClr val="000000"/>
-                      </a:solidFill>
-                      <a:prstDash val="solid"/>
-                      <a:round/>
-                      <a:headEnd type="none" w="med" len="med"/>
-                      <a:tailEnd type="none" w="med" len="med"/>
-                    </a:lnR>
-                    <a:lnT w="6350" cap="flat" cmpd="sng" algn="ctr">
-                      <a:solidFill>
-                        <a:srgbClr val="000000"/>
-                      </a:solidFill>
-                      <a:prstDash val="solid"/>
-                      <a:round/>
-                      <a:headEnd type="none" w="med" len="med"/>
-                      <a:tailEnd type="none" w="med" len="med"/>
-                    </a:lnT>
-                    <a:lnB w="6350" cap="flat" cmpd="sng" algn="ctr">
-                      <a:solidFill>
-                        <a:srgbClr val="000000"/>
-                      </a:solidFill>
-                      <a:prstDash val="solid"/>
-                      <a:round/>
-                      <a:headEnd type="none" w="med" len="med"/>
-                      <a:tailEnd type="none" w="med" len="med"/>
-                    </a:lnB>
-                    <a:solidFill>
-                      <a:schemeClr val="tx1"/>
-                    </a:solidFill>
-                  </a:tcPr>
-                </a:tc>
-                <a:extLst>
-                  <a:ext uri="{0D108BD9-81ED-4DB2-BD59-A6C34878D82A}">
-                    <a16:rowId xmlns:a16="http://schemas.microsoft.com/office/drawing/2014/main" val="1461808691"/>
-                  </a:ext>
-                </a:extLst>
-              </a:tr>
-              <a:tr h="579330">
-                <a:tc>
-                  <a:txBody>
-                    <a:bodyPr/>
-                    <a:lstStyle/>
-                    <a:p>
-                      <a:pPr algn="l" fontAlgn="b"/>
-                      <a:r>
-                        <a:rPr lang="en-US" sz="1300" b="0" i="0" u="none" strike="noStrike" dirty="0">
-                          <a:solidFill>
-                            <a:srgbClr val="000000"/>
-                          </a:solidFill>
-                          <a:effectLst/>
-                          <a:latin typeface="+mn-lt"/>
-                        </a:rPr>
-                        <a:t>Auto Sales v Used Vehicle Price Index</a:t>
-                      </a:r>
-                    </a:p>
-                  </a:txBody>
-                  <a:tcPr marL="6720" marR="6720" marT="6720" marB="0" anchor="b">
-                    <a:lnL w="6350" cap="flat" cmpd="sng" algn="ctr">
-                      <a:solidFill>
-                        <a:srgbClr val="000000"/>
-                      </a:solidFill>
-                      <a:prstDash val="solid"/>
-                      <a:round/>
-                      <a:headEnd type="none" w="med" len="med"/>
-                      <a:tailEnd type="none" w="med" len="med"/>
-                    </a:lnL>
-                    <a:lnR w="6350" cap="flat" cmpd="sng" algn="ctr">
-                      <a:solidFill>
-                        <a:srgbClr val="000000"/>
-                      </a:solidFill>
-                      <a:prstDash val="solid"/>
-                      <a:round/>
-                      <a:headEnd type="none" w="med" len="med"/>
-                      <a:tailEnd type="none" w="med" len="med"/>
-                    </a:lnR>
-                    <a:lnT w="6350" cap="flat" cmpd="sng" algn="ctr">
-                      <a:solidFill>
-                        <a:srgbClr val="000000"/>
-                      </a:solidFill>
-                      <a:prstDash val="solid"/>
-                      <a:round/>
-                      <a:headEnd type="none" w="med" len="med"/>
-                      <a:tailEnd type="none" w="med" len="med"/>
-                    </a:lnT>
-                    <a:lnB w="6350" cap="flat" cmpd="sng" algn="ctr">
-                      <a:solidFill>
-                        <a:srgbClr val="000000"/>
-                      </a:solidFill>
-                      <a:prstDash val="solid"/>
-                      <a:round/>
-                      <a:headEnd type="none" w="med" len="med"/>
-                      <a:tailEnd type="none" w="med" len="med"/>
-                    </a:lnB>
-                    <a:solidFill>
-                      <a:schemeClr val="tx1"/>
-                    </a:solidFill>
-                  </a:tcPr>
-                </a:tc>
-                <a:tc>
-                  <a:txBody>
-                    <a:bodyPr/>
-                    <a:lstStyle/>
-                    <a:p>
-                      <a:pPr algn="ctr" fontAlgn="b"/>
-                      <a:r>
-                        <a:rPr lang="en-US" sz="1350" b="0" i="0" u="none" strike="noStrike" dirty="0">
-                          <a:solidFill>
-                            <a:srgbClr val="000000"/>
-                          </a:solidFill>
-                          <a:effectLst/>
-                          <a:latin typeface="+mn-lt"/>
-                        </a:rPr>
-                        <a:t>0.055362</a:t>
-                      </a:r>
-                    </a:p>
-                  </a:txBody>
-                  <a:tcPr marL="6720" marR="6720" marT="6720" marB="0" anchor="b">
-                    <a:lnL w="6350" cap="flat" cmpd="sng" algn="ctr">
-                      <a:solidFill>
-                        <a:srgbClr val="000000"/>
-                      </a:solidFill>
-                      <a:prstDash val="solid"/>
-                      <a:round/>
-                      <a:headEnd type="none" w="med" len="med"/>
-                      <a:tailEnd type="none" w="med" len="med"/>
-                    </a:lnL>
-                    <a:lnR w="6350" cap="flat" cmpd="sng" algn="ctr">
-                      <a:solidFill>
-                        <a:srgbClr val="000000"/>
-                      </a:solidFill>
-                      <a:prstDash val="solid"/>
-                      <a:round/>
-                      <a:headEnd type="none" w="med" len="med"/>
-                      <a:tailEnd type="none" w="med" len="med"/>
-                    </a:lnR>
-                    <a:lnT w="6350" cap="flat" cmpd="sng" algn="ctr">
-                      <a:solidFill>
-                        <a:srgbClr val="000000"/>
-                      </a:solidFill>
-                      <a:prstDash val="solid"/>
-                      <a:round/>
-                      <a:headEnd type="none" w="med" len="med"/>
-                      <a:tailEnd type="none" w="med" len="med"/>
-                    </a:lnT>
-                    <a:lnB w="6350" cap="flat" cmpd="sng" algn="ctr">
-                      <a:solidFill>
-                        <a:srgbClr val="000000"/>
-                      </a:solidFill>
-                      <a:prstDash val="solid"/>
-                      <a:round/>
-                      <a:headEnd type="none" w="med" len="med"/>
-                      <a:tailEnd type="none" w="med" len="med"/>
-                    </a:lnB>
-                    <a:solidFill>
-                      <a:schemeClr val="tx1"/>
-                    </a:solidFill>
-                  </a:tcPr>
-                </a:tc>
-                <a:tc>
-                  <a:txBody>
-                    <a:bodyPr/>
-                    <a:lstStyle/>
-                    <a:p>
-                      <a:pPr algn="ctr" fontAlgn="b"/>
-                      <a:r>
-                        <a:rPr lang="en-US" sz="1350" b="0" i="0" u="none" strike="noStrike" dirty="0">
-                          <a:solidFill>
-                            <a:srgbClr val="000000"/>
-                          </a:solidFill>
-                          <a:effectLst/>
-                          <a:latin typeface="+mn-lt"/>
-                        </a:rPr>
-                        <a:t>0.24</a:t>
-                      </a:r>
-                    </a:p>
-                  </a:txBody>
-                  <a:tcPr marL="6720" marR="6720" marT="6720" marB="0" anchor="b">
-                    <a:lnL w="6350" cap="flat" cmpd="sng" algn="ctr">
-                      <a:solidFill>
-                        <a:srgbClr val="000000"/>
-                      </a:solidFill>
-                      <a:prstDash val="solid"/>
-                      <a:round/>
-                      <a:headEnd type="none" w="med" len="med"/>
-                      <a:tailEnd type="none" w="med" len="med"/>
-                    </a:lnL>
-                    <a:lnR w="6350" cap="flat" cmpd="sng" algn="ctr">
-                      <a:solidFill>
-                        <a:srgbClr val="000000"/>
-                      </a:solidFill>
-                      <a:prstDash val="solid"/>
-                      <a:round/>
-                      <a:headEnd type="none" w="med" len="med"/>
-                      <a:tailEnd type="none" w="med" len="med"/>
-                    </a:lnR>
-                    <a:lnT w="6350" cap="flat" cmpd="sng" algn="ctr">
-                      <a:solidFill>
-                        <a:srgbClr val="000000"/>
-                      </a:solidFill>
-                      <a:prstDash val="solid"/>
-                      <a:round/>
-                      <a:headEnd type="none" w="med" len="med"/>
-                      <a:tailEnd type="none" w="med" len="med"/>
-                    </a:lnT>
-                    <a:lnB w="6350" cap="flat" cmpd="sng" algn="ctr">
-                      <a:solidFill>
-                        <a:srgbClr val="000000"/>
-                      </a:solidFill>
-                      <a:prstDash val="solid"/>
-                      <a:round/>
-                      <a:headEnd type="none" w="med" len="med"/>
-                      <a:tailEnd type="none" w="med" len="med"/>
-                    </a:lnB>
-                    <a:solidFill>
-                      <a:schemeClr val="tx1"/>
-                    </a:solidFill>
-                  </a:tcPr>
-                </a:tc>
-                <a:tc>
-                  <a:txBody>
-                    <a:bodyPr/>
-                    <a:lstStyle/>
-                    <a:p>
-                      <a:pPr algn="ctr" fontAlgn="b"/>
-                      <a:r>
-                        <a:rPr lang="en-US" sz="1350" b="0" i="0" u="none" strike="noStrike" dirty="0">
-                          <a:solidFill>
-                            <a:srgbClr val="000000"/>
-                          </a:solidFill>
-                          <a:effectLst/>
-                          <a:latin typeface="+mn-lt"/>
-                        </a:rPr>
-                        <a:t>0.00084731</a:t>
-                      </a:r>
-                    </a:p>
-                  </a:txBody>
-                  <a:tcPr marL="6720" marR="6720" marT="6720" marB="0" anchor="b">
-                    <a:lnL w="6350" cap="flat" cmpd="sng" algn="ctr">
-                      <a:solidFill>
-                        <a:srgbClr val="000000"/>
-                      </a:solidFill>
-                      <a:prstDash val="solid"/>
-                      <a:round/>
-                      <a:headEnd type="none" w="med" len="med"/>
-                      <a:tailEnd type="none" w="med" len="med"/>
-                    </a:lnL>
-                    <a:lnR w="6350" cap="flat" cmpd="sng" algn="ctr">
-                      <a:solidFill>
-                        <a:srgbClr val="000000"/>
-                      </a:solidFill>
-                      <a:prstDash val="solid"/>
-                      <a:round/>
-                      <a:headEnd type="none" w="med" len="med"/>
-                      <a:tailEnd type="none" w="med" len="med"/>
-                    </a:lnR>
-                    <a:lnT w="6350" cap="flat" cmpd="sng" algn="ctr">
-                      <a:solidFill>
-                        <a:srgbClr val="000000"/>
-                      </a:solidFill>
-                      <a:prstDash val="solid"/>
-                      <a:round/>
-                      <a:headEnd type="none" w="med" len="med"/>
-                      <a:tailEnd type="none" w="med" len="med"/>
-                    </a:lnT>
-                    <a:lnB w="6350" cap="flat" cmpd="sng" algn="ctr">
-                      <a:solidFill>
-                        <a:srgbClr val="000000"/>
-                      </a:solidFill>
-                      <a:prstDash val="solid"/>
-                      <a:round/>
-                      <a:headEnd type="none" w="med" len="med"/>
-                      <a:tailEnd type="none" w="med" len="med"/>
-                    </a:lnB>
-                    <a:solidFill>
-                      <a:schemeClr val="tx1"/>
-                    </a:solidFill>
-                  </a:tcPr>
-                </a:tc>
-                <a:tc>
-                  <a:txBody>
-                    <a:bodyPr/>
-                    <a:lstStyle/>
-                    <a:p>
-                      <a:pPr algn="l" fontAlgn="b"/>
-                      <a:r>
-                        <a:rPr lang="en-US" sz="1200" b="0" i="0" u="none" strike="noStrike" dirty="0">
-                          <a:solidFill>
-                            <a:srgbClr val="000000"/>
-                          </a:solidFill>
-                          <a:effectLst/>
-                          <a:latin typeface="+mn-lt"/>
-                        </a:rPr>
-                        <a:t>Accounts for less than 5% of the data-Correlation: Weak</a:t>
-                      </a:r>
-                    </a:p>
-                  </a:txBody>
-                  <a:tcPr marL="6720" marR="6720" marT="6720" marB="0" anchor="b">
-                    <a:lnL w="6350" cap="flat" cmpd="sng" algn="ctr">
-                      <a:solidFill>
-                        <a:srgbClr val="000000"/>
-                      </a:solidFill>
-                      <a:prstDash val="solid"/>
-                      <a:round/>
-                      <a:headEnd type="none" w="med" len="med"/>
-                      <a:tailEnd type="none" w="med" len="med"/>
-                    </a:lnL>
-                    <a:lnR w="6350" cap="flat" cmpd="sng" algn="ctr">
-                      <a:solidFill>
-                        <a:srgbClr val="000000"/>
-                      </a:solidFill>
-                      <a:prstDash val="solid"/>
-                      <a:round/>
-                      <a:headEnd type="none" w="med" len="med"/>
-                      <a:tailEnd type="none" w="med" len="med"/>
-                    </a:lnR>
-                    <a:lnT w="6350" cap="flat" cmpd="sng" algn="ctr">
-                      <a:solidFill>
-                        <a:srgbClr val="000000"/>
-                      </a:solidFill>
-                      <a:prstDash val="solid"/>
-                      <a:round/>
-                      <a:headEnd type="none" w="med" len="med"/>
-                      <a:tailEnd type="none" w="med" len="med"/>
-                    </a:lnT>
-                    <a:lnB w="6350" cap="flat" cmpd="sng" algn="ctr">
-                      <a:solidFill>
-                        <a:srgbClr val="000000"/>
-                      </a:solidFill>
-                      <a:prstDash val="solid"/>
-                      <a:round/>
-                      <a:headEnd type="none" w="med" len="med"/>
-                      <a:tailEnd type="none" w="med" len="med"/>
-                    </a:lnB>
-                    <a:solidFill>
-                      <a:schemeClr val="tx1"/>
-                    </a:solidFill>
-                  </a:tcPr>
-                </a:tc>
-                <a:extLst>
-                  <a:ext uri="{0D108BD9-81ED-4DB2-BD59-A6C34878D82A}">
-                    <a16:rowId xmlns:a16="http://schemas.microsoft.com/office/drawing/2014/main" val="1286734584"/>
-                  </a:ext>
-                </a:extLst>
-              </a:tr>
-            </a:tbl>
-          </a:graphicData>
-        </a:graphic>
-      </p:graphicFrame>
-    </p:spTree>
-    <p:extLst>
-      <p:ext uri="{BB962C8B-B14F-4D97-AF65-F5344CB8AC3E}">
-        <p14:creationId xmlns:p14="http://schemas.microsoft.com/office/powerpoint/2010/main" val="3459008094"/>
-      </p:ext>
-    </p:extLst>
-  </p:cSld>
-  <p:clrMapOvr>
-    <a:masterClrMapping/>
-  </p:clrMapOvr>
-  <p:timing>
-    <p:tnLst>
-      <p:par>
-        <p:cTn id="1" dur="indefinite" restart="never" nodeType="tmRoot">
-          <p:childTnLst>
-            <p:seq concurrent="1" nextAc="seek">
-              <p:cTn id="2" dur="indefinite" nodeType="mainSeq">
-                <p:childTnLst>
-                  <p:par>
-                    <p:cTn id="3" fill="hold">
-                      <p:stCondLst>
-                        <p:cond delay="indefinite"/>
-                        <p:cond evt="onBegin" delay="0">
-                          <p:tn val="2"/>
-                        </p:cond>
-                      </p:stCondLst>
-                      <p:childTnLst>
-                        <p:par>
-                          <p:cTn id="4" fill="hold">
-                            <p:stCondLst>
-                              <p:cond delay="0"/>
-                            </p:stCondLst>
-                            <p:childTnLst>
-                              <p:par>
-                                <p:cTn id="5" presetID="53" presetClass="entr" presetSubtype="16" fill="hold" nodeType="withEffect">
-                                  <p:stCondLst>
-                                    <p:cond delay="0"/>
-                                  </p:stCondLst>
-                                  <p:childTnLst>
-                                    <p:set>
-                                      <p:cBhvr>
-                                        <p:cTn id="6" dur="1" fill="hold">
-                                          <p:stCondLst>
-                                            <p:cond delay="0"/>
-                                          </p:stCondLst>
-                                        </p:cTn>
-                                        <p:tgtEl>
-                                          <p:spTgt spid="7"/>
-                                        </p:tgtEl>
-                                        <p:attrNameLst>
-                                          <p:attrName>style.visibility</p:attrName>
-                                        </p:attrNameLst>
-                                      </p:cBhvr>
-                                      <p:to>
-                                        <p:strVal val="visible"/>
-                                      </p:to>
-                                    </p:set>
-                                    <p:anim calcmode="lin" valueType="num">
-                                      <p:cBhvr>
-                                        <p:cTn id="7" dur="500" fill="hold"/>
-                                        <p:tgtEl>
-                                          <p:spTgt spid="7"/>
-                                        </p:tgtEl>
-                                        <p:attrNameLst>
-                                          <p:attrName>ppt_w</p:attrName>
-                                        </p:attrNameLst>
-                                      </p:cBhvr>
-                                      <p:tavLst>
-                                        <p:tav tm="0">
-                                          <p:val>
-                                            <p:fltVal val="0"/>
-                                          </p:val>
-                                        </p:tav>
-                                        <p:tav tm="100000">
-                                          <p:val>
-                                            <p:strVal val="#ppt_w"/>
-                                          </p:val>
-                                        </p:tav>
-                                      </p:tavLst>
-                                    </p:anim>
-                                    <p:anim calcmode="lin" valueType="num">
-                                      <p:cBhvr>
-                                        <p:cTn id="8" dur="500" fill="hold"/>
-                                        <p:tgtEl>
-                                          <p:spTgt spid="7"/>
-                                        </p:tgtEl>
-                                        <p:attrNameLst>
-                                          <p:attrName>ppt_h</p:attrName>
-                                        </p:attrNameLst>
-                                      </p:cBhvr>
-                                      <p:tavLst>
-                                        <p:tav tm="0">
-                                          <p:val>
-                                            <p:fltVal val="0"/>
-                                          </p:val>
-                                        </p:tav>
-                                        <p:tav tm="100000">
-                                          <p:val>
-                                            <p:strVal val="#ppt_h"/>
-                                          </p:val>
-                                        </p:tav>
-                                      </p:tavLst>
-                                    </p:anim>
-                                    <p:animEffect transition="in" filter="fade">
-                                      <p:cBhvr>
-                                        <p:cTn id="9" dur="500"/>
-                                        <p:tgtEl>
-                                          <p:spTgt spid="7"/>
-                                        </p:tgtEl>
-                                      </p:cBhvr>
-                                    </p:animEffect>
-                                  </p:childTnLst>
-                                </p:cTn>
-                              </p:par>
-                            </p:childTnLst>
-                          </p:cTn>
-                        </p:par>
-                      </p:childTnLst>
-                    </p:cTn>
-                  </p:par>
-                </p:childTnLst>
-              </p:cTn>
-              <p:prevCondLst>
-                <p:cond evt="onPrev" delay="0">
-                  <p:tgtEl>
-                    <p:sldTgt/>
-                  </p:tgtEl>
-                </p:cond>
-              </p:prevCondLst>
-              <p:nextCondLst>
-                <p:cond evt="onNext" delay="0">
-                  <p:tgtEl>
-                    <p:sldTgt/>
-                  </p:tgtEl>
-                </p:cond>
-              </p:nextCondLst>
-            </p:seq>
-          </p:childTnLst>
-        </p:cTn>
-      </p:par>
-    </p:tnLst>
-  </p:timing>
-</p:sld>
-</file>
-
-<file path=ppt/slides/slide15.xml><?xml version="1.0" encoding="utf-8"?>
-<p:sld xmlns:a="http://schemas.openxmlformats.org/drawingml/2006/main" xmlns:r="http://schemas.openxmlformats.org/officeDocument/2006/relationships" xmlns:p="http://schemas.openxmlformats.org/presentationml/2006/main">
-  <p:cSld>
-    <p:bg>
-      <p:bgPr>
-        <a:solidFill>
-          <a:schemeClr val="bg1"/>
-        </a:solidFill>
-        <a:effectLst/>
-      </p:bgPr>
-    </p:bg>
-    <p:spTree>
-      <p:nvGrpSpPr>
-        <p:cNvPr id="1" name=""/>
-        <p:cNvGrpSpPr/>
-        <p:nvPr/>
-      </p:nvGrpSpPr>
-      <p:grpSpPr>
-        <a:xfrm>
-          <a:off x="0" y="0"/>
-          <a:ext cx="0" cy="0"/>
-          <a:chOff x="0" y="0"/>
-          <a:chExt cx="0" cy="0"/>
-        </a:xfrm>
-      </p:grpSpPr>
-      <p:sp>
-        <p:nvSpPr>
-          <p:cNvPr id="21" name="Rectangle 15">
-            <a:extLst>
-              <a:ext uri="{FF2B5EF4-FFF2-40B4-BE49-F238E27FC236}">
-                <a16:creationId xmlns:a16="http://schemas.microsoft.com/office/drawing/2014/main" id="{A416E3E5-5186-46A4-AFBD-337387D3163D}"/>
-              </a:ext>
-              <a:ext uri="{C183D7F6-B498-43B3-948B-1728B52AA6E4}">
-                <adec:decorative xmlns:adec="http://schemas.microsoft.com/office/drawing/2017/decorative" val="1"/>
-              </a:ext>
-            </a:extLst>
-          </p:cNvPr>
-          <p:cNvSpPr>
-            <a:spLocks noGrp="1" noRot="1" noChangeAspect="1" noMove="1" noResize="1" noEditPoints="1" noAdjustHandles="1" noChangeArrowheads="1" noChangeShapeType="1" noTextEdit="1"/>
-          </p:cNvSpPr>
-          <p:nvPr>
-            <p:extLst>
-              <p:ext uri="{386F3935-93C4-4BCD-93E2-E3B085C9AB24}">
-                <p16:designElem xmlns:p16="http://schemas.microsoft.com/office/powerpoint/2015/main" val="1"/>
-              </p:ext>
-            </p:extLst>
-          </p:nvPr>
-        </p:nvSpPr>
-        <p:spPr>
-          <a:xfrm>
-            <a:off x="4573" y="0"/>
-            <a:ext cx="12187427" cy="6858000"/>
-          </a:xfrm>
-          <a:prstGeom prst="rect">
-            <a:avLst/>
-          </a:prstGeom>
-          <a:solidFill>
-            <a:schemeClr val="bg1"/>
-          </a:solidFill>
-          <a:ln>
-            <a:noFill/>
-          </a:ln>
-        </p:spPr>
-        <p:style>
-          <a:lnRef idx="2">
-            <a:schemeClr val="accent1">
-              <a:shade val="50000"/>
-            </a:schemeClr>
-          </a:lnRef>
-          <a:fillRef idx="1">
-            <a:schemeClr val="accent1"/>
-          </a:fillRef>
-          <a:effectRef idx="0">
-            <a:schemeClr val="accent1"/>
-          </a:effectRef>
-          <a:fontRef idx="minor">
-            <a:schemeClr val="lt1"/>
-          </a:fontRef>
-        </p:style>
-        <p:txBody>
-          <a:bodyPr rtlCol="0" anchor="ctr"/>
-          <a:lstStyle/>
-          <a:p>
-            <a:pPr algn="ctr"/>
-            <a:endParaRPr lang="en-US"/>
-          </a:p>
-        </p:txBody>
-      </p:sp>
-      <p:sp>
-        <p:nvSpPr>
-          <p:cNvPr id="25" name="Freeform 23">
-            <a:extLst>
-              <a:ext uri="{FF2B5EF4-FFF2-40B4-BE49-F238E27FC236}">
-                <a16:creationId xmlns:a16="http://schemas.microsoft.com/office/drawing/2014/main" id="{7B8FAACC-353E-4F84-BA62-A5514185D9A9}"/>
-              </a:ext>
-              <a:ext uri="{C183D7F6-B498-43B3-948B-1728B52AA6E4}">
-                <adec:decorative xmlns:adec="http://schemas.microsoft.com/office/drawing/2017/decorative" val="1"/>
-              </a:ext>
-            </a:extLst>
-          </p:cNvPr>
-          <p:cNvSpPr>
-            <a:spLocks noGrp="1" noRot="1" noChangeAspect="1" noMove="1" noResize="1" noEditPoints="1" noAdjustHandles="1" noChangeArrowheads="1" noChangeShapeType="1" noTextEdit="1"/>
-          </p:cNvSpPr>
-          <p:nvPr>
-            <p:extLst>
-              <p:ext uri="{386F3935-93C4-4BCD-93E2-E3B085C9AB24}">
-                <p16:designElem xmlns:p16="http://schemas.microsoft.com/office/powerpoint/2015/main" val="1"/>
-              </p:ext>
-            </p:extLst>
-          </p:nvPr>
-        </p:nvSpPr>
-        <p:spPr bwMode="white">
-          <a:xfrm flipH="1">
-            <a:off x="7554995" y="0"/>
-            <a:ext cx="4637005" cy="6858000"/>
-          </a:xfrm>
-          <a:custGeom>
-            <a:avLst/>
-            <a:gdLst>
-              <a:gd name="connsiteX0" fmla="*/ 0 w 4637005"/>
-              <a:gd name="connsiteY0" fmla="*/ 0 h 6858000"/>
-              <a:gd name="connsiteX1" fmla="*/ 4637005 w 4637005"/>
-              <a:gd name="connsiteY1" fmla="*/ 0 h 6858000"/>
-              <a:gd name="connsiteX2" fmla="*/ 4637005 w 4637005"/>
-              <a:gd name="connsiteY2" fmla="*/ 1900238 h 6858000"/>
-              <a:gd name="connsiteX3" fmla="*/ 4266589 w 4637005"/>
-              <a:gd name="connsiteY3" fmla="*/ 2178050 h 6858000"/>
-              <a:gd name="connsiteX4" fmla="*/ 4262355 w 4637005"/>
-              <a:gd name="connsiteY4" fmla="*/ 2184400 h 6858000"/>
-              <a:gd name="connsiteX5" fmla="*/ 4256005 w 4637005"/>
-              <a:gd name="connsiteY5" fmla="*/ 2193925 h 6858000"/>
-              <a:gd name="connsiteX6" fmla="*/ 4249655 w 4637005"/>
-              <a:gd name="connsiteY6" fmla="*/ 2201863 h 6858000"/>
-              <a:gd name="connsiteX7" fmla="*/ 4249655 w 4637005"/>
-              <a:gd name="connsiteY7" fmla="*/ 2211388 h 6858000"/>
-              <a:gd name="connsiteX8" fmla="*/ 4249655 w 4637005"/>
-              <a:gd name="connsiteY8" fmla="*/ 2220913 h 6858000"/>
-              <a:gd name="connsiteX9" fmla="*/ 4256005 w 4637005"/>
-              <a:gd name="connsiteY9" fmla="*/ 2228850 h 6858000"/>
-              <a:gd name="connsiteX10" fmla="*/ 4262355 w 4637005"/>
-              <a:gd name="connsiteY10" fmla="*/ 2238375 h 6858000"/>
-              <a:gd name="connsiteX11" fmla="*/ 4266589 w 4637005"/>
-              <a:gd name="connsiteY11" fmla="*/ 2244725 h 6858000"/>
-              <a:gd name="connsiteX12" fmla="*/ 4637005 w 4637005"/>
-              <a:gd name="connsiteY12" fmla="*/ 2522538 h 6858000"/>
-              <a:gd name="connsiteX13" fmla="*/ 4637005 w 4637005"/>
-              <a:gd name="connsiteY13" fmla="*/ 6858000 h 6858000"/>
-              <a:gd name="connsiteX14" fmla="*/ 0 w 4637005"/>
-              <a:gd name="connsiteY14" fmla="*/ 6858000 h 6858000"/>
-            </a:gdLst>
-            <a:ahLst/>
-            <a:cxnLst>
-              <a:cxn ang="0">
-                <a:pos x="connsiteX0" y="connsiteY0"/>
-              </a:cxn>
-              <a:cxn ang="0">
-                <a:pos x="connsiteX1" y="connsiteY1"/>
-              </a:cxn>
-              <a:cxn ang="0">
-                <a:pos x="connsiteX2" y="connsiteY2"/>
-              </a:cxn>
-              <a:cxn ang="0">
-                <a:pos x="connsiteX3" y="connsiteY3"/>
-              </a:cxn>
-              <a:cxn ang="0">
-                <a:pos x="connsiteX4" y="connsiteY4"/>
-              </a:cxn>
-              <a:cxn ang="0">
-                <a:pos x="connsiteX5" y="connsiteY5"/>
-              </a:cxn>
-              <a:cxn ang="0">
-                <a:pos x="connsiteX6" y="connsiteY6"/>
-              </a:cxn>
-              <a:cxn ang="0">
-                <a:pos x="connsiteX7" y="connsiteY7"/>
-              </a:cxn>
-              <a:cxn ang="0">
-                <a:pos x="connsiteX8" y="connsiteY8"/>
-              </a:cxn>
-              <a:cxn ang="0">
-                <a:pos x="connsiteX9" y="connsiteY9"/>
-              </a:cxn>
-              <a:cxn ang="0">
-                <a:pos x="connsiteX10" y="connsiteY10"/>
-              </a:cxn>
-              <a:cxn ang="0">
-                <a:pos x="connsiteX11" y="connsiteY11"/>
-              </a:cxn>
-              <a:cxn ang="0">
-                <a:pos x="connsiteX12" y="connsiteY12"/>
-              </a:cxn>
-              <a:cxn ang="0">
-                <a:pos x="connsiteX13" y="connsiteY13"/>
-              </a:cxn>
-              <a:cxn ang="0">
-                <a:pos x="connsiteX14" y="connsiteY14"/>
-              </a:cxn>
-            </a:cxnLst>
-            <a:rect l="l" t="t" r="r" b="b"/>
-            <a:pathLst>
-              <a:path w="4637005" h="6858000">
-                <a:moveTo>
-                  <a:pt x="0" y="0"/>
-                </a:moveTo>
-                <a:lnTo>
-                  <a:pt x="4637005" y="0"/>
-                </a:lnTo>
-                <a:lnTo>
-                  <a:pt x="4637005" y="1900238"/>
-                </a:lnTo>
-                <a:lnTo>
-                  <a:pt x="4266589" y="2178050"/>
-                </a:lnTo>
-                <a:lnTo>
-                  <a:pt x="4262355" y="2184400"/>
-                </a:lnTo>
-                <a:lnTo>
-                  <a:pt x="4256005" y="2193925"/>
-                </a:lnTo>
-                <a:lnTo>
-                  <a:pt x="4249655" y="2201863"/>
-                </a:lnTo>
-                <a:lnTo>
-                  <a:pt x="4249655" y="2211388"/>
-                </a:lnTo>
-                <a:lnTo>
-                  <a:pt x="4249655" y="2220913"/>
-                </a:lnTo>
-                <a:lnTo>
-                  <a:pt x="4256005" y="2228850"/>
-                </a:lnTo>
-                <a:lnTo>
-                  <a:pt x="4262355" y="2238375"/>
-                </a:lnTo>
-                <a:lnTo>
-                  <a:pt x="4266589" y="2244725"/>
-                </a:lnTo>
-                <a:lnTo>
-                  <a:pt x="4637005" y="2522538"/>
-                </a:lnTo>
-                <a:lnTo>
-                  <a:pt x="4637005" y="6858000"/>
-                </a:lnTo>
-                <a:lnTo>
-                  <a:pt x="0" y="6858000"/>
-                </a:lnTo>
-                <a:close/>
-              </a:path>
-            </a:pathLst>
-          </a:custGeom>
-          <a:solidFill>
-            <a:srgbClr val="212121"/>
-          </a:solidFill>
-          <a:ln>
-            <a:noFill/>
-            <a:headEnd/>
-            <a:tailEnd/>
-          </a:ln>
-        </p:spPr>
-        <p:style>
-          <a:lnRef idx="1">
-            <a:schemeClr val="accent1"/>
-          </a:lnRef>
-          <a:fillRef idx="3">
-            <a:schemeClr val="accent1"/>
-          </a:fillRef>
-          <a:effectRef idx="2">
-            <a:schemeClr val="accent1"/>
-          </a:effectRef>
-          <a:fontRef idx="minor">
-            <a:schemeClr val="lt1"/>
-          </a:fontRef>
-        </p:style>
-        <p:txBody>
-          <a:bodyPr wrap="square" rtlCol="0" anchor="ctr">
-            <a:noAutofit/>
-          </a:bodyPr>
-          <a:lstStyle/>
-          <a:p>
-            <a:pPr algn="ctr"/>
-            <a:endParaRPr lang="en-US"/>
-          </a:p>
-        </p:txBody>
-      </p:sp>
-      <p:sp>
-        <p:nvSpPr>
-          <p:cNvPr id="2" name="Title 1">
-            <a:extLst>
-              <a:ext uri="{FF2B5EF4-FFF2-40B4-BE49-F238E27FC236}">
-                <a16:creationId xmlns:a16="http://schemas.microsoft.com/office/drawing/2014/main" id="{6FB69B6A-6E85-174E-B7E8-B7B73B8EE755}"/>
-              </a:ext>
-            </a:extLst>
-          </p:cNvPr>
-          <p:cNvSpPr>
-            <a:spLocks noGrp="1"/>
-          </p:cNvSpPr>
-          <p:nvPr>
-            <p:ph type="title"/>
-          </p:nvPr>
-        </p:nvSpPr>
-        <p:spPr>
-          <a:xfrm>
-            <a:off x="8164749" y="457201"/>
-            <a:ext cx="3575737" cy="1332688"/>
-          </a:xfrm>
-        </p:spPr>
-        <p:txBody>
-          <a:bodyPr anchor="b">
-            <a:normAutofit fontScale="90000"/>
-          </a:bodyPr>
-          <a:lstStyle/>
-          <a:p>
-            <a:pPr algn="ctr"/>
-            <a:r>
-              <a:rPr lang="en-US" sz="3200" dirty="0">
-                <a:solidFill>
-                  <a:srgbClr val="FFFFFF"/>
-                </a:solidFill>
-              </a:rPr>
-              <a:t>Correlation Matrix</a:t>
-            </a:r>
-            <a:br>
-              <a:rPr lang="en-US" sz="3200" dirty="0">
-                <a:solidFill>
-                  <a:srgbClr val="FFFFFF"/>
-                </a:solidFill>
-              </a:rPr>
-            </a:br>
-            <a:r>
-              <a:rPr lang="en-US" sz="2200" b="0" dirty="0">
-                <a:solidFill>
-                  <a:srgbClr val="FFFFFF"/>
-                </a:solidFill>
-              </a:rPr>
-              <a:t>(Other Observations)</a:t>
-            </a:r>
-            <a:endParaRPr lang="en-US" sz="3200" b="0" dirty="0">
-              <a:solidFill>
-                <a:srgbClr val="FFFFFF"/>
-              </a:solidFill>
-            </a:endParaRPr>
-          </a:p>
-        </p:txBody>
-      </p:sp>
-      <p:pic>
-        <p:nvPicPr>
-          <p:cNvPr id="11" name="Picture 10">
-            <a:extLst>
-              <a:ext uri="{FF2B5EF4-FFF2-40B4-BE49-F238E27FC236}">
-                <a16:creationId xmlns:a16="http://schemas.microsoft.com/office/drawing/2014/main" id="{DD150228-B645-466C-82D1-4D9F9A774CB5}"/>
-              </a:ext>
-            </a:extLst>
-          </p:cNvPr>
-          <p:cNvPicPr>
-            <a:picLocks noChangeAspect="1"/>
-          </p:cNvPicPr>
-          <p:nvPr/>
-        </p:nvPicPr>
-        <p:blipFill>
-          <a:blip r:embed="rId2"/>
-          <a:stretch>
-            <a:fillRect/>
-          </a:stretch>
-        </p:blipFill>
-        <p:spPr>
-          <a:xfrm>
-            <a:off x="463961" y="728130"/>
-            <a:ext cx="6612856" cy="5042302"/>
-          </a:xfrm>
-          <a:prstGeom prst="roundRect">
-            <a:avLst>
-              <a:gd name="adj" fmla="val 3876"/>
-            </a:avLst>
-          </a:prstGeom>
-          <a:ln>
-            <a:solidFill>
-              <a:schemeClr val="accent1"/>
-            </a:solidFill>
-          </a:ln>
-          <a:effectLst/>
-        </p:spPr>
-      </p:pic>
-      <p:sp>
-        <p:nvSpPr>
-          <p:cNvPr id="9" name="Content Placeholder 2">
-            <a:extLst>
-              <a:ext uri="{FF2B5EF4-FFF2-40B4-BE49-F238E27FC236}">
-                <a16:creationId xmlns:a16="http://schemas.microsoft.com/office/drawing/2014/main" id="{A23D8724-F6E9-4756-B86A-C70C42FDB492}"/>
-              </a:ext>
-            </a:extLst>
-          </p:cNvPr>
-          <p:cNvSpPr>
-            <a:spLocks noGrp="1"/>
-          </p:cNvSpPr>
-          <p:nvPr>
-            <p:ph idx="1"/>
-          </p:nvPr>
-        </p:nvSpPr>
-        <p:spPr>
-          <a:xfrm>
-            <a:off x="8164749" y="1946922"/>
-            <a:ext cx="3939665" cy="4706797"/>
-          </a:xfrm>
-        </p:spPr>
-        <p:txBody>
-          <a:bodyPr>
-            <a:normAutofit/>
-          </a:bodyPr>
-          <a:lstStyle/>
-          <a:p>
-            <a:pPr>
-              <a:lnSpc>
-                <a:spcPct val="90000"/>
-              </a:lnSpc>
-              <a:buFont typeface="Wingdings" panose="05000000000000000000" pitchFamily="2" charset="2"/>
-              <a:buChar char="Ø"/>
-            </a:pPr>
-            <a:r>
-              <a:rPr lang="en-US" sz="2000" dirty="0">
-                <a:solidFill>
-                  <a:srgbClr val="FFFFFF"/>
-                </a:solidFill>
-              </a:rPr>
-              <a:t>New Auto Prices tend to increase every year</a:t>
-            </a:r>
-          </a:p>
-          <a:p>
-            <a:pPr>
-              <a:lnSpc>
-                <a:spcPct val="90000"/>
-              </a:lnSpc>
-              <a:buFont typeface="Wingdings" panose="05000000000000000000" pitchFamily="2" charset="2"/>
-              <a:buChar char="Ø"/>
-            </a:pPr>
-            <a:r>
-              <a:rPr lang="en-US" sz="2000" dirty="0">
-                <a:solidFill>
-                  <a:srgbClr val="FFFFFF"/>
-                </a:solidFill>
-              </a:rPr>
-              <a:t>New &amp; Used Auto Prices tend to increase together</a:t>
-            </a:r>
-          </a:p>
-          <a:p>
-            <a:pPr>
-              <a:lnSpc>
-                <a:spcPct val="90000"/>
-              </a:lnSpc>
-              <a:buFont typeface="Wingdings" panose="05000000000000000000" pitchFamily="2" charset="2"/>
-              <a:buChar char="Ø"/>
-            </a:pPr>
-            <a:r>
-              <a:rPr lang="en-US" sz="2000" dirty="0">
-                <a:solidFill>
-                  <a:srgbClr val="FFFFFF"/>
-                </a:solidFill>
-              </a:rPr>
-              <a:t>Steel Price is positively correlated to Gas Price with a tendency to increase together</a:t>
-            </a:r>
-          </a:p>
-          <a:p>
-            <a:pPr>
-              <a:lnSpc>
-                <a:spcPct val="90000"/>
-              </a:lnSpc>
-              <a:buFont typeface="Wingdings" panose="05000000000000000000" pitchFamily="2" charset="2"/>
-              <a:buChar char="Ø"/>
-            </a:pPr>
-            <a:r>
-              <a:rPr lang="en-US" sz="2000" dirty="0">
-                <a:solidFill>
-                  <a:srgbClr val="FFFFFF"/>
-                </a:solidFill>
-              </a:rPr>
-              <a:t>Steel Price &amp; the price of Used Vehicles also may have a tendency to increase together</a:t>
-            </a:r>
-          </a:p>
-        </p:txBody>
-      </p:sp>
-      <p:pic>
-        <p:nvPicPr>
-          <p:cNvPr id="5" name="Picture 4">
-            <a:extLst>
-              <a:ext uri="{FF2B5EF4-FFF2-40B4-BE49-F238E27FC236}">
-                <a16:creationId xmlns:a16="http://schemas.microsoft.com/office/drawing/2014/main" id="{D5F6873D-BFC8-AB41-88B9-5689722B12F1}"/>
-              </a:ext>
-            </a:extLst>
-          </p:cNvPr>
-          <p:cNvPicPr>
-            <a:picLocks noChangeAspect="1"/>
-          </p:cNvPicPr>
-          <p:nvPr/>
-        </p:nvPicPr>
-        <p:blipFill>
-          <a:blip r:embed="rId3"/>
-          <a:stretch>
-            <a:fillRect/>
-          </a:stretch>
-        </p:blipFill>
-        <p:spPr>
-          <a:xfrm>
-            <a:off x="11477296" y="0"/>
-            <a:ext cx="627118" cy="627118"/>
-          </a:xfrm>
-          <a:prstGeom prst="rect">
-            <a:avLst/>
-          </a:prstGeom>
-        </p:spPr>
-      </p:pic>
-    </p:spTree>
-    <p:extLst>
-      <p:ext uri="{BB962C8B-B14F-4D97-AF65-F5344CB8AC3E}">
-        <p14:creationId xmlns:p14="http://schemas.microsoft.com/office/powerpoint/2010/main" val="3543221006"/>
-      </p:ext>
-    </p:extLst>
-  </p:cSld>
-  <p:clrMapOvr>
-    <a:overrideClrMapping bg1="lt1" tx1="dk1" bg2="lt2" tx2="dk2" accent1="accent1" accent2="accent2" accent3="accent3" accent4="accent4" accent5="accent5" accent6="accent6" hlink="hlink" folHlink="folHlink"/>
-  </p:clrMapOvr>
-</p:sld>
-</file>
-
-<file path=ppt/slides/slide16.xml><?xml version="1.0" encoding="utf-8"?>
 <p:sld xmlns:a="http://schemas.openxmlformats.org/drawingml/2006/main" xmlns:r="http://schemas.openxmlformats.org/officeDocument/2006/relationships" xmlns:p="http://schemas.openxmlformats.org/presentationml/2006/main">
   <p:cSld>
     <p:spTree>
@@ -12593,7 +9165,7 @@
 </p:sld>
 </file>
 
-<file path=ppt/slides/slide17.xml><?xml version="1.0" encoding="utf-8"?>
+<file path=ppt/slides/slide15.xml><?xml version="1.0" encoding="utf-8"?>
 <p:sld xmlns:a="http://schemas.openxmlformats.org/drawingml/2006/main" xmlns:r="http://schemas.openxmlformats.org/officeDocument/2006/relationships" xmlns:p="http://schemas.openxmlformats.org/presentationml/2006/main">
   <p:cSld>
     <p:spTree>
@@ -12759,7 +9331,7 @@
 </p:sld>
 </file>
 
-<file path=ppt/slides/slide18.xml><?xml version="1.0" encoding="utf-8"?>
+<file path=ppt/slides/slide16.xml><?xml version="1.0" encoding="utf-8"?>
 <p:sld xmlns:a="http://schemas.openxmlformats.org/drawingml/2006/main" xmlns:r="http://schemas.openxmlformats.org/officeDocument/2006/relationships" xmlns:p="http://schemas.openxmlformats.org/presentationml/2006/main">
   <p:cSld>
     <p:spTree>
@@ -13418,7 +9990,7 @@
           <a:effectLst/>
           <a:extLst>
             <a:ext uri="{91240B29-F687-4f45-9708-019B960494DF}">
-              <a14:hiddenLine xmlns="" xmlns:a14="http://schemas.microsoft.com/office/drawing/2010/main" xmlns:p14="http://schemas.microsoft.com/office/powerpoint/2010/main" xmlns:a16="http://schemas.microsoft.com/office/drawing/2014/main" w="9525">
+              <a14:hiddenLine xmlns:a16="http://schemas.microsoft.com/office/drawing/2014/main" xmlns:p14="http://schemas.microsoft.com/office/powerpoint/2010/main" xmlns:a14="http://schemas.microsoft.com/office/drawing/2010/main" xmlns="" w="9525">
                 <a:solidFill>
                   <a:srgbClr val="000000"/>
                 </a:solidFill>
@@ -15323,13 +11895,13 @@
         </p:nvSpPr>
         <p:spPr>
           <a:xfrm>
-            <a:off x="8033208" y="2780817"/>
-            <a:ext cx="3582984" cy="2556558"/>
+            <a:off x="8200976" y="2552072"/>
+            <a:ext cx="3780711" cy="2202344"/>
           </a:xfrm>
         </p:spPr>
         <p:txBody>
           <a:bodyPr>
-            <a:normAutofit/>
+            <a:normAutofit fontScale="92500"/>
           </a:bodyPr>
           <a:lstStyle/>
           <a:p>
@@ -15338,7 +11910,7 @@
               <a:buChar char="Ø"/>
             </a:pPr>
             <a:r>
-              <a:rPr lang="en-US" sz="2400" dirty="0"/>
+              <a:rPr lang="en-US" sz="3200" dirty="0"/>
               <a:t>Correlation Coefficient: -0.02</a:t>
             </a:r>
           </a:p>
@@ -15348,7 +11920,7 @@
               <a:buChar char="Ø"/>
             </a:pPr>
             <a:r>
-              <a:rPr lang="en-US" sz="2400" dirty="0"/>
+              <a:rPr lang="en-US" sz="3200" dirty="0"/>
               <a:t>R-squared: 0.000444</a:t>
             </a:r>
           </a:p>
@@ -15357,10 +11929,7 @@
               <a:buFont typeface="Wingdings" panose="05000000000000000000" pitchFamily="2" charset="2"/>
               <a:buChar char="Ø"/>
             </a:pPr>
-            <a:r>
-              <a:rPr lang="en-US" sz="2400" dirty="0"/>
-              <a:t>P-Value: 0.768033294</a:t>
-            </a:r>
+            <a:endParaRPr lang="en-US" sz="3200" dirty="0"/>
           </a:p>
         </p:txBody>
       </p:sp>
@@ -15386,8 +11955,8 @@
         </p:blipFill>
         <p:spPr>
           <a:xfrm>
-            <a:off x="133171" y="2291733"/>
-            <a:ext cx="6459608" cy="4337610"/>
+            <a:off x="210313" y="2276238"/>
+            <a:ext cx="6565392" cy="4408644"/>
           </a:xfrm>
           <a:prstGeom prst="rect">
             <a:avLst/>
@@ -15401,7 +11970,7 @@
             </a:solidFill>
           </a:ln>
           <a:effectLst>
-            <a:innerShdw blurRad="63500" dist="50800" dir="13500000">
+            <a:innerShdw blurRad="63500" dist="50800" dir="18900000">
               <a:prstClr val="black">
                 <a:alpha val="50000"/>
               </a:prstClr>
@@ -15409,6 +11978,47 @@
           </a:effectLst>
         </p:spPr>
       </p:pic>
+      <p:sp>
+        <p:nvSpPr>
+          <p:cNvPr id="3" name="TextBox 2">
+            <a:extLst>
+              <a:ext uri="{FF2B5EF4-FFF2-40B4-BE49-F238E27FC236}">
+                <a16:creationId xmlns:a16="http://schemas.microsoft.com/office/drawing/2014/main" id="{8D006370-6E31-F447-9D61-82D1E7950CFE}"/>
+              </a:ext>
+            </a:extLst>
+          </p:cNvPr>
+          <p:cNvSpPr txBox="1"/>
+          <p:nvPr/>
+        </p:nvSpPr>
+        <p:spPr>
+          <a:xfrm>
+            <a:off x="7525511" y="4694658"/>
+            <a:ext cx="4456176" cy="1938992"/>
+          </a:xfrm>
+          <a:prstGeom prst="rect">
+            <a:avLst/>
+          </a:prstGeom>
+          <a:noFill/>
+        </p:spPr>
+        <p:txBody>
+          <a:bodyPr wrap="square" rtlCol="0">
+            <a:spAutoFit/>
+          </a:bodyPr>
+          <a:lstStyle/>
+          <a:p>
+            <a:endParaRPr lang="en-US" sz="2400" dirty="0"/>
+          </a:p>
+          <a:p>
+            <a:r>
+              <a:rPr lang="en-US" sz="2400" i="1" dirty="0"/>
+              <a:t>Model accounts for hardly any of the data and the correlation is weak.</a:t>
+            </a:r>
+          </a:p>
+          <a:p>
+            <a:endParaRPr lang="en-US" sz="2400" dirty="0"/>
+          </a:p>
+        </p:txBody>
+      </p:sp>
     </p:spTree>
     <p:extLst>
       <p:ext uri="{BB962C8B-B14F-4D97-AF65-F5344CB8AC3E}">

--- a/Presentation/Auto_sales_Michelle.pptx
+++ b/Presentation/Auto_sales_Michelle.pptx
@@ -2777,7 +2777,7 @@
           <a:effectLst/>
           <a:extLst>
             <a:ext uri="{91240B29-F687-4f45-9708-019B960494DF}">
-              <a14:hiddenLine xmlns:a14="http://schemas.microsoft.com/office/drawing/2010/main" xmlns="" w="9525">
+              <a14:hiddenLine xmlns="" xmlns:a14="http://schemas.microsoft.com/office/drawing/2010/main" w="9525">
                 <a:solidFill>
                   <a:srgbClr val="000000"/>
                 </a:solidFill>
@@ -2970,7 +2970,7 @@
             <a:fld id="{08B9EBBA-996F-894A-B54A-D6246ED52CEA}" type="datetimeFigureOut">
               <a:rPr lang="en-US" dirty="0"/>
               <a:pPr/>
-              <a:t>8/14/21</a:t>
+              <a:t>8/15/21</a:t>
             </a:fld>
             <a:endParaRPr lang="en-US" dirty="0"/>
           </a:p>
@@ -3285,7 +3285,7 @@
             <a:fld id="{18C79C5D-2A6F-F04D-97DA-BEF2467B64E4}" type="datetimeFigureOut">
               <a:rPr lang="en-US" dirty="0"/>
               <a:pPr/>
-              <a:t>8/14/21</a:t>
+              <a:t>8/15/21</a:t>
             </a:fld>
             <a:endParaRPr lang="en-US" dirty="0"/>
           </a:p>
@@ -3770,7 +3770,7 @@
             <a:fld id="{8DFA1846-DA80-1C48-A609-854EA85C59AD}" type="datetimeFigureOut">
               <a:rPr lang="en-US" dirty="0"/>
               <a:pPr/>
-              <a:t>8/14/21</a:t>
+              <a:t>8/15/21</a:t>
             </a:fld>
             <a:endParaRPr lang="en-US" dirty="0"/>
           </a:p>
@@ -4136,7 +4136,7 @@
             <a:fld id="{FBF54567-0DE4-3F47-BF90-CB84690072F9}" type="datetimeFigureOut">
               <a:rPr lang="en-US" dirty="0"/>
               <a:pPr/>
-              <a:t>8/14/21</a:t>
+              <a:t>8/15/21</a:t>
             </a:fld>
             <a:endParaRPr lang="en-US" dirty="0"/>
           </a:p>
@@ -4287,7 +4287,7 @@
           <a:ln/>
           <a:extLst>
             <a:ext uri="{91240B29-F687-4f45-9708-019B960494DF}">
-              <a14:hiddenLine xmlns:a14="http://schemas.microsoft.com/office/drawing/2010/main" xmlns="" w="9525">
+              <a14:hiddenLine xmlns="" xmlns:a14="http://schemas.microsoft.com/office/drawing/2010/main" w="9525">
                 <a:solidFill>
                   <a:srgbClr val="000000"/>
                 </a:solidFill>
@@ -4406,7 +4406,7 @@
             <a:fld id="{C6C52C72-DE31-F449-A4ED-4C594FD91407}" type="datetimeFigureOut">
               <a:rPr lang="en-US" dirty="0"/>
               <a:pPr/>
-              <a:t>8/14/21</a:t>
+              <a:t>8/15/21</a:t>
             </a:fld>
             <a:endParaRPr lang="en-US" dirty="0"/>
           </a:p>
@@ -4559,7 +4559,7 @@
           <a:ln/>
           <a:extLst>
             <a:ext uri="{91240B29-F687-4f45-9708-019B960494DF}">
-              <a14:hiddenLine xmlns:a14="http://schemas.microsoft.com/office/drawing/2010/main" xmlns="" w="9525">
+              <a14:hiddenLine xmlns="" xmlns:a14="http://schemas.microsoft.com/office/drawing/2010/main" w="9525">
                 <a:solidFill>
                   <a:srgbClr val="000000"/>
                 </a:solidFill>
@@ -4688,7 +4688,7 @@
             <a:fld id="{ED62726E-379B-B349-9EED-81ED093FA806}" type="datetimeFigureOut">
               <a:rPr lang="en-US" dirty="0"/>
               <a:pPr/>
-              <a:t>8/14/21</a:t>
+              <a:t>8/15/21</a:t>
             </a:fld>
             <a:endParaRPr lang="en-US" dirty="0"/>
           </a:p>
@@ -4839,7 +4839,7 @@
           <a:ln/>
           <a:extLst>
             <a:ext uri="{91240B29-F687-4f45-9708-019B960494DF}">
-              <a14:hiddenLine xmlns:a14="http://schemas.microsoft.com/office/drawing/2010/main" xmlns="" w="9525">
+              <a14:hiddenLine xmlns="" xmlns:a14="http://schemas.microsoft.com/office/drawing/2010/main" w="9525">
                 <a:solidFill>
                   <a:srgbClr val="000000"/>
                 </a:solidFill>
@@ -4968,7 +4968,7 @@
             <a:fld id="{9B3A1323-8D79-1946-B0D7-40001CF92E9D}" type="datetimeFigureOut">
               <a:rPr lang="en-US" dirty="0"/>
               <a:pPr/>
-              <a:t>8/14/21</a:t>
+              <a:t>8/15/21</a:t>
             </a:fld>
             <a:endParaRPr lang="en-US" dirty="0"/>
           </a:p>
@@ -5308,7 +5308,7 @@
             <a:fld id="{8DFA1846-DA80-1C48-A609-854EA85C59AD}" type="datetimeFigureOut">
               <a:rPr lang="en-US" dirty="0"/>
               <a:pPr/>
-              <a:t>8/14/21</a:t>
+              <a:t>8/15/21</a:t>
             </a:fld>
             <a:endParaRPr lang="en-US" dirty="0"/>
           </a:p>
@@ -5459,7 +5459,7 @@
           <a:ln/>
           <a:extLst>
             <a:ext uri="{91240B29-F687-4f45-9708-019B960494DF}">
-              <a14:hiddenLine xmlns:a14="http://schemas.microsoft.com/office/drawing/2010/main" xmlns="" w="9525">
+              <a14:hiddenLine xmlns="" xmlns:a14="http://schemas.microsoft.com/office/drawing/2010/main" w="9525">
                 <a:solidFill>
                   <a:srgbClr val="000000"/>
                 </a:solidFill>
@@ -5644,7 +5644,7 @@
             <a:fld id="{57302355-E14B-8545-A8F8-0FE83CC9D524}" type="datetimeFigureOut">
               <a:rPr lang="en-US" dirty="0"/>
               <a:pPr/>
-              <a:t>8/14/21</a:t>
+              <a:t>8/15/21</a:t>
             </a:fld>
             <a:endParaRPr lang="en-US" dirty="0"/>
           </a:p>
@@ -5795,7 +5795,7 @@
           <a:ln/>
           <a:extLst>
             <a:ext uri="{91240B29-F687-4f45-9708-019B960494DF}">
-              <a14:hiddenLine xmlns:a14="http://schemas.microsoft.com/office/drawing/2010/main" xmlns="" w="9525">
+              <a14:hiddenLine xmlns="" xmlns:a14="http://schemas.microsoft.com/office/drawing/2010/main" w="9525">
                 <a:solidFill>
                   <a:srgbClr val="000000"/>
                 </a:solidFill>
@@ -6118,7 +6118,7 @@
             <a:fld id="{02640F58-564D-2B4F-AE67-E407BA4FCF45}" type="datetimeFigureOut">
               <a:rPr lang="en-US" dirty="0"/>
               <a:pPr/>
-              <a:t>8/14/21</a:t>
+              <a:t>8/15/21</a:t>
             </a:fld>
             <a:endParaRPr lang="en-US" dirty="0"/>
           </a:p>
@@ -6269,7 +6269,7 @@
           <a:ln/>
           <a:extLst>
             <a:ext uri="{91240B29-F687-4f45-9708-019B960494DF}">
-              <a14:hiddenLine xmlns:a14="http://schemas.microsoft.com/office/drawing/2010/main" xmlns="" w="9525">
+              <a14:hiddenLine xmlns="" xmlns:a14="http://schemas.microsoft.com/office/drawing/2010/main" w="9525">
                 <a:solidFill>
                   <a:srgbClr val="000000"/>
                 </a:solidFill>
@@ -6336,7 +6336,7 @@
             <a:fld id="{F13A34C8-038E-2045-AF43-DF7DBB8E0E9E}" type="datetimeFigureOut">
               <a:rPr lang="en-US" dirty="0"/>
               <a:pPr/>
-              <a:t>8/14/21</a:t>
+              <a:t>8/15/21</a:t>
             </a:fld>
             <a:endParaRPr lang="en-US" dirty="0"/>
           </a:p>
@@ -6428,7 +6428,7 @@
             <a:fld id="{8818C68F-D26B-8F47-958C-23B49CF8A634}" type="datetimeFigureOut">
               <a:rPr lang="en-US" dirty="0"/>
               <a:pPr/>
-              <a:t>8/14/21</a:t>
+              <a:t>8/15/21</a:t>
             </a:fld>
             <a:endParaRPr lang="en-US" dirty="0"/>
           </a:p>
@@ -6692,7 +6692,7 @@
           <a:ln/>
           <a:extLst>
             <a:ext uri="{91240B29-F687-4f45-9708-019B960494DF}">
-              <a14:hiddenLine xmlns:a14="http://schemas.microsoft.com/office/drawing/2010/main" xmlns="" w="9525">
+              <a14:hiddenLine xmlns="" xmlns:a14="http://schemas.microsoft.com/office/drawing/2010/main" w="9525">
                 <a:solidFill>
                   <a:srgbClr val="000000"/>
                 </a:solidFill>
@@ -6892,7 +6892,7 @@
             <a:fld id="{D0DF5E60-9974-AC48-9591-99C2BB44B7CF}" type="datetimeFigureOut">
               <a:rPr lang="en-US" dirty="0"/>
               <a:pPr/>
-              <a:t>8/14/21</a:t>
+              <a:t>8/15/21</a:t>
             </a:fld>
             <a:endParaRPr lang="en-US" dirty="0"/>
           </a:p>
@@ -7202,7 +7202,7 @@
             <a:fld id="{18C79C5D-2A6F-F04D-97DA-BEF2467B64E4}" type="datetimeFigureOut">
               <a:rPr lang="en-US" dirty="0"/>
               <a:pPr/>
-              <a:t>8/14/21</a:t>
+              <a:t>8/15/21</a:t>
             </a:fld>
             <a:endParaRPr lang="en-US" dirty="0"/>
           </a:p>
@@ -7469,7 +7469,7 @@
             <a:fld id="{09B482E8-6E0E-1B4F-B1FD-C69DB9E858D9}" type="datetimeFigureOut">
               <a:rPr lang="en-US" dirty="0"/>
               <a:pPr/>
-              <a:t>8/14/21</a:t>
+              <a:t>8/15/21</a:t>
             </a:fld>
             <a:endParaRPr lang="en-US" dirty="0"/>
           </a:p>
@@ -8213,7 +8213,7 @@
         </p:nvSpPr>
         <p:spPr>
           <a:xfrm>
-            <a:off x="8014383" y="2432420"/>
+            <a:off x="7988090" y="2756617"/>
             <a:ext cx="3776472" cy="2203704"/>
           </a:xfrm>
         </p:spPr>
@@ -8229,7 +8229,7 @@
             </a:pPr>
             <a:r>
               <a:rPr lang="en-US" sz="3000" dirty="0"/>
-              <a:t>Correlation Coefficient: -0.62</a:t>
+              <a:t>R-squared: 0.378</a:t>
             </a:r>
           </a:p>
           <a:p>
@@ -8239,8 +8239,15 @@
             </a:pPr>
             <a:r>
               <a:rPr lang="en-US" sz="3000" dirty="0"/>
-              <a:t>R-squared: 0.378</a:t>
-            </a:r>
+              <a:t>Correlation Coefficient: -0.62</a:t>
+            </a:r>
+          </a:p>
+          <a:p>
+            <a:pPr>
+              <a:buFont typeface="Wingdings" panose="05000000000000000000" pitchFamily="2" charset="2"/>
+              <a:buChar char="Ø"/>
+            </a:pPr>
+            <a:endParaRPr lang="en-US" sz="3000" dirty="0"/>
           </a:p>
           <a:p>
             <a:pPr marL="0" indent="0">
@@ -8304,8 +8311,8 @@
         </p:nvSpPr>
         <p:spPr>
           <a:xfrm>
-            <a:off x="7519083" y="4405031"/>
-            <a:ext cx="4456176" cy="1938992"/>
+            <a:off x="7831118" y="4629461"/>
+            <a:ext cx="4456176" cy="2308324"/>
           </a:xfrm>
           <a:prstGeom prst="rect">
             <a:avLst/>
@@ -8323,7 +8330,13 @@
           <a:p>
             <a:r>
               <a:rPr lang="en-US" sz="2400" i="1" dirty="0"/>
-              <a:t>Accounts for roughly 37% of the data and the correlation is Moderate.</a:t>
+              <a:t>This model accounts for roughly 37% of the data </a:t>
+            </a:r>
+          </a:p>
+          <a:p>
+            <a:r>
+              <a:rPr lang="en-US" sz="2400" i="1" dirty="0"/>
+              <a:t>and the correlation is Moderate.</a:t>
             </a:r>
           </a:p>
           <a:p>
@@ -8482,7 +8495,7 @@
         </p:nvSpPr>
         <p:spPr>
           <a:xfrm>
-            <a:off x="8014383" y="2472346"/>
+            <a:off x="8014383" y="2861990"/>
             <a:ext cx="3776472" cy="2203704"/>
           </a:xfrm>
         </p:spPr>
@@ -8498,7 +8511,7 @@
             </a:pPr>
             <a:r>
               <a:rPr lang="en-US" sz="3000" dirty="0"/>
-              <a:t>Correlation Coefficient:  -0.03</a:t>
+              <a:t>R-squared: 0.000751</a:t>
             </a:r>
           </a:p>
           <a:p>
@@ -8508,8 +8521,15 @@
             </a:pPr>
             <a:r>
               <a:rPr lang="en-US" sz="3000" dirty="0"/>
-              <a:t>R-squared: 0.000751</a:t>
-            </a:r>
+              <a:t>Correlation Coefficient:  -0.03</a:t>
+            </a:r>
+          </a:p>
+          <a:p>
+            <a:pPr>
+              <a:buFont typeface="Wingdings" panose="05000000000000000000" pitchFamily="2" charset="2"/>
+              <a:buChar char="Ø"/>
+            </a:pPr>
+            <a:endParaRPr lang="en-US" sz="3000" dirty="0"/>
           </a:p>
           <a:p>
             <a:pPr marL="0" indent="0">
@@ -8533,7 +8553,7 @@
         </p:nvSpPr>
         <p:spPr>
           <a:xfrm>
-            <a:off x="7552409" y="4576608"/>
+            <a:off x="7552409" y="4821151"/>
             <a:ext cx="4456176" cy="1938992"/>
           </a:xfrm>
           <a:prstGeom prst="rect">
@@ -8711,7 +8731,7 @@
         </p:nvSpPr>
         <p:spPr>
           <a:xfrm>
-            <a:off x="8075676" y="2327148"/>
+            <a:off x="8014383" y="2900727"/>
             <a:ext cx="3776472" cy="2203704"/>
           </a:xfrm>
         </p:spPr>
@@ -8727,7 +8747,7 @@
             </a:pPr>
             <a:r>
               <a:rPr lang="en-US" sz="3000" dirty="0"/>
-              <a:t>Correlation Coefficient: 0.45</a:t>
+              <a:t>R-squared: 0.2047394</a:t>
             </a:r>
           </a:p>
           <a:p>
@@ -8737,8 +8757,15 @@
             </a:pPr>
             <a:r>
               <a:rPr lang="en-US" sz="3000" dirty="0"/>
-              <a:t>R-squared: 0.2047394</a:t>
-            </a:r>
+              <a:t>Correlation Coefficient: 0.45</a:t>
+            </a:r>
+          </a:p>
+          <a:p>
+            <a:pPr>
+              <a:buFont typeface="Wingdings" panose="05000000000000000000" pitchFamily="2" charset="2"/>
+              <a:buChar char="Ø"/>
+            </a:pPr>
+            <a:endParaRPr lang="en-US" sz="3000" dirty="0"/>
           </a:p>
           <a:p>
             <a:pPr marL="0" indent="0">
@@ -8762,7 +8789,7 @@
         </p:nvSpPr>
         <p:spPr>
           <a:xfrm>
-            <a:off x="7648238" y="4708875"/>
+            <a:off x="7648238" y="4775377"/>
             <a:ext cx="4456176" cy="1938992"/>
           </a:xfrm>
           <a:prstGeom prst="rect">
@@ -8940,7 +8967,7 @@
         </p:nvSpPr>
         <p:spPr>
           <a:xfrm>
-            <a:off x="8014383" y="2285401"/>
+            <a:off x="8095488" y="2850666"/>
             <a:ext cx="3776472" cy="2203704"/>
           </a:xfrm>
         </p:spPr>
@@ -8956,7 +8983,7 @@
             </a:pPr>
             <a:r>
               <a:rPr lang="en-US" sz="3000" dirty="0"/>
-              <a:t>Correlation Coefficient: 0.24</a:t>
+              <a:t>R-squared: 0.0553622</a:t>
             </a:r>
           </a:p>
           <a:p>
@@ -8966,8 +8993,15 @@
             </a:pPr>
             <a:r>
               <a:rPr lang="en-US" sz="3000" dirty="0"/>
-              <a:t>R-squared: 0.0553622</a:t>
-            </a:r>
+              <a:t>Correlation Coefficient: 0.24</a:t>
+            </a:r>
+          </a:p>
+          <a:p>
+            <a:pPr>
+              <a:buFont typeface="Wingdings" panose="05000000000000000000" pitchFamily="2" charset="2"/>
+              <a:buChar char="Ø"/>
+            </a:pPr>
+            <a:endParaRPr lang="en-US" sz="3000" dirty="0"/>
           </a:p>
           <a:p>
             <a:pPr marL="0" indent="0">
@@ -8991,7 +9025,7 @@
         </p:nvSpPr>
         <p:spPr>
           <a:xfrm>
-            <a:off x="7415784" y="4562392"/>
+            <a:off x="7415784" y="4786836"/>
             <a:ext cx="4456176" cy="1938992"/>
           </a:xfrm>
           <a:prstGeom prst="rect">
@@ -9990,7 +10024,7 @@
           <a:effectLst/>
           <a:extLst>
             <a:ext uri="{91240B29-F687-4f45-9708-019B960494DF}">
-              <a14:hiddenLine xmlns:a16="http://schemas.microsoft.com/office/drawing/2014/main" xmlns:p14="http://schemas.microsoft.com/office/powerpoint/2010/main" xmlns:a14="http://schemas.microsoft.com/office/drawing/2010/main" xmlns="" w="9525">
+              <a14:hiddenLine xmlns="" xmlns:a14="http://schemas.microsoft.com/office/drawing/2010/main" xmlns:p14="http://schemas.microsoft.com/office/powerpoint/2010/main" xmlns:a16="http://schemas.microsoft.com/office/drawing/2014/main" w="9525">
                 <a:solidFill>
                   <a:srgbClr val="000000"/>
                 </a:solidFill>
@@ -11895,7 +11929,7 @@
         </p:nvSpPr>
         <p:spPr>
           <a:xfrm>
-            <a:off x="8200976" y="2552072"/>
+            <a:off x="8200976" y="2736177"/>
             <a:ext cx="3780711" cy="2202344"/>
           </a:xfrm>
         </p:spPr>
@@ -11911,7 +11945,7 @@
             </a:pPr>
             <a:r>
               <a:rPr lang="en-US" sz="3200" dirty="0"/>
-              <a:t>Correlation Coefficient: -0.02</a:t>
+              <a:t>R-squared: 0.000444</a:t>
             </a:r>
           </a:p>
           <a:p>
@@ -11921,8 +11955,15 @@
             </a:pPr>
             <a:r>
               <a:rPr lang="en-US" sz="3200" dirty="0"/>
-              <a:t>R-squared: 0.000444</a:t>
-            </a:r>
+              <a:t>Correlation Coefficient: -0.02</a:t>
+            </a:r>
+          </a:p>
+          <a:p>
+            <a:pPr>
+              <a:buFont typeface="Wingdings" panose="05000000000000000000" pitchFamily="2" charset="2"/>
+              <a:buChar char="Ø"/>
+            </a:pPr>
+            <a:endParaRPr lang="en-US" sz="3200" dirty="0"/>
           </a:p>
           <a:p>
             <a:pPr>

--- a/Presentation/Auto_sales_Michelle.pptx
+++ b/Presentation/Auto_sales_Michelle.pptx
@@ -2777,7 +2777,7 @@
           <a:effectLst/>
           <a:extLst>
             <a:ext uri="{91240B29-F687-4f45-9708-019B960494DF}">
-              <a14:hiddenLine xmlns="" xmlns:a14="http://schemas.microsoft.com/office/drawing/2010/main" w="9525">
+              <a14:hiddenLine xmlns:a14="http://schemas.microsoft.com/office/drawing/2010/main" xmlns="" w="9525">
                 <a:solidFill>
                   <a:srgbClr val="000000"/>
                 </a:solidFill>
@@ -4287,7 +4287,7 @@
           <a:ln/>
           <a:extLst>
             <a:ext uri="{91240B29-F687-4f45-9708-019B960494DF}">
-              <a14:hiddenLine xmlns="" xmlns:a14="http://schemas.microsoft.com/office/drawing/2010/main" w="9525">
+              <a14:hiddenLine xmlns:a14="http://schemas.microsoft.com/office/drawing/2010/main" xmlns="" w="9525">
                 <a:solidFill>
                   <a:srgbClr val="000000"/>
                 </a:solidFill>
@@ -4559,7 +4559,7 @@
           <a:ln/>
           <a:extLst>
             <a:ext uri="{91240B29-F687-4f45-9708-019B960494DF}">
-              <a14:hiddenLine xmlns="" xmlns:a14="http://schemas.microsoft.com/office/drawing/2010/main" w="9525">
+              <a14:hiddenLine xmlns:a14="http://schemas.microsoft.com/office/drawing/2010/main" xmlns="" w="9525">
                 <a:solidFill>
                   <a:srgbClr val="000000"/>
                 </a:solidFill>
@@ -4839,7 +4839,7 @@
           <a:ln/>
           <a:extLst>
             <a:ext uri="{91240B29-F687-4f45-9708-019B960494DF}">
-              <a14:hiddenLine xmlns="" xmlns:a14="http://schemas.microsoft.com/office/drawing/2010/main" w="9525">
+              <a14:hiddenLine xmlns:a14="http://schemas.microsoft.com/office/drawing/2010/main" xmlns="" w="9525">
                 <a:solidFill>
                   <a:srgbClr val="000000"/>
                 </a:solidFill>
@@ -5459,7 +5459,7 @@
           <a:ln/>
           <a:extLst>
             <a:ext uri="{91240B29-F687-4f45-9708-019B960494DF}">
-              <a14:hiddenLine xmlns="" xmlns:a14="http://schemas.microsoft.com/office/drawing/2010/main" w="9525">
+              <a14:hiddenLine xmlns:a14="http://schemas.microsoft.com/office/drawing/2010/main" xmlns="" w="9525">
                 <a:solidFill>
                   <a:srgbClr val="000000"/>
                 </a:solidFill>
@@ -5795,7 +5795,7 @@
           <a:ln/>
           <a:extLst>
             <a:ext uri="{91240B29-F687-4f45-9708-019B960494DF}">
-              <a14:hiddenLine xmlns="" xmlns:a14="http://schemas.microsoft.com/office/drawing/2010/main" w="9525">
+              <a14:hiddenLine xmlns:a14="http://schemas.microsoft.com/office/drawing/2010/main" xmlns="" w="9525">
                 <a:solidFill>
                   <a:srgbClr val="000000"/>
                 </a:solidFill>
@@ -6269,7 +6269,7 @@
           <a:ln/>
           <a:extLst>
             <a:ext uri="{91240B29-F687-4f45-9708-019B960494DF}">
-              <a14:hiddenLine xmlns="" xmlns:a14="http://schemas.microsoft.com/office/drawing/2010/main" w="9525">
+              <a14:hiddenLine xmlns:a14="http://schemas.microsoft.com/office/drawing/2010/main" xmlns="" w="9525">
                 <a:solidFill>
                   <a:srgbClr val="000000"/>
                 </a:solidFill>
@@ -6692,7 +6692,7 @@
           <a:ln/>
           <a:extLst>
             <a:ext uri="{91240B29-F687-4f45-9708-019B960494DF}">
-              <a14:hiddenLine xmlns="" xmlns:a14="http://schemas.microsoft.com/office/drawing/2010/main" w="9525">
+              <a14:hiddenLine xmlns:a14="http://schemas.microsoft.com/office/drawing/2010/main" xmlns="" w="9525">
                 <a:solidFill>
                   <a:srgbClr val="000000"/>
                 </a:solidFill>
@@ -10024,7 +10024,7 @@
           <a:effectLst/>
           <a:extLst>
             <a:ext uri="{91240B29-F687-4f45-9708-019B960494DF}">
-              <a14:hiddenLine xmlns="" xmlns:a14="http://schemas.microsoft.com/office/drawing/2010/main" xmlns:p14="http://schemas.microsoft.com/office/powerpoint/2010/main" xmlns:a16="http://schemas.microsoft.com/office/drawing/2014/main" w="9525">
+              <a14:hiddenLine xmlns:a16="http://schemas.microsoft.com/office/drawing/2014/main" xmlns:p14="http://schemas.microsoft.com/office/powerpoint/2010/main" xmlns:a14="http://schemas.microsoft.com/office/drawing/2010/main" xmlns="" w="9525">
                 <a:solidFill>
                   <a:srgbClr val="000000"/>
                 </a:solidFill>
